--- a/Week 1/Lectures/1.2 Terminal.pptx
+++ b/Week 1/Lectures/1.2 Terminal.pptx
@@ -1,49 +1,28 @@
 
 <file path=ppt/presentation.xml><?xml version="1.0" encoding="utf-8"?>
-<p:presentation xmlns:a="http://schemas.openxmlformats.org/drawingml/2006/main" xmlns:r="http://schemas.openxmlformats.org/officeDocument/2006/relationships" xmlns:mc="http://schemas.openxmlformats.org/markup-compatibility/2006" xmlns:mv="urn:schemas-microsoft-com:mac:vml" xmlns:p="http://schemas.openxmlformats.org/presentationml/2006/main" xmlns:c="http://schemas.openxmlformats.org/drawingml/2006/chart" xmlns:dgm="http://schemas.openxmlformats.org/drawingml/2006/diagram" xmlns:o="urn:schemas-microsoft-com:office:office" xmlns:v="urn:schemas-microsoft-com:vml" xmlns:pvml="urn:schemas-microsoft-com:office:powerpoint" xmlns:com="http://schemas.openxmlformats.org/drawingml/2006/compatibility" xmlns:p14="http://schemas.microsoft.com/office/powerpoint/2010/main" autoCompressPictures="0" embedTrueTypeFonts="1" strictFirstAndLastChars="0" saveSubsetFonts="1">
+<p:presentation xmlns:a="http://schemas.openxmlformats.org/drawingml/2006/main" xmlns:r="http://schemas.openxmlformats.org/officeDocument/2006/relationships" xmlns:p="http://schemas.openxmlformats.org/presentationml/2006/main" strictFirstAndLastChars="0" embedTrueTypeFonts="1" saveSubsetFonts="1" autoCompressPictures="0">
   <p:sldMasterIdLst>
-    <p:sldMasterId id="2147483662" r:id="rId3"/>
+    <p:sldMasterId id="2147483662" r:id="rId1"/>
   </p:sldMasterIdLst>
   <p:notesMasterIdLst>
-    <p:notesMasterId r:id="rId4"/>
+    <p:notesMasterId r:id="rId12"/>
   </p:notesMasterIdLst>
   <p:sldIdLst>
-    <p:sldId id="256" r:id="rId5"/>
-    <p:sldId id="257" r:id="rId6"/>
-    <p:sldId id="258" r:id="rId7"/>
-    <p:sldId id="259" r:id="rId8"/>
-    <p:sldId id="260" r:id="rId9"/>
-    <p:sldId id="261" r:id="rId10"/>
-    <p:sldId id="262" r:id="rId11"/>
-    <p:sldId id="263" r:id="rId12"/>
-    <p:sldId id="264" r:id="rId13"/>
-    <p:sldId id="265" r:id="rId14"/>
+    <p:sldId id="256" r:id="rId2"/>
+    <p:sldId id="257" r:id="rId3"/>
+    <p:sldId id="258" r:id="rId4"/>
+    <p:sldId id="259" r:id="rId5"/>
+    <p:sldId id="260" r:id="rId6"/>
+    <p:sldId id="261" r:id="rId7"/>
+    <p:sldId id="262" r:id="rId8"/>
+    <p:sldId id="263" r:id="rId9"/>
+    <p:sldId id="264" r:id="rId10"/>
+    <p:sldId id="265" r:id="rId11"/>
   </p:sldIdLst>
-  <p:sldSz cy="6858000" cx="9144000"/>
+  <p:sldSz cx="9144000" cy="6858000" type="screen4x3"/>
   <p:notesSz cx="6858000" cy="9144000"/>
-  <p:embeddedFontLst>
-    <p:embeddedFont>
-      <p:font typeface="PT Sans Narrow"/>
-      <p:regular r:id="rId15"/>
-      <p:bold r:id="rId16"/>
-    </p:embeddedFont>
-    <p:embeddedFont>
-      <p:font typeface="Source Sans Pro"/>
-      <p:regular r:id="rId17"/>
-      <p:bold r:id="rId18"/>
-      <p:italic r:id="rId19"/>
-      <p:boldItalic r:id="rId20"/>
-    </p:embeddedFont>
-    <p:embeddedFont>
-      <p:font typeface="Open Sans"/>
-      <p:regular r:id="rId21"/>
-      <p:bold r:id="rId22"/>
-      <p:italic r:id="rId23"/>
-      <p:boldItalic r:id="rId24"/>
-    </p:embeddedFont>
-  </p:embeddedFontLst>
   <p:defaultTextStyle>
-    <a:defPPr lvl="0" marR="0" rtl="0" algn="l">
+    <a:defPPr marR="0" lvl="0" algn="l" rtl="0">
       <a:lnSpc>
         <a:spcPct val="100000"/>
       </a:lnSpc>
@@ -54,7 +33,7 @@
         <a:spcPts val="0"/>
       </a:spcAft>
     </a:defPPr>
-    <a:lvl1pPr lvl="0" marR="0" rtl="0" algn="l">
+    <a:lvl1pPr marR="0" lvl="0" algn="l" rtl="0">
       <a:lnSpc>
         <a:spcPct val="100000"/>
       </a:lnSpc>
@@ -65,7 +44,7 @@
         <a:spcPts val="0"/>
       </a:spcAft>
       <a:buNone/>
-      <a:defRPr b="0" i="0" sz="1400" u="none" cap="none" strike="noStrike">
+      <a:defRPr sz="1400" b="0" i="0" u="none" strike="noStrike" cap="none">
         <a:solidFill>
           <a:srgbClr val="000000"/>
         </a:solidFill>
@@ -75,7 +54,7 @@
         <a:sym typeface="Arial"/>
       </a:defRPr>
     </a:lvl1pPr>
-    <a:lvl2pPr lvl="1" marR="0" rtl="0" algn="l">
+    <a:lvl2pPr marR="0" lvl="1" algn="l" rtl="0">
       <a:lnSpc>
         <a:spcPct val="100000"/>
       </a:lnSpc>
@@ -86,7 +65,7 @@
         <a:spcPts val="0"/>
       </a:spcAft>
       <a:buNone/>
-      <a:defRPr b="0" i="0" sz="1400" u="none" cap="none" strike="noStrike">
+      <a:defRPr sz="1400" b="0" i="0" u="none" strike="noStrike" cap="none">
         <a:solidFill>
           <a:srgbClr val="000000"/>
         </a:solidFill>
@@ -96,7 +75,7 @@
         <a:sym typeface="Arial"/>
       </a:defRPr>
     </a:lvl2pPr>
-    <a:lvl3pPr lvl="2" marR="0" rtl="0" algn="l">
+    <a:lvl3pPr marR="0" lvl="2" algn="l" rtl="0">
       <a:lnSpc>
         <a:spcPct val="100000"/>
       </a:lnSpc>
@@ -107,7 +86,7 @@
         <a:spcPts val="0"/>
       </a:spcAft>
       <a:buNone/>
-      <a:defRPr b="0" i="0" sz="1400" u="none" cap="none" strike="noStrike">
+      <a:defRPr sz="1400" b="0" i="0" u="none" strike="noStrike" cap="none">
         <a:solidFill>
           <a:srgbClr val="000000"/>
         </a:solidFill>
@@ -117,7 +96,7 @@
         <a:sym typeface="Arial"/>
       </a:defRPr>
     </a:lvl3pPr>
-    <a:lvl4pPr lvl="3" marR="0" rtl="0" algn="l">
+    <a:lvl4pPr marR="0" lvl="3" algn="l" rtl="0">
       <a:lnSpc>
         <a:spcPct val="100000"/>
       </a:lnSpc>
@@ -128,7 +107,7 @@
         <a:spcPts val="0"/>
       </a:spcAft>
       <a:buNone/>
-      <a:defRPr b="0" i="0" sz="1400" u="none" cap="none" strike="noStrike">
+      <a:defRPr sz="1400" b="0" i="0" u="none" strike="noStrike" cap="none">
         <a:solidFill>
           <a:srgbClr val="000000"/>
         </a:solidFill>
@@ -138,7 +117,7 @@
         <a:sym typeface="Arial"/>
       </a:defRPr>
     </a:lvl4pPr>
-    <a:lvl5pPr lvl="4" marR="0" rtl="0" algn="l">
+    <a:lvl5pPr marR="0" lvl="4" algn="l" rtl="0">
       <a:lnSpc>
         <a:spcPct val="100000"/>
       </a:lnSpc>
@@ -149,7 +128,7 @@
         <a:spcPts val="0"/>
       </a:spcAft>
       <a:buNone/>
-      <a:defRPr b="0" i="0" sz="1400" u="none" cap="none" strike="noStrike">
+      <a:defRPr sz="1400" b="0" i="0" u="none" strike="noStrike" cap="none">
         <a:solidFill>
           <a:srgbClr val="000000"/>
         </a:solidFill>
@@ -159,7 +138,7 @@
         <a:sym typeface="Arial"/>
       </a:defRPr>
     </a:lvl5pPr>
-    <a:lvl6pPr lvl="5" marR="0" rtl="0" algn="l">
+    <a:lvl6pPr marR="0" lvl="5" algn="l" rtl="0">
       <a:lnSpc>
         <a:spcPct val="100000"/>
       </a:lnSpc>
@@ -170,7 +149,7 @@
         <a:spcPts val="0"/>
       </a:spcAft>
       <a:buNone/>
-      <a:defRPr b="0" i="0" sz="1400" u="none" cap="none" strike="noStrike">
+      <a:defRPr sz="1400" b="0" i="0" u="none" strike="noStrike" cap="none">
         <a:solidFill>
           <a:srgbClr val="000000"/>
         </a:solidFill>
@@ -180,7 +159,7 @@
         <a:sym typeface="Arial"/>
       </a:defRPr>
     </a:lvl6pPr>
-    <a:lvl7pPr lvl="6" marR="0" rtl="0" algn="l">
+    <a:lvl7pPr marR="0" lvl="6" algn="l" rtl="0">
       <a:lnSpc>
         <a:spcPct val="100000"/>
       </a:lnSpc>
@@ -191,7 +170,7 @@
         <a:spcPts val="0"/>
       </a:spcAft>
       <a:buNone/>
-      <a:defRPr b="0" i="0" sz="1400" u="none" cap="none" strike="noStrike">
+      <a:defRPr sz="1400" b="0" i="0" u="none" strike="noStrike" cap="none">
         <a:solidFill>
           <a:srgbClr val="000000"/>
         </a:solidFill>
@@ -201,7 +180,7 @@
         <a:sym typeface="Arial"/>
       </a:defRPr>
     </a:lvl7pPr>
-    <a:lvl8pPr lvl="7" marR="0" rtl="0" algn="l">
+    <a:lvl8pPr marR="0" lvl="7" algn="l" rtl="0">
       <a:lnSpc>
         <a:spcPct val="100000"/>
       </a:lnSpc>
@@ -212,7 +191,7 @@
         <a:spcPts val="0"/>
       </a:spcAft>
       <a:buNone/>
-      <a:defRPr b="0" i="0" sz="1400" u="none" cap="none" strike="noStrike">
+      <a:defRPr sz="1400" b="0" i="0" u="none" strike="noStrike" cap="none">
         <a:solidFill>
           <a:srgbClr val="000000"/>
         </a:solidFill>
@@ -222,7 +201,7 @@
         <a:sym typeface="Arial"/>
       </a:defRPr>
     </a:lvl8pPr>
-    <a:lvl9pPr lvl="8" marR="0" rtl="0" algn="l">
+    <a:lvl9pPr marR="0" lvl="8" algn="l" rtl="0">
       <a:lnSpc>
         <a:spcPct val="100000"/>
       </a:lnSpc>
@@ -233,7 +212,7 @@
         <a:spcPts val="0"/>
       </a:spcAft>
       <a:buNone/>
-      <a:defRPr b="0" i="0" sz="1400" u="none" cap="none" strike="noStrike">
+      <a:defRPr sz="1400" b="0" i="0" u="none" strike="noStrike" cap="none">
         <a:solidFill>
           <a:srgbClr val="000000"/>
         </a:solidFill>
@@ -248,18 +227,19 @@
 </file>
 
 <file path=ppt/notesMasters/notesMaster1.xml><?xml version="1.0" encoding="utf-8"?>
-<p:notesMaster xmlns:a="http://schemas.openxmlformats.org/drawingml/2006/main" xmlns:r="http://schemas.openxmlformats.org/officeDocument/2006/relationships" xmlns:mc="http://schemas.openxmlformats.org/markup-compatibility/2006" xmlns:mv="urn:schemas-microsoft-com:mac:vml" xmlns:p="http://schemas.openxmlformats.org/presentationml/2006/main" xmlns:c="http://schemas.openxmlformats.org/drawingml/2006/chart" xmlns:dgm="http://schemas.openxmlformats.org/drawingml/2006/diagram" xmlns:o="urn:schemas-microsoft-com:office:office" xmlns:v="urn:schemas-microsoft-com:vml" xmlns:pvml="urn:schemas-microsoft-com:office:powerpoint" xmlns:com="http://schemas.openxmlformats.org/drawingml/2006/compatibility" xmlns:p14="http://schemas.microsoft.com/office/powerpoint/2010/main">
+<p:notesMaster xmlns:a="http://schemas.openxmlformats.org/drawingml/2006/main" xmlns:r="http://schemas.openxmlformats.org/officeDocument/2006/relationships" xmlns:p="http://schemas.openxmlformats.org/presentationml/2006/main">
   <p:cSld>
     <p:bg>
       <p:bgPr>
         <a:solidFill>
           <a:schemeClr val="lt1"/>
         </a:solidFill>
+        <a:effectLst/>
       </p:bgPr>
     </p:bg>
     <p:spTree>
       <p:nvGrpSpPr>
-        <p:cNvPr id="2" name="Shape 2"/>
+        <p:cNvPr id="1" name="Shape 2"/>
         <p:cNvGrpSpPr/>
         <p:nvPr/>
       </p:nvGrpSpPr>
@@ -274,9 +254,11 @@
       <p:sp>
         <p:nvSpPr>
           <p:cNvPr id="3" name="Shape 3"/>
-          <p:cNvSpPr txBox="1"/>
+          <p:cNvSpPr txBox="1">
+            <a:spLocks noGrp="1"/>
+          </p:cNvSpPr>
           <p:nvPr>
-            <p:ph idx="2" type="hdr"/>
+            <p:ph type="hdr" idx="2"/>
           </p:nvPr>
         </p:nvSpPr>
         <p:spPr>
@@ -293,14 +275,14 @@
           </a:ln>
         </p:spPr>
         <p:txBody>
-          <a:bodyPr anchorCtr="0" anchor="t" bIns="91425" lIns="91425" rIns="91425" tIns="91425"/>
+          <a:bodyPr lIns="91425" tIns="91425" rIns="91425" bIns="91425" anchor="t" anchorCtr="0"/>
           <a:lstStyle>
-            <a:lvl1pPr indent="0" lvl="0" marL="0" marR="0" rtl="0" algn="l">
-              <a:spcBef>
-                <a:spcPts val="0"/>
-              </a:spcBef>
-              <a:buNone/>
-              <a:defRPr b="0" i="0" sz="1200" u="none" cap="none" strike="noStrike">
+            <a:lvl1pPr marL="0" marR="0" lvl="0" indent="0" algn="l" rtl="0">
+              <a:spcBef>
+                <a:spcPts val="0"/>
+              </a:spcBef>
+              <a:buNone/>
+              <a:defRPr sz="1200" b="0" i="0" u="none" strike="noStrike" cap="none">
                 <a:solidFill>
                   <a:schemeClr val="dk1"/>
                 </a:solidFill>
@@ -310,12 +292,12 @@
                 <a:sym typeface="Calibri"/>
               </a:defRPr>
             </a:lvl1pPr>
-            <a:lvl2pPr indent="0" lvl="1" marL="457200" marR="0" rtl="0" algn="l">
-              <a:spcBef>
-                <a:spcPts val="0"/>
-              </a:spcBef>
-              <a:buNone/>
-              <a:defRPr b="0" i="0" sz="1800" u="none" cap="none" strike="noStrike">
+            <a:lvl2pPr marL="457200" marR="0" lvl="1" indent="0" algn="l" rtl="0">
+              <a:spcBef>
+                <a:spcPts val="0"/>
+              </a:spcBef>
+              <a:buNone/>
+              <a:defRPr sz="1800" b="0" i="0" u="none" strike="noStrike" cap="none">
                 <a:solidFill>
                   <a:schemeClr val="dk1"/>
                 </a:solidFill>
@@ -325,12 +307,12 @@
                 <a:sym typeface="Calibri"/>
               </a:defRPr>
             </a:lvl2pPr>
-            <a:lvl3pPr indent="0" lvl="2" marL="914400" marR="0" rtl="0" algn="l">
-              <a:spcBef>
-                <a:spcPts val="0"/>
-              </a:spcBef>
-              <a:buNone/>
-              <a:defRPr b="0" i="0" sz="1800" u="none" cap="none" strike="noStrike">
+            <a:lvl3pPr marL="914400" marR="0" lvl="2" indent="0" algn="l" rtl="0">
+              <a:spcBef>
+                <a:spcPts val="0"/>
+              </a:spcBef>
+              <a:buNone/>
+              <a:defRPr sz="1800" b="0" i="0" u="none" strike="noStrike" cap="none">
                 <a:solidFill>
                   <a:schemeClr val="dk1"/>
                 </a:solidFill>
@@ -340,12 +322,12 @@
                 <a:sym typeface="Calibri"/>
               </a:defRPr>
             </a:lvl3pPr>
-            <a:lvl4pPr indent="0" lvl="3" marL="1371600" marR="0" rtl="0" algn="l">
-              <a:spcBef>
-                <a:spcPts val="0"/>
-              </a:spcBef>
-              <a:buNone/>
-              <a:defRPr b="0" i="0" sz="1800" u="none" cap="none" strike="noStrike">
+            <a:lvl4pPr marL="1371600" marR="0" lvl="3" indent="0" algn="l" rtl="0">
+              <a:spcBef>
+                <a:spcPts val="0"/>
+              </a:spcBef>
+              <a:buNone/>
+              <a:defRPr sz="1800" b="0" i="0" u="none" strike="noStrike" cap="none">
                 <a:solidFill>
                   <a:schemeClr val="dk1"/>
                 </a:solidFill>
@@ -355,12 +337,12 @@
                 <a:sym typeface="Calibri"/>
               </a:defRPr>
             </a:lvl4pPr>
-            <a:lvl5pPr indent="0" lvl="4" marL="1828800" marR="0" rtl="0" algn="l">
-              <a:spcBef>
-                <a:spcPts val="0"/>
-              </a:spcBef>
-              <a:buNone/>
-              <a:defRPr b="0" i="0" sz="1800" u="none" cap="none" strike="noStrike">
+            <a:lvl5pPr marL="1828800" marR="0" lvl="4" indent="0" algn="l" rtl="0">
+              <a:spcBef>
+                <a:spcPts val="0"/>
+              </a:spcBef>
+              <a:buNone/>
+              <a:defRPr sz="1800" b="0" i="0" u="none" strike="noStrike" cap="none">
                 <a:solidFill>
                   <a:schemeClr val="dk1"/>
                 </a:solidFill>
@@ -370,12 +352,12 @@
                 <a:sym typeface="Calibri"/>
               </a:defRPr>
             </a:lvl5pPr>
-            <a:lvl6pPr indent="0" lvl="5" marL="2286000" marR="0" rtl="0" algn="l">
-              <a:spcBef>
-                <a:spcPts val="0"/>
-              </a:spcBef>
-              <a:buNone/>
-              <a:defRPr b="0" i="0" sz="1800" u="none" cap="none" strike="noStrike">
+            <a:lvl6pPr marL="2286000" marR="0" lvl="5" indent="0" algn="l" rtl="0">
+              <a:spcBef>
+                <a:spcPts val="0"/>
+              </a:spcBef>
+              <a:buNone/>
+              <a:defRPr sz="1800" b="0" i="0" u="none" strike="noStrike" cap="none">
                 <a:solidFill>
                   <a:schemeClr val="dk1"/>
                 </a:solidFill>
@@ -385,12 +367,12 @@
                 <a:sym typeface="Calibri"/>
               </a:defRPr>
             </a:lvl6pPr>
-            <a:lvl7pPr indent="0" lvl="6" marL="2743200" marR="0" rtl="0" algn="l">
-              <a:spcBef>
-                <a:spcPts val="0"/>
-              </a:spcBef>
-              <a:buNone/>
-              <a:defRPr b="0" i="0" sz="1800" u="none" cap="none" strike="noStrike">
+            <a:lvl7pPr marL="2743200" marR="0" lvl="6" indent="0" algn="l" rtl="0">
+              <a:spcBef>
+                <a:spcPts val="0"/>
+              </a:spcBef>
+              <a:buNone/>
+              <a:defRPr sz="1800" b="0" i="0" u="none" strike="noStrike" cap="none">
                 <a:solidFill>
                   <a:schemeClr val="dk1"/>
                 </a:solidFill>
@@ -400,12 +382,12 @@
                 <a:sym typeface="Calibri"/>
               </a:defRPr>
             </a:lvl7pPr>
-            <a:lvl8pPr indent="0" lvl="7" marL="3200400" marR="0" rtl="0" algn="l">
-              <a:spcBef>
-                <a:spcPts val="0"/>
-              </a:spcBef>
-              <a:buNone/>
-              <a:defRPr b="0" i="0" sz="1800" u="none" cap="none" strike="noStrike">
+            <a:lvl8pPr marL="3200400" marR="0" lvl="7" indent="0" algn="l" rtl="0">
+              <a:spcBef>
+                <a:spcPts val="0"/>
+              </a:spcBef>
+              <a:buNone/>
+              <a:defRPr sz="1800" b="0" i="0" u="none" strike="noStrike" cap="none">
                 <a:solidFill>
                   <a:schemeClr val="dk1"/>
                 </a:solidFill>
@@ -415,12 +397,12 @@
                 <a:sym typeface="Calibri"/>
               </a:defRPr>
             </a:lvl8pPr>
-            <a:lvl9pPr indent="0" lvl="8" marL="3657600" marR="0" rtl="0" algn="l">
-              <a:spcBef>
-                <a:spcPts val="0"/>
-              </a:spcBef>
-              <a:buNone/>
-              <a:defRPr b="0" i="0" sz="1800" u="none" cap="none" strike="noStrike">
+            <a:lvl9pPr marL="3657600" marR="0" lvl="8" indent="0" algn="l" rtl="0">
+              <a:spcBef>
+                <a:spcPts val="0"/>
+              </a:spcBef>
+              <a:buNone/>
+              <a:defRPr sz="1800" b="0" i="0" u="none" strike="noStrike" cap="none">
                 <a:solidFill>
                   <a:schemeClr val="dk1"/>
                 </a:solidFill>
@@ -431,15 +413,19 @@
               </a:defRPr>
             </a:lvl9pPr>
           </a:lstStyle>
-          <a:p/>
+          <a:p>
+            <a:endParaRPr/>
+          </a:p>
         </p:txBody>
       </p:sp>
       <p:sp>
         <p:nvSpPr>
           <p:cNvPr id="4" name="Shape 4"/>
-          <p:cNvSpPr txBox="1"/>
+          <p:cNvSpPr txBox="1">
+            <a:spLocks noGrp="1"/>
+          </p:cNvSpPr>
           <p:nvPr>
-            <p:ph idx="10" type="dt"/>
+            <p:ph type="dt" idx="10"/>
           </p:nvPr>
         </p:nvSpPr>
         <p:spPr>
@@ -456,14 +442,14 @@
           </a:ln>
         </p:spPr>
         <p:txBody>
-          <a:bodyPr anchorCtr="0" anchor="t" bIns="91425" lIns="91425" rIns="91425" tIns="91425"/>
+          <a:bodyPr lIns="91425" tIns="91425" rIns="91425" bIns="91425" anchor="t" anchorCtr="0"/>
           <a:lstStyle>
-            <a:lvl1pPr indent="0" lvl="0" marL="0" marR="0" rtl="0" algn="r">
-              <a:spcBef>
-                <a:spcPts val="0"/>
-              </a:spcBef>
-              <a:buNone/>
-              <a:defRPr b="0" i="0" sz="1200" u="none" cap="none" strike="noStrike">
+            <a:lvl1pPr marL="0" marR="0" lvl="0" indent="0" algn="r" rtl="0">
+              <a:spcBef>
+                <a:spcPts val="0"/>
+              </a:spcBef>
+              <a:buNone/>
+              <a:defRPr sz="1200" b="0" i="0" u="none" strike="noStrike" cap="none">
                 <a:solidFill>
                   <a:schemeClr val="dk1"/>
                 </a:solidFill>
@@ -473,12 +459,12 @@
                 <a:sym typeface="Calibri"/>
               </a:defRPr>
             </a:lvl1pPr>
-            <a:lvl2pPr indent="0" lvl="1" marL="457200" marR="0" rtl="0" algn="l">
-              <a:spcBef>
-                <a:spcPts val="0"/>
-              </a:spcBef>
-              <a:buNone/>
-              <a:defRPr b="0" i="0" sz="1800" u="none" cap="none" strike="noStrike">
+            <a:lvl2pPr marL="457200" marR="0" lvl="1" indent="0" algn="l" rtl="0">
+              <a:spcBef>
+                <a:spcPts val="0"/>
+              </a:spcBef>
+              <a:buNone/>
+              <a:defRPr sz="1800" b="0" i="0" u="none" strike="noStrike" cap="none">
                 <a:solidFill>
                   <a:schemeClr val="dk1"/>
                 </a:solidFill>
@@ -488,12 +474,12 @@
                 <a:sym typeface="Calibri"/>
               </a:defRPr>
             </a:lvl2pPr>
-            <a:lvl3pPr indent="0" lvl="2" marL="914400" marR="0" rtl="0" algn="l">
-              <a:spcBef>
-                <a:spcPts val="0"/>
-              </a:spcBef>
-              <a:buNone/>
-              <a:defRPr b="0" i="0" sz="1800" u="none" cap="none" strike="noStrike">
+            <a:lvl3pPr marL="914400" marR="0" lvl="2" indent="0" algn="l" rtl="0">
+              <a:spcBef>
+                <a:spcPts val="0"/>
+              </a:spcBef>
+              <a:buNone/>
+              <a:defRPr sz="1800" b="0" i="0" u="none" strike="noStrike" cap="none">
                 <a:solidFill>
                   <a:schemeClr val="dk1"/>
                 </a:solidFill>
@@ -503,12 +489,12 @@
                 <a:sym typeface="Calibri"/>
               </a:defRPr>
             </a:lvl3pPr>
-            <a:lvl4pPr indent="0" lvl="3" marL="1371600" marR="0" rtl="0" algn="l">
-              <a:spcBef>
-                <a:spcPts val="0"/>
-              </a:spcBef>
-              <a:buNone/>
-              <a:defRPr b="0" i="0" sz="1800" u="none" cap="none" strike="noStrike">
+            <a:lvl4pPr marL="1371600" marR="0" lvl="3" indent="0" algn="l" rtl="0">
+              <a:spcBef>
+                <a:spcPts val="0"/>
+              </a:spcBef>
+              <a:buNone/>
+              <a:defRPr sz="1800" b="0" i="0" u="none" strike="noStrike" cap="none">
                 <a:solidFill>
                   <a:schemeClr val="dk1"/>
                 </a:solidFill>
@@ -518,12 +504,12 @@
                 <a:sym typeface="Calibri"/>
               </a:defRPr>
             </a:lvl4pPr>
-            <a:lvl5pPr indent="0" lvl="4" marL="1828800" marR="0" rtl="0" algn="l">
-              <a:spcBef>
-                <a:spcPts val="0"/>
-              </a:spcBef>
-              <a:buNone/>
-              <a:defRPr b="0" i="0" sz="1800" u="none" cap="none" strike="noStrike">
+            <a:lvl5pPr marL="1828800" marR="0" lvl="4" indent="0" algn="l" rtl="0">
+              <a:spcBef>
+                <a:spcPts val="0"/>
+              </a:spcBef>
+              <a:buNone/>
+              <a:defRPr sz="1800" b="0" i="0" u="none" strike="noStrike" cap="none">
                 <a:solidFill>
                   <a:schemeClr val="dk1"/>
                 </a:solidFill>
@@ -533,12 +519,12 @@
                 <a:sym typeface="Calibri"/>
               </a:defRPr>
             </a:lvl5pPr>
-            <a:lvl6pPr indent="0" lvl="5" marL="2286000" marR="0" rtl="0" algn="l">
-              <a:spcBef>
-                <a:spcPts val="0"/>
-              </a:spcBef>
-              <a:buNone/>
-              <a:defRPr b="0" i="0" sz="1800" u="none" cap="none" strike="noStrike">
+            <a:lvl6pPr marL="2286000" marR="0" lvl="5" indent="0" algn="l" rtl="0">
+              <a:spcBef>
+                <a:spcPts val="0"/>
+              </a:spcBef>
+              <a:buNone/>
+              <a:defRPr sz="1800" b="0" i="0" u="none" strike="noStrike" cap="none">
                 <a:solidFill>
                   <a:schemeClr val="dk1"/>
                 </a:solidFill>
@@ -548,12 +534,12 @@
                 <a:sym typeface="Calibri"/>
               </a:defRPr>
             </a:lvl6pPr>
-            <a:lvl7pPr indent="0" lvl="6" marL="2743200" marR="0" rtl="0" algn="l">
-              <a:spcBef>
-                <a:spcPts val="0"/>
-              </a:spcBef>
-              <a:buNone/>
-              <a:defRPr b="0" i="0" sz="1800" u="none" cap="none" strike="noStrike">
+            <a:lvl7pPr marL="2743200" marR="0" lvl="6" indent="0" algn="l" rtl="0">
+              <a:spcBef>
+                <a:spcPts val="0"/>
+              </a:spcBef>
+              <a:buNone/>
+              <a:defRPr sz="1800" b="0" i="0" u="none" strike="noStrike" cap="none">
                 <a:solidFill>
                   <a:schemeClr val="dk1"/>
                 </a:solidFill>
@@ -563,12 +549,12 @@
                 <a:sym typeface="Calibri"/>
               </a:defRPr>
             </a:lvl7pPr>
-            <a:lvl8pPr indent="0" lvl="7" marL="3200400" marR="0" rtl="0" algn="l">
-              <a:spcBef>
-                <a:spcPts val="0"/>
-              </a:spcBef>
-              <a:buNone/>
-              <a:defRPr b="0" i="0" sz="1800" u="none" cap="none" strike="noStrike">
+            <a:lvl8pPr marL="3200400" marR="0" lvl="7" indent="0" algn="l" rtl="0">
+              <a:spcBef>
+                <a:spcPts val="0"/>
+              </a:spcBef>
+              <a:buNone/>
+              <a:defRPr sz="1800" b="0" i="0" u="none" strike="noStrike" cap="none">
                 <a:solidFill>
                   <a:schemeClr val="dk1"/>
                 </a:solidFill>
@@ -578,12 +564,12 @@
                 <a:sym typeface="Calibri"/>
               </a:defRPr>
             </a:lvl8pPr>
-            <a:lvl9pPr indent="0" lvl="8" marL="3657600" marR="0" rtl="0" algn="l">
-              <a:spcBef>
-                <a:spcPts val="0"/>
-              </a:spcBef>
-              <a:buNone/>
-              <a:defRPr b="0" i="0" sz="1800" u="none" cap="none" strike="noStrike">
+            <a:lvl9pPr marL="3657600" marR="0" lvl="8" indent="0" algn="l" rtl="0">
+              <a:spcBef>
+                <a:spcPts val="0"/>
+              </a:spcBef>
+              <a:buNone/>
+              <a:defRPr sz="1800" b="0" i="0" u="none" strike="noStrike" cap="none">
                 <a:solidFill>
                   <a:schemeClr val="dk1"/>
                 </a:solidFill>
@@ -594,15 +580,19 @@
               </a:defRPr>
             </a:lvl9pPr>
           </a:lstStyle>
-          <a:p/>
+          <a:p>
+            <a:endParaRPr/>
+          </a:p>
         </p:txBody>
       </p:sp>
       <p:sp>
         <p:nvSpPr>
           <p:cNvPr id="5" name="Shape 5"/>
-          <p:cNvSpPr/>
+          <p:cNvSpPr>
+            <a:spLocks noGrp="1" noRot="1" noChangeAspect="1"/>
+          </p:cNvSpPr>
           <p:nvPr>
-            <p:ph idx="3" type="sldImg"/>
+            <p:ph type="sldImg" idx="3"/>
           </p:nvPr>
         </p:nvSpPr>
         <p:spPr>
@@ -611,8 +601,13 @@
             <a:ext cx="4572000" cy="3429000"/>
           </a:xfrm>
           <a:custGeom>
+            <a:avLst/>
+            <a:gdLst/>
+            <a:ahLst/>
+            <a:cxnLst/>
+            <a:rect l="0" t="0" r="0" b="0"/>
             <a:pathLst>
-              <a:path extrusionOk="0" h="120000" w="120000">
+              <a:path w="120000" h="120000" extrusionOk="0">
                 <a:moveTo>
                   <a:pt x="0" y="0"/>
                 </a:moveTo>
@@ -630,23 +625,25 @@
             </a:pathLst>
           </a:custGeom>
           <a:noFill/>
-          <a:ln cap="flat" cmpd="sng" w="12700">
+          <a:ln w="12700" cap="flat" cmpd="sng">
             <a:solidFill>
               <a:srgbClr val="000000"/>
             </a:solidFill>
             <a:prstDash val="solid"/>
             <a:round/>
-            <a:headEnd len="med" w="med" type="none"/>
-            <a:tailEnd len="med" w="med" type="none"/>
+            <a:headEnd type="none" w="med" len="med"/>
+            <a:tailEnd type="none" w="med" len="med"/>
           </a:ln>
         </p:spPr>
       </p:sp>
       <p:sp>
         <p:nvSpPr>
           <p:cNvPr id="6" name="Shape 6"/>
-          <p:cNvSpPr txBox="1"/>
+          <p:cNvSpPr txBox="1">
+            <a:spLocks noGrp="1"/>
+          </p:cNvSpPr>
           <p:nvPr>
-            <p:ph idx="1" type="body"/>
+            <p:ph type="body" idx="1"/>
           </p:nvPr>
         </p:nvSpPr>
         <p:spPr>
@@ -663,14 +660,14 @@
           </a:ln>
         </p:spPr>
         <p:txBody>
-          <a:bodyPr anchorCtr="0" anchor="t" bIns="91425" lIns="91425" rIns="91425" tIns="91425"/>
+          <a:bodyPr lIns="91425" tIns="91425" rIns="91425" bIns="91425" anchor="t" anchorCtr="0"/>
           <a:lstStyle>
-            <a:lvl1pPr indent="0" lvl="0" marL="0" marR="0" rtl="0" algn="l">
-              <a:spcBef>
-                <a:spcPts val="0"/>
-              </a:spcBef>
-              <a:buNone/>
-              <a:defRPr b="0" i="0" sz="1200" u="none" cap="none" strike="noStrike">
+            <a:lvl1pPr marL="0" marR="0" lvl="0" indent="0" algn="l" rtl="0">
+              <a:spcBef>
+                <a:spcPts val="0"/>
+              </a:spcBef>
+              <a:buNone/>
+              <a:defRPr sz="1200" b="0" i="0" u="none" strike="noStrike" cap="none">
                 <a:solidFill>
                   <a:schemeClr val="dk1"/>
                 </a:solidFill>
@@ -680,12 +677,12 @@
                 <a:sym typeface="Calibri"/>
               </a:defRPr>
             </a:lvl1pPr>
-            <a:lvl2pPr indent="0" lvl="1" marL="457200" marR="0" rtl="0" algn="l">
-              <a:spcBef>
-                <a:spcPts val="0"/>
-              </a:spcBef>
-              <a:buNone/>
-              <a:defRPr b="0" i="0" sz="1200" u="none" cap="none" strike="noStrike">
+            <a:lvl2pPr marL="457200" marR="0" lvl="1" indent="0" algn="l" rtl="0">
+              <a:spcBef>
+                <a:spcPts val="0"/>
+              </a:spcBef>
+              <a:buNone/>
+              <a:defRPr sz="1200" b="0" i="0" u="none" strike="noStrike" cap="none">
                 <a:solidFill>
                   <a:schemeClr val="dk1"/>
                 </a:solidFill>
@@ -695,12 +692,12 @@
                 <a:sym typeface="Calibri"/>
               </a:defRPr>
             </a:lvl2pPr>
-            <a:lvl3pPr indent="0" lvl="2" marL="914400" marR="0" rtl="0" algn="l">
-              <a:spcBef>
-                <a:spcPts val="0"/>
-              </a:spcBef>
-              <a:buNone/>
-              <a:defRPr b="0" i="0" sz="1200" u="none" cap="none" strike="noStrike">
+            <a:lvl3pPr marL="914400" marR="0" lvl="2" indent="0" algn="l" rtl="0">
+              <a:spcBef>
+                <a:spcPts val="0"/>
+              </a:spcBef>
+              <a:buNone/>
+              <a:defRPr sz="1200" b="0" i="0" u="none" strike="noStrike" cap="none">
                 <a:solidFill>
                   <a:schemeClr val="dk1"/>
                 </a:solidFill>
@@ -710,12 +707,12 @@
                 <a:sym typeface="Calibri"/>
               </a:defRPr>
             </a:lvl3pPr>
-            <a:lvl4pPr indent="0" lvl="3" marL="1371600" marR="0" rtl="0" algn="l">
-              <a:spcBef>
-                <a:spcPts val="0"/>
-              </a:spcBef>
-              <a:buNone/>
-              <a:defRPr b="0" i="0" sz="1200" u="none" cap="none" strike="noStrike">
+            <a:lvl4pPr marL="1371600" marR="0" lvl="3" indent="0" algn="l" rtl="0">
+              <a:spcBef>
+                <a:spcPts val="0"/>
+              </a:spcBef>
+              <a:buNone/>
+              <a:defRPr sz="1200" b="0" i="0" u="none" strike="noStrike" cap="none">
                 <a:solidFill>
                   <a:schemeClr val="dk1"/>
                 </a:solidFill>
@@ -725,12 +722,12 @@
                 <a:sym typeface="Calibri"/>
               </a:defRPr>
             </a:lvl4pPr>
-            <a:lvl5pPr indent="0" lvl="4" marL="1828800" marR="0" rtl="0" algn="l">
-              <a:spcBef>
-                <a:spcPts val="0"/>
-              </a:spcBef>
-              <a:buNone/>
-              <a:defRPr b="0" i="0" sz="1200" u="none" cap="none" strike="noStrike">
+            <a:lvl5pPr marL="1828800" marR="0" lvl="4" indent="0" algn="l" rtl="0">
+              <a:spcBef>
+                <a:spcPts val="0"/>
+              </a:spcBef>
+              <a:buNone/>
+              <a:defRPr sz="1200" b="0" i="0" u="none" strike="noStrike" cap="none">
                 <a:solidFill>
                   <a:schemeClr val="dk1"/>
                 </a:solidFill>
@@ -740,12 +737,12 @@
                 <a:sym typeface="Calibri"/>
               </a:defRPr>
             </a:lvl5pPr>
-            <a:lvl6pPr indent="0" lvl="5" marL="2286000" marR="0" rtl="0" algn="l">
-              <a:spcBef>
-                <a:spcPts val="0"/>
-              </a:spcBef>
-              <a:buNone/>
-              <a:defRPr b="0" i="0" sz="1200" u="none" cap="none" strike="noStrike">
+            <a:lvl6pPr marL="2286000" marR="0" lvl="5" indent="0" algn="l" rtl="0">
+              <a:spcBef>
+                <a:spcPts val="0"/>
+              </a:spcBef>
+              <a:buNone/>
+              <a:defRPr sz="1200" b="0" i="0" u="none" strike="noStrike" cap="none">
                 <a:solidFill>
                   <a:schemeClr val="dk1"/>
                 </a:solidFill>
@@ -755,12 +752,12 @@
                 <a:sym typeface="Calibri"/>
               </a:defRPr>
             </a:lvl6pPr>
-            <a:lvl7pPr indent="0" lvl="6" marL="2743200" marR="0" rtl="0" algn="l">
-              <a:spcBef>
-                <a:spcPts val="0"/>
-              </a:spcBef>
-              <a:buNone/>
-              <a:defRPr b="0" i="0" sz="1200" u="none" cap="none" strike="noStrike">
+            <a:lvl7pPr marL="2743200" marR="0" lvl="6" indent="0" algn="l" rtl="0">
+              <a:spcBef>
+                <a:spcPts val="0"/>
+              </a:spcBef>
+              <a:buNone/>
+              <a:defRPr sz="1200" b="0" i="0" u="none" strike="noStrike" cap="none">
                 <a:solidFill>
                   <a:schemeClr val="dk1"/>
                 </a:solidFill>
@@ -770,12 +767,12 @@
                 <a:sym typeface="Calibri"/>
               </a:defRPr>
             </a:lvl7pPr>
-            <a:lvl8pPr indent="0" lvl="7" marL="3200400" marR="0" rtl="0" algn="l">
-              <a:spcBef>
-                <a:spcPts val="0"/>
-              </a:spcBef>
-              <a:buNone/>
-              <a:defRPr b="0" i="0" sz="1200" u="none" cap="none" strike="noStrike">
+            <a:lvl8pPr marL="3200400" marR="0" lvl="7" indent="0" algn="l" rtl="0">
+              <a:spcBef>
+                <a:spcPts val="0"/>
+              </a:spcBef>
+              <a:buNone/>
+              <a:defRPr sz="1200" b="0" i="0" u="none" strike="noStrike" cap="none">
                 <a:solidFill>
                   <a:schemeClr val="dk1"/>
                 </a:solidFill>
@@ -785,12 +782,12 @@
                 <a:sym typeface="Calibri"/>
               </a:defRPr>
             </a:lvl8pPr>
-            <a:lvl9pPr indent="0" lvl="8" marL="3657600" marR="0" rtl="0" algn="l">
-              <a:spcBef>
-                <a:spcPts val="0"/>
-              </a:spcBef>
-              <a:buNone/>
-              <a:defRPr b="0" i="0" sz="1200" u="none" cap="none" strike="noStrike">
+            <a:lvl9pPr marL="3657600" marR="0" lvl="8" indent="0" algn="l" rtl="0">
+              <a:spcBef>
+                <a:spcPts val="0"/>
+              </a:spcBef>
+              <a:buNone/>
+              <a:defRPr sz="1200" b="0" i="0" u="none" strike="noStrike" cap="none">
                 <a:solidFill>
                   <a:schemeClr val="dk1"/>
                 </a:solidFill>
@@ -801,15 +798,19 @@
               </a:defRPr>
             </a:lvl9pPr>
           </a:lstStyle>
-          <a:p/>
+          <a:p>
+            <a:endParaRPr/>
+          </a:p>
         </p:txBody>
       </p:sp>
       <p:sp>
         <p:nvSpPr>
           <p:cNvPr id="7" name="Shape 7"/>
-          <p:cNvSpPr txBox="1"/>
+          <p:cNvSpPr txBox="1">
+            <a:spLocks noGrp="1"/>
+          </p:cNvSpPr>
           <p:nvPr>
-            <p:ph idx="11" type="ftr"/>
+            <p:ph type="ftr" idx="11"/>
           </p:nvPr>
         </p:nvSpPr>
         <p:spPr>
@@ -826,14 +827,14 @@
           </a:ln>
         </p:spPr>
         <p:txBody>
-          <a:bodyPr anchorCtr="0" anchor="b" bIns="91425" lIns="91425" rIns="91425" tIns="91425"/>
+          <a:bodyPr lIns="91425" tIns="91425" rIns="91425" bIns="91425" anchor="b" anchorCtr="0"/>
           <a:lstStyle>
-            <a:lvl1pPr indent="0" lvl="0" marL="0" marR="0" rtl="0" algn="l">
-              <a:spcBef>
-                <a:spcPts val="0"/>
-              </a:spcBef>
-              <a:buNone/>
-              <a:defRPr b="0" i="0" sz="1200" u="none" cap="none" strike="noStrike">
+            <a:lvl1pPr marL="0" marR="0" lvl="0" indent="0" algn="l" rtl="0">
+              <a:spcBef>
+                <a:spcPts val="0"/>
+              </a:spcBef>
+              <a:buNone/>
+              <a:defRPr sz="1200" b="0" i="0" u="none" strike="noStrike" cap="none">
                 <a:solidFill>
                   <a:schemeClr val="dk1"/>
                 </a:solidFill>
@@ -843,12 +844,12 @@
                 <a:sym typeface="Calibri"/>
               </a:defRPr>
             </a:lvl1pPr>
-            <a:lvl2pPr indent="0" lvl="1" marL="457200" marR="0" rtl="0" algn="l">
-              <a:spcBef>
-                <a:spcPts val="0"/>
-              </a:spcBef>
-              <a:buNone/>
-              <a:defRPr b="0" i="0" sz="1800" u="none" cap="none" strike="noStrike">
+            <a:lvl2pPr marL="457200" marR="0" lvl="1" indent="0" algn="l" rtl="0">
+              <a:spcBef>
+                <a:spcPts val="0"/>
+              </a:spcBef>
+              <a:buNone/>
+              <a:defRPr sz="1800" b="0" i="0" u="none" strike="noStrike" cap="none">
                 <a:solidFill>
                   <a:schemeClr val="dk1"/>
                 </a:solidFill>
@@ -858,12 +859,12 @@
                 <a:sym typeface="Calibri"/>
               </a:defRPr>
             </a:lvl2pPr>
-            <a:lvl3pPr indent="0" lvl="2" marL="914400" marR="0" rtl="0" algn="l">
-              <a:spcBef>
-                <a:spcPts val="0"/>
-              </a:spcBef>
-              <a:buNone/>
-              <a:defRPr b="0" i="0" sz="1800" u="none" cap="none" strike="noStrike">
+            <a:lvl3pPr marL="914400" marR="0" lvl="2" indent="0" algn="l" rtl="0">
+              <a:spcBef>
+                <a:spcPts val="0"/>
+              </a:spcBef>
+              <a:buNone/>
+              <a:defRPr sz="1800" b="0" i="0" u="none" strike="noStrike" cap="none">
                 <a:solidFill>
                   <a:schemeClr val="dk1"/>
                 </a:solidFill>
@@ -873,12 +874,12 @@
                 <a:sym typeface="Calibri"/>
               </a:defRPr>
             </a:lvl3pPr>
-            <a:lvl4pPr indent="0" lvl="3" marL="1371600" marR="0" rtl="0" algn="l">
-              <a:spcBef>
-                <a:spcPts val="0"/>
-              </a:spcBef>
-              <a:buNone/>
-              <a:defRPr b="0" i="0" sz="1800" u="none" cap="none" strike="noStrike">
+            <a:lvl4pPr marL="1371600" marR="0" lvl="3" indent="0" algn="l" rtl="0">
+              <a:spcBef>
+                <a:spcPts val="0"/>
+              </a:spcBef>
+              <a:buNone/>
+              <a:defRPr sz="1800" b="0" i="0" u="none" strike="noStrike" cap="none">
                 <a:solidFill>
                   <a:schemeClr val="dk1"/>
                 </a:solidFill>
@@ -888,12 +889,12 @@
                 <a:sym typeface="Calibri"/>
               </a:defRPr>
             </a:lvl4pPr>
-            <a:lvl5pPr indent="0" lvl="4" marL="1828800" marR="0" rtl="0" algn="l">
-              <a:spcBef>
-                <a:spcPts val="0"/>
-              </a:spcBef>
-              <a:buNone/>
-              <a:defRPr b="0" i="0" sz="1800" u="none" cap="none" strike="noStrike">
+            <a:lvl5pPr marL="1828800" marR="0" lvl="4" indent="0" algn="l" rtl="0">
+              <a:spcBef>
+                <a:spcPts val="0"/>
+              </a:spcBef>
+              <a:buNone/>
+              <a:defRPr sz="1800" b="0" i="0" u="none" strike="noStrike" cap="none">
                 <a:solidFill>
                   <a:schemeClr val="dk1"/>
                 </a:solidFill>
@@ -903,12 +904,12 @@
                 <a:sym typeface="Calibri"/>
               </a:defRPr>
             </a:lvl5pPr>
-            <a:lvl6pPr indent="0" lvl="5" marL="2286000" marR="0" rtl="0" algn="l">
-              <a:spcBef>
-                <a:spcPts val="0"/>
-              </a:spcBef>
-              <a:buNone/>
-              <a:defRPr b="0" i="0" sz="1800" u="none" cap="none" strike="noStrike">
+            <a:lvl6pPr marL="2286000" marR="0" lvl="5" indent="0" algn="l" rtl="0">
+              <a:spcBef>
+                <a:spcPts val="0"/>
+              </a:spcBef>
+              <a:buNone/>
+              <a:defRPr sz="1800" b="0" i="0" u="none" strike="noStrike" cap="none">
                 <a:solidFill>
                   <a:schemeClr val="dk1"/>
                 </a:solidFill>
@@ -918,12 +919,12 @@
                 <a:sym typeface="Calibri"/>
               </a:defRPr>
             </a:lvl6pPr>
-            <a:lvl7pPr indent="0" lvl="6" marL="2743200" marR="0" rtl="0" algn="l">
-              <a:spcBef>
-                <a:spcPts val="0"/>
-              </a:spcBef>
-              <a:buNone/>
-              <a:defRPr b="0" i="0" sz="1800" u="none" cap="none" strike="noStrike">
+            <a:lvl7pPr marL="2743200" marR="0" lvl="6" indent="0" algn="l" rtl="0">
+              <a:spcBef>
+                <a:spcPts val="0"/>
+              </a:spcBef>
+              <a:buNone/>
+              <a:defRPr sz="1800" b="0" i="0" u="none" strike="noStrike" cap="none">
                 <a:solidFill>
                   <a:schemeClr val="dk1"/>
                 </a:solidFill>
@@ -933,12 +934,12 @@
                 <a:sym typeface="Calibri"/>
               </a:defRPr>
             </a:lvl7pPr>
-            <a:lvl8pPr indent="0" lvl="7" marL="3200400" marR="0" rtl="0" algn="l">
-              <a:spcBef>
-                <a:spcPts val="0"/>
-              </a:spcBef>
-              <a:buNone/>
-              <a:defRPr b="0" i="0" sz="1800" u="none" cap="none" strike="noStrike">
+            <a:lvl8pPr marL="3200400" marR="0" lvl="7" indent="0" algn="l" rtl="0">
+              <a:spcBef>
+                <a:spcPts val="0"/>
+              </a:spcBef>
+              <a:buNone/>
+              <a:defRPr sz="1800" b="0" i="0" u="none" strike="noStrike" cap="none">
                 <a:solidFill>
                   <a:schemeClr val="dk1"/>
                 </a:solidFill>
@@ -948,12 +949,12 @@
                 <a:sym typeface="Calibri"/>
               </a:defRPr>
             </a:lvl8pPr>
-            <a:lvl9pPr indent="0" lvl="8" marL="3657600" marR="0" rtl="0" algn="l">
-              <a:spcBef>
-                <a:spcPts val="0"/>
-              </a:spcBef>
-              <a:buNone/>
-              <a:defRPr b="0" i="0" sz="1800" u="none" cap="none" strike="noStrike">
+            <a:lvl9pPr marL="3657600" marR="0" lvl="8" indent="0" algn="l" rtl="0">
+              <a:spcBef>
+                <a:spcPts val="0"/>
+              </a:spcBef>
+              <a:buNone/>
+              <a:defRPr sz="1800" b="0" i="0" u="none" strike="noStrike" cap="none">
                 <a:solidFill>
                   <a:schemeClr val="dk1"/>
                 </a:solidFill>
@@ -964,15 +965,19 @@
               </a:defRPr>
             </a:lvl9pPr>
           </a:lstStyle>
-          <a:p/>
+          <a:p>
+            <a:endParaRPr/>
+          </a:p>
         </p:txBody>
       </p:sp>
       <p:sp>
         <p:nvSpPr>
           <p:cNvPr id="8" name="Shape 8"/>
-          <p:cNvSpPr txBox="1"/>
+          <p:cNvSpPr txBox="1">
+            <a:spLocks noGrp="1"/>
+          </p:cNvSpPr>
           <p:nvPr>
-            <p:ph idx="12" type="sldNum"/>
+            <p:ph type="sldNum" idx="12"/>
           </p:nvPr>
         </p:nvSpPr>
         <p:spPr>
@@ -989,12 +994,12 @@
           </a:ln>
         </p:spPr>
         <p:txBody>
-          <a:bodyPr anchorCtr="0" anchor="b" bIns="45700" lIns="91425" rIns="91425" tIns="45700">
+          <a:bodyPr lIns="91425" tIns="45700" rIns="91425" bIns="45700" anchor="b" anchorCtr="0">
             <a:noAutofit/>
           </a:bodyPr>
           <a:lstStyle/>
           <a:p>
-            <a:pPr indent="0" lvl="0" marL="0" marR="0" rtl="0" algn="r">
+            <a:pPr marL="0" marR="0" lvl="0" indent="0" algn="r" rtl="0">
               <a:spcBef>
                 <a:spcPts val="0"/>
               </a:spcBef>
@@ -1002,7 +1007,7 @@
               <a:buNone/>
             </a:pPr>
             <a:fld id="{00000000-1234-1234-1234-123412341234}" type="slidenum">
-              <a:rPr b="0" i="0" lang="en-US" sz="1200" u="none" cap="none" strike="noStrike">
+              <a:rPr lang="en-US" sz="1200" b="0" i="0" u="none" strike="noStrike" cap="none">
                 <a:solidFill>
                   <a:schemeClr val="dk1"/>
                 </a:solidFill>
@@ -1013,21 +1018,127 @@
               </a:rPr>
               <a:t>‹#›</a:t>
             </a:fld>
+            <a:endParaRPr lang="en-US" sz="1200" b="0" i="0" u="none" strike="noStrike" cap="none">
+              <a:solidFill>
+                <a:schemeClr val="dk1"/>
+              </a:solidFill>
+              <a:latin typeface="Calibri"/>
+              <a:ea typeface="Calibri"/>
+              <a:cs typeface="Calibri"/>
+              <a:sym typeface="Calibri"/>
+            </a:endParaRPr>
           </a:p>
         </p:txBody>
       </p:sp>
     </p:spTree>
+    <p:extLst>
+      <p:ext uri="{BB962C8B-B14F-4D97-AF65-F5344CB8AC3E}">
+        <p14:creationId xmlns:p14="http://schemas.microsoft.com/office/powerpoint/2010/main" val="1495641701"/>
+      </p:ext>
+    </p:extLst>
   </p:cSld>
-  <p:clrMap accent1="accent1" accent2="accent2" accent3="accent3" accent4="accent4" accent5="accent5" accent6="accent6" bg1="lt1" bg2="dk2" tx1="dk1" tx2="lt2" folHlink="folHlink" hlink="hlink"/>
+  <p:clrMap bg1="lt1" tx1="dk1" bg2="dk2" tx2="lt2" accent1="accent1" accent2="accent2" accent3="accent3" accent4="accent4" accent5="accent5" accent6="accent6" hlink="hlink" folHlink="folHlink"/>
+  <p:notesStyle>
+    <a:lvl1pPr marL="0" algn="l" defTabSz="457200" rtl="0" eaLnBrk="1" latinLnBrk="0" hangingPunct="1">
+      <a:defRPr sz="1200" kern="1200">
+        <a:solidFill>
+          <a:schemeClr val="tx1"/>
+        </a:solidFill>
+        <a:latin typeface="+mn-lt"/>
+        <a:ea typeface="+mn-ea"/>
+        <a:cs typeface="+mn-cs"/>
+      </a:defRPr>
+    </a:lvl1pPr>
+    <a:lvl2pPr marL="457200" algn="l" defTabSz="457200" rtl="0" eaLnBrk="1" latinLnBrk="0" hangingPunct="1">
+      <a:defRPr sz="1200" kern="1200">
+        <a:solidFill>
+          <a:schemeClr val="tx1"/>
+        </a:solidFill>
+        <a:latin typeface="+mn-lt"/>
+        <a:ea typeface="+mn-ea"/>
+        <a:cs typeface="+mn-cs"/>
+      </a:defRPr>
+    </a:lvl2pPr>
+    <a:lvl3pPr marL="914400" algn="l" defTabSz="457200" rtl="0" eaLnBrk="1" latinLnBrk="0" hangingPunct="1">
+      <a:defRPr sz="1200" kern="1200">
+        <a:solidFill>
+          <a:schemeClr val="tx1"/>
+        </a:solidFill>
+        <a:latin typeface="+mn-lt"/>
+        <a:ea typeface="+mn-ea"/>
+        <a:cs typeface="+mn-cs"/>
+      </a:defRPr>
+    </a:lvl3pPr>
+    <a:lvl4pPr marL="1371600" algn="l" defTabSz="457200" rtl="0" eaLnBrk="1" latinLnBrk="0" hangingPunct="1">
+      <a:defRPr sz="1200" kern="1200">
+        <a:solidFill>
+          <a:schemeClr val="tx1"/>
+        </a:solidFill>
+        <a:latin typeface="+mn-lt"/>
+        <a:ea typeface="+mn-ea"/>
+        <a:cs typeface="+mn-cs"/>
+      </a:defRPr>
+    </a:lvl4pPr>
+    <a:lvl5pPr marL="1828800" algn="l" defTabSz="457200" rtl="0" eaLnBrk="1" latinLnBrk="0" hangingPunct="1">
+      <a:defRPr sz="1200" kern="1200">
+        <a:solidFill>
+          <a:schemeClr val="tx1"/>
+        </a:solidFill>
+        <a:latin typeface="+mn-lt"/>
+        <a:ea typeface="+mn-ea"/>
+        <a:cs typeface="+mn-cs"/>
+      </a:defRPr>
+    </a:lvl5pPr>
+    <a:lvl6pPr marL="2286000" algn="l" defTabSz="457200" rtl="0" eaLnBrk="1" latinLnBrk="0" hangingPunct="1">
+      <a:defRPr sz="1200" kern="1200">
+        <a:solidFill>
+          <a:schemeClr val="tx1"/>
+        </a:solidFill>
+        <a:latin typeface="+mn-lt"/>
+        <a:ea typeface="+mn-ea"/>
+        <a:cs typeface="+mn-cs"/>
+      </a:defRPr>
+    </a:lvl6pPr>
+    <a:lvl7pPr marL="2743200" algn="l" defTabSz="457200" rtl="0" eaLnBrk="1" latinLnBrk="0" hangingPunct="1">
+      <a:defRPr sz="1200" kern="1200">
+        <a:solidFill>
+          <a:schemeClr val="tx1"/>
+        </a:solidFill>
+        <a:latin typeface="+mn-lt"/>
+        <a:ea typeface="+mn-ea"/>
+        <a:cs typeface="+mn-cs"/>
+      </a:defRPr>
+    </a:lvl7pPr>
+    <a:lvl8pPr marL="3200400" algn="l" defTabSz="457200" rtl="0" eaLnBrk="1" latinLnBrk="0" hangingPunct="1">
+      <a:defRPr sz="1200" kern="1200">
+        <a:solidFill>
+          <a:schemeClr val="tx1"/>
+        </a:solidFill>
+        <a:latin typeface="+mn-lt"/>
+        <a:ea typeface="+mn-ea"/>
+        <a:cs typeface="+mn-cs"/>
+      </a:defRPr>
+    </a:lvl8pPr>
+    <a:lvl9pPr marL="3657600" algn="l" defTabSz="457200" rtl="0" eaLnBrk="1" latinLnBrk="0" hangingPunct="1">
+      <a:defRPr sz="1200" kern="1200">
+        <a:solidFill>
+          <a:schemeClr val="tx1"/>
+        </a:solidFill>
+        <a:latin typeface="+mn-lt"/>
+        <a:ea typeface="+mn-ea"/>
+        <a:cs typeface="+mn-cs"/>
+      </a:defRPr>
+    </a:lvl9pPr>
+  </p:notesStyle>
 </p:notesMaster>
 </file>
 
 <file path=ppt/notesSlides/notesSlide1.xml><?xml version="1.0" encoding="utf-8"?>
-<p:notes xmlns:a="http://schemas.openxmlformats.org/drawingml/2006/main" xmlns:r="http://schemas.openxmlformats.org/officeDocument/2006/relationships" xmlns:mc="http://schemas.openxmlformats.org/markup-compatibility/2006" xmlns:mv="urn:schemas-microsoft-com:mac:vml" xmlns:p="http://schemas.openxmlformats.org/presentationml/2006/main" xmlns:c="http://schemas.openxmlformats.org/drawingml/2006/chart" xmlns:dgm="http://schemas.openxmlformats.org/drawingml/2006/diagram" xmlns:o="urn:schemas-microsoft-com:office:office" xmlns:v="urn:schemas-microsoft-com:vml" xmlns:pvml="urn:schemas-microsoft-com:office:powerpoint" xmlns:com="http://schemas.openxmlformats.org/drawingml/2006/compatibility" xmlns:p14="http://schemas.microsoft.com/office/powerpoint/2010/main" showMasterPhAnim="0" showMasterSp="0">
+<p:notes xmlns:a="http://schemas.openxmlformats.org/drawingml/2006/main" xmlns:r="http://schemas.openxmlformats.org/officeDocument/2006/relationships" xmlns:p="http://schemas.openxmlformats.org/presentationml/2006/main" showMasterSp="0" showMasterPhAnim="0">
   <p:cSld>
     <p:spTree>
       <p:nvGrpSpPr>
-        <p:cNvPr id="88" name="Shape 88"/>
+        <p:cNvPr id="1" name="Shape 88"/>
         <p:cNvGrpSpPr/>
         <p:nvPr/>
       </p:nvGrpSpPr>
@@ -1042,9 +1153,11 @@
       <p:sp>
         <p:nvSpPr>
           <p:cNvPr id="89" name="Shape 89"/>
-          <p:cNvSpPr/>
+          <p:cNvSpPr>
+            <a:spLocks noGrp="1" noRot="1" noChangeAspect="1"/>
+          </p:cNvSpPr>
           <p:nvPr>
-            <p:ph idx="2" type="sldImg"/>
+            <p:ph type="sldImg" idx="2"/>
           </p:nvPr>
         </p:nvSpPr>
         <p:spPr>
@@ -1053,8 +1166,13 @@
             <a:ext cx="4572000" cy="3429000"/>
           </a:xfrm>
           <a:custGeom>
+            <a:avLst/>
+            <a:gdLst/>
+            <a:ahLst/>
+            <a:cxnLst/>
+            <a:rect l="0" t="0" r="0" b="0"/>
             <a:pathLst>
-              <a:path extrusionOk="0" h="120000" w="120000">
+              <a:path w="120000" h="120000" extrusionOk="0">
                 <a:moveTo>
                   <a:pt x="0" y="0"/>
                 </a:moveTo>
@@ -1076,9 +1194,11 @@
       <p:sp>
         <p:nvSpPr>
           <p:cNvPr id="90" name="Shape 90"/>
-          <p:cNvSpPr txBox="1"/>
+          <p:cNvSpPr txBox="1">
+            <a:spLocks noGrp="1"/>
+          </p:cNvSpPr>
           <p:nvPr>
-            <p:ph idx="1" type="body"/>
+            <p:ph type="body" idx="1"/>
           </p:nvPr>
         </p:nvSpPr>
         <p:spPr>
@@ -1091,7 +1211,7 @@
           </a:prstGeom>
         </p:spPr>
         <p:txBody>
-          <a:bodyPr anchorCtr="0" anchor="t" bIns="91425" lIns="91425" rIns="91425" tIns="91425">
+          <a:bodyPr lIns="91425" tIns="91425" rIns="91425" bIns="91425" anchor="t" anchorCtr="0">
             <a:noAutofit/>
           </a:bodyPr>
           <a:lstStyle/>
@@ -1102,9 +1222,6 @@
               </a:spcBef>
               <a:buNone/>
             </a:pPr>
-            <a:r>
-              <a:t/>
-            </a:r>
             <a:endParaRPr/>
           </a:p>
         </p:txBody>
@@ -1112,9 +1229,11 @@
       <p:sp>
         <p:nvSpPr>
           <p:cNvPr id="91" name="Shape 91"/>
-          <p:cNvSpPr txBox="1"/>
+          <p:cNvSpPr txBox="1">
+            <a:spLocks noGrp="1"/>
+          </p:cNvSpPr>
           <p:nvPr>
-            <p:ph idx="12" type="sldNum"/>
+            <p:ph type="sldNum" idx="12"/>
           </p:nvPr>
         </p:nvSpPr>
         <p:spPr>
@@ -1127,7 +1246,7 @@
           </a:prstGeom>
         </p:spPr>
         <p:txBody>
-          <a:bodyPr anchorCtr="0" anchor="b" bIns="45700" lIns="91425" rIns="91425" tIns="45700">
+          <a:bodyPr lIns="91425" tIns="45700" rIns="91425" bIns="45700" anchor="b" anchorCtr="0">
             <a:noAutofit/>
           </a:bodyPr>
           <a:lstStyle/>
@@ -1145,8 +1264,9 @@
             </a:pPr>
             <a:fld id="{00000000-1234-1234-1234-123412341234}" type="slidenum">
               <a:rPr lang="en-US"/>
-              <a:t>‹#›</a:t>
+              <a:t>1</a:t>
             </a:fld>
+            <a:endParaRPr lang="en-US"/>
           </a:p>
         </p:txBody>
       </p:sp>
@@ -1159,11 +1279,11 @@
 </file>
 
 <file path=ppt/notesSlides/notesSlide10.xml><?xml version="1.0" encoding="utf-8"?>
-<p:notes xmlns:a="http://schemas.openxmlformats.org/drawingml/2006/main" xmlns:r="http://schemas.openxmlformats.org/officeDocument/2006/relationships" xmlns:mc="http://schemas.openxmlformats.org/markup-compatibility/2006" xmlns:mv="urn:schemas-microsoft-com:mac:vml" xmlns:p="http://schemas.openxmlformats.org/presentationml/2006/main" xmlns:c="http://schemas.openxmlformats.org/drawingml/2006/chart" xmlns:dgm="http://schemas.openxmlformats.org/drawingml/2006/diagram" xmlns:o="urn:schemas-microsoft-com:office:office" xmlns:v="urn:schemas-microsoft-com:vml" xmlns:pvml="urn:schemas-microsoft-com:office:powerpoint" xmlns:com="http://schemas.openxmlformats.org/drawingml/2006/compatibility" xmlns:p14="http://schemas.microsoft.com/office/powerpoint/2010/main" showMasterPhAnim="0" showMasterSp="0">
+<p:notes xmlns:a="http://schemas.openxmlformats.org/drawingml/2006/main" xmlns:r="http://schemas.openxmlformats.org/officeDocument/2006/relationships" xmlns:p="http://schemas.openxmlformats.org/presentationml/2006/main" showMasterSp="0" showMasterPhAnim="0">
   <p:cSld>
     <p:spTree>
       <p:nvGrpSpPr>
-        <p:cNvPr id="164" name="Shape 164"/>
+        <p:cNvPr id="1" name="Shape 164"/>
         <p:cNvGrpSpPr/>
         <p:nvPr/>
       </p:nvGrpSpPr>
@@ -1178,9 +1298,11 @@
       <p:sp>
         <p:nvSpPr>
           <p:cNvPr id="165" name="Shape 165"/>
-          <p:cNvSpPr/>
+          <p:cNvSpPr>
+            <a:spLocks noGrp="1" noRot="1" noChangeAspect="1"/>
+          </p:cNvSpPr>
           <p:nvPr>
-            <p:ph idx="2" type="sldImg"/>
+            <p:ph type="sldImg" idx="2"/>
           </p:nvPr>
         </p:nvSpPr>
         <p:spPr>
@@ -1189,8 +1311,13 @@
             <a:ext cx="4572000" cy="3429000"/>
           </a:xfrm>
           <a:custGeom>
+            <a:avLst/>
+            <a:gdLst/>
+            <a:ahLst/>
+            <a:cxnLst/>
+            <a:rect l="0" t="0" r="0" b="0"/>
             <a:pathLst>
-              <a:path extrusionOk="0" h="120000" w="120000">
+              <a:path w="120000" h="120000" extrusionOk="0">
                 <a:moveTo>
                   <a:pt x="0" y="0"/>
                 </a:moveTo>
@@ -1212,9 +1339,11 @@
       <p:sp>
         <p:nvSpPr>
           <p:cNvPr id="166" name="Shape 166"/>
-          <p:cNvSpPr txBox="1"/>
+          <p:cNvSpPr txBox="1">
+            <a:spLocks noGrp="1"/>
+          </p:cNvSpPr>
           <p:nvPr>
-            <p:ph idx="1" type="body"/>
+            <p:ph type="body" idx="1"/>
           </p:nvPr>
         </p:nvSpPr>
         <p:spPr>
@@ -1227,7 +1356,7 @@
           </a:prstGeom>
         </p:spPr>
         <p:txBody>
-          <a:bodyPr anchorCtr="0" anchor="t" bIns="91425" lIns="91425" rIns="91425" tIns="91425">
+          <a:bodyPr lIns="91425" tIns="91425" rIns="91425" bIns="91425" anchor="t" anchorCtr="0">
             <a:noAutofit/>
           </a:bodyPr>
           <a:lstStyle/>
@@ -1238,9 +1367,6 @@
               </a:spcBef>
               <a:buNone/>
             </a:pPr>
-            <a:r>
-              <a:t/>
-            </a:r>
             <a:endParaRPr/>
           </a:p>
         </p:txBody>
@@ -1248,9 +1374,11 @@
       <p:sp>
         <p:nvSpPr>
           <p:cNvPr id="167" name="Shape 167"/>
-          <p:cNvSpPr txBox="1"/>
+          <p:cNvSpPr txBox="1">
+            <a:spLocks noGrp="1"/>
+          </p:cNvSpPr>
           <p:nvPr>
-            <p:ph idx="12" type="sldNum"/>
+            <p:ph type="sldNum" idx="12"/>
           </p:nvPr>
         </p:nvSpPr>
         <p:spPr>
@@ -1263,7 +1391,7 @@
           </a:prstGeom>
         </p:spPr>
         <p:txBody>
-          <a:bodyPr anchorCtr="0" anchor="b" bIns="45700" lIns="91425" rIns="91425" tIns="45700">
+          <a:bodyPr lIns="91425" tIns="45700" rIns="91425" bIns="45700" anchor="b" anchorCtr="0">
             <a:noAutofit/>
           </a:bodyPr>
           <a:lstStyle/>
@@ -1281,8 +1409,9 @@
             </a:pPr>
             <a:fld id="{00000000-1234-1234-1234-123412341234}" type="slidenum">
               <a:rPr lang="en-US"/>
-              <a:t>‹#›</a:t>
+              <a:t>10</a:t>
             </a:fld>
+            <a:endParaRPr lang="en-US"/>
           </a:p>
         </p:txBody>
       </p:sp>
@@ -1295,11 +1424,11 @@
 </file>
 
 <file path=ppt/notesSlides/notesSlide2.xml><?xml version="1.0" encoding="utf-8"?>
-<p:notes xmlns:a="http://schemas.openxmlformats.org/drawingml/2006/main" xmlns:r="http://schemas.openxmlformats.org/officeDocument/2006/relationships" xmlns:mc="http://schemas.openxmlformats.org/markup-compatibility/2006" xmlns:mv="urn:schemas-microsoft-com:mac:vml" xmlns:p="http://schemas.openxmlformats.org/presentationml/2006/main" xmlns:c="http://schemas.openxmlformats.org/drawingml/2006/chart" xmlns:dgm="http://schemas.openxmlformats.org/drawingml/2006/diagram" xmlns:o="urn:schemas-microsoft-com:office:office" xmlns:v="urn:schemas-microsoft-com:vml" xmlns:pvml="urn:schemas-microsoft-com:office:powerpoint" xmlns:com="http://schemas.openxmlformats.org/drawingml/2006/compatibility" xmlns:p14="http://schemas.microsoft.com/office/powerpoint/2010/main" showMasterPhAnim="0" showMasterSp="0">
+<p:notes xmlns:a="http://schemas.openxmlformats.org/drawingml/2006/main" xmlns:r="http://schemas.openxmlformats.org/officeDocument/2006/relationships" xmlns:p="http://schemas.openxmlformats.org/presentationml/2006/main" showMasterSp="0" showMasterPhAnim="0">
   <p:cSld>
     <p:spTree>
       <p:nvGrpSpPr>
-        <p:cNvPr id="95" name="Shape 95"/>
+        <p:cNvPr id="1" name="Shape 95"/>
         <p:cNvGrpSpPr/>
         <p:nvPr/>
       </p:nvGrpSpPr>
@@ -1314,9 +1443,11 @@
       <p:sp>
         <p:nvSpPr>
           <p:cNvPr id="96" name="Shape 96"/>
-          <p:cNvSpPr/>
+          <p:cNvSpPr>
+            <a:spLocks noGrp="1" noRot="1" noChangeAspect="1"/>
+          </p:cNvSpPr>
           <p:nvPr>
-            <p:ph idx="2" type="sldImg"/>
+            <p:ph type="sldImg" idx="2"/>
           </p:nvPr>
         </p:nvSpPr>
         <p:spPr>
@@ -1325,8 +1456,13 @@
             <a:ext cx="4572000" cy="3429000"/>
           </a:xfrm>
           <a:custGeom>
+            <a:avLst/>
+            <a:gdLst/>
+            <a:ahLst/>
+            <a:cxnLst/>
+            <a:rect l="0" t="0" r="0" b="0"/>
             <a:pathLst>
-              <a:path extrusionOk="0" h="120000" w="120000">
+              <a:path w="120000" h="120000" extrusionOk="0">
                 <a:moveTo>
                   <a:pt x="0" y="0"/>
                 </a:moveTo>
@@ -1348,9 +1484,11 @@
       <p:sp>
         <p:nvSpPr>
           <p:cNvPr id="97" name="Shape 97"/>
-          <p:cNvSpPr txBox="1"/>
+          <p:cNvSpPr txBox="1">
+            <a:spLocks noGrp="1"/>
+          </p:cNvSpPr>
           <p:nvPr>
-            <p:ph idx="1" type="body"/>
+            <p:ph type="body" idx="1"/>
           </p:nvPr>
         </p:nvSpPr>
         <p:spPr>
@@ -1363,7 +1501,7 @@
           </a:prstGeom>
         </p:spPr>
         <p:txBody>
-          <a:bodyPr anchorCtr="0" anchor="t" bIns="91425" lIns="91425" rIns="91425" tIns="91425">
+          <a:bodyPr lIns="91425" tIns="91425" rIns="91425" bIns="91425" anchor="t" anchorCtr="0">
             <a:noAutofit/>
           </a:bodyPr>
           <a:lstStyle/>
@@ -1374,9 +1512,6 @@
               </a:spcBef>
               <a:buNone/>
             </a:pPr>
-            <a:r>
-              <a:t/>
-            </a:r>
             <a:endParaRPr/>
           </a:p>
         </p:txBody>
@@ -1384,9 +1519,11 @@
       <p:sp>
         <p:nvSpPr>
           <p:cNvPr id="98" name="Shape 98"/>
-          <p:cNvSpPr txBox="1"/>
+          <p:cNvSpPr txBox="1">
+            <a:spLocks noGrp="1"/>
+          </p:cNvSpPr>
           <p:nvPr>
-            <p:ph idx="12" type="sldNum"/>
+            <p:ph type="sldNum" idx="12"/>
           </p:nvPr>
         </p:nvSpPr>
         <p:spPr>
@@ -1399,7 +1536,7 @@
           </a:prstGeom>
         </p:spPr>
         <p:txBody>
-          <a:bodyPr anchorCtr="0" anchor="b" bIns="45700" lIns="91425" rIns="91425" tIns="45700">
+          <a:bodyPr lIns="91425" tIns="45700" rIns="91425" bIns="45700" anchor="b" anchorCtr="0">
             <a:noAutofit/>
           </a:bodyPr>
           <a:lstStyle/>
@@ -1417,8 +1554,9 @@
             </a:pPr>
             <a:fld id="{00000000-1234-1234-1234-123412341234}" type="slidenum">
               <a:rPr lang="en-US"/>
-              <a:t>‹#›</a:t>
+              <a:t>2</a:t>
             </a:fld>
+            <a:endParaRPr lang="en-US"/>
           </a:p>
         </p:txBody>
       </p:sp>
@@ -1431,11 +1569,11 @@
 </file>
 
 <file path=ppt/notesSlides/notesSlide3.xml><?xml version="1.0" encoding="utf-8"?>
-<p:notes xmlns:a="http://schemas.openxmlformats.org/drawingml/2006/main" xmlns:r="http://schemas.openxmlformats.org/officeDocument/2006/relationships" xmlns:mc="http://schemas.openxmlformats.org/markup-compatibility/2006" xmlns:mv="urn:schemas-microsoft-com:mac:vml" xmlns:p="http://schemas.openxmlformats.org/presentationml/2006/main" xmlns:c="http://schemas.openxmlformats.org/drawingml/2006/chart" xmlns:dgm="http://schemas.openxmlformats.org/drawingml/2006/diagram" xmlns:o="urn:schemas-microsoft-com:office:office" xmlns:v="urn:schemas-microsoft-com:vml" xmlns:pvml="urn:schemas-microsoft-com:office:powerpoint" xmlns:com="http://schemas.openxmlformats.org/drawingml/2006/compatibility" xmlns:p14="http://schemas.microsoft.com/office/powerpoint/2010/main" showMasterPhAnim="0" showMasterSp="0">
+<p:notes xmlns:a="http://schemas.openxmlformats.org/drawingml/2006/main" xmlns:r="http://schemas.openxmlformats.org/officeDocument/2006/relationships" xmlns:p="http://schemas.openxmlformats.org/presentationml/2006/main" showMasterSp="0" showMasterPhAnim="0">
   <p:cSld>
     <p:spTree>
       <p:nvGrpSpPr>
-        <p:cNvPr id="102" name="Shape 102"/>
+        <p:cNvPr id="1" name="Shape 102"/>
         <p:cNvGrpSpPr/>
         <p:nvPr/>
       </p:nvGrpSpPr>
@@ -1450,9 +1588,11 @@
       <p:sp>
         <p:nvSpPr>
           <p:cNvPr id="103" name="Shape 103"/>
-          <p:cNvSpPr/>
+          <p:cNvSpPr>
+            <a:spLocks noGrp="1" noRot="1" noChangeAspect="1"/>
+          </p:cNvSpPr>
           <p:nvPr>
-            <p:ph idx="2" type="sldImg"/>
+            <p:ph type="sldImg" idx="2"/>
           </p:nvPr>
         </p:nvSpPr>
         <p:spPr>
@@ -1461,8 +1601,13 @@
             <a:ext cx="4572000" cy="3429000"/>
           </a:xfrm>
           <a:custGeom>
+            <a:avLst/>
+            <a:gdLst/>
+            <a:ahLst/>
+            <a:cxnLst/>
+            <a:rect l="0" t="0" r="0" b="0"/>
             <a:pathLst>
-              <a:path extrusionOk="0" h="120000" w="120000">
+              <a:path w="120000" h="120000" extrusionOk="0">
                 <a:moveTo>
                   <a:pt x="0" y="0"/>
                 </a:moveTo>
@@ -1484,9 +1629,11 @@
       <p:sp>
         <p:nvSpPr>
           <p:cNvPr id="104" name="Shape 104"/>
-          <p:cNvSpPr txBox="1"/>
+          <p:cNvSpPr txBox="1">
+            <a:spLocks noGrp="1"/>
+          </p:cNvSpPr>
           <p:nvPr>
-            <p:ph idx="1" type="body"/>
+            <p:ph type="body" idx="1"/>
           </p:nvPr>
         </p:nvSpPr>
         <p:spPr>
@@ -1499,7 +1646,7 @@
           </a:prstGeom>
         </p:spPr>
         <p:txBody>
-          <a:bodyPr anchorCtr="0" anchor="t" bIns="91425" lIns="91425" rIns="91425" tIns="91425">
+          <a:bodyPr lIns="91425" tIns="91425" rIns="91425" bIns="91425" anchor="t" anchorCtr="0">
             <a:noAutofit/>
           </a:bodyPr>
           <a:lstStyle/>
@@ -1522,9 +1669,6 @@
               </a:spcBef>
               <a:buNone/>
             </a:pPr>
-            <a:r>
-              <a:t/>
-            </a:r>
             <a:endParaRPr/>
           </a:p>
           <a:p>
@@ -1534,9 +1678,6 @@
               </a:spcBef>
               <a:buNone/>
             </a:pPr>
-            <a:r>
-              <a:t/>
-            </a:r>
             <a:endParaRPr/>
           </a:p>
         </p:txBody>
@@ -1544,9 +1685,11 @@
       <p:sp>
         <p:nvSpPr>
           <p:cNvPr id="105" name="Shape 105"/>
-          <p:cNvSpPr txBox="1"/>
+          <p:cNvSpPr txBox="1">
+            <a:spLocks noGrp="1"/>
+          </p:cNvSpPr>
           <p:nvPr>
-            <p:ph idx="12" type="sldNum"/>
+            <p:ph type="sldNum" idx="12"/>
           </p:nvPr>
         </p:nvSpPr>
         <p:spPr>
@@ -1559,7 +1702,7 @@
           </a:prstGeom>
         </p:spPr>
         <p:txBody>
-          <a:bodyPr anchorCtr="0" anchor="b" bIns="45700" lIns="91425" rIns="91425" tIns="45700">
+          <a:bodyPr lIns="91425" tIns="45700" rIns="91425" bIns="45700" anchor="b" anchorCtr="0">
             <a:noAutofit/>
           </a:bodyPr>
           <a:lstStyle/>
@@ -1577,8 +1720,9 @@
             </a:pPr>
             <a:fld id="{00000000-1234-1234-1234-123412341234}" type="slidenum">
               <a:rPr lang="en-US"/>
-              <a:t>‹#›</a:t>
+              <a:t>3</a:t>
             </a:fld>
+            <a:endParaRPr lang="en-US"/>
           </a:p>
         </p:txBody>
       </p:sp>
@@ -1591,11 +1735,11 @@
 </file>
 
 <file path=ppt/notesSlides/notesSlide4.xml><?xml version="1.0" encoding="utf-8"?>
-<p:notes xmlns:a="http://schemas.openxmlformats.org/drawingml/2006/main" xmlns:r="http://schemas.openxmlformats.org/officeDocument/2006/relationships" xmlns:mc="http://schemas.openxmlformats.org/markup-compatibility/2006" xmlns:mv="urn:schemas-microsoft-com:mac:vml" xmlns:p="http://schemas.openxmlformats.org/presentationml/2006/main" xmlns:c="http://schemas.openxmlformats.org/drawingml/2006/chart" xmlns:dgm="http://schemas.openxmlformats.org/drawingml/2006/diagram" xmlns:o="urn:schemas-microsoft-com:office:office" xmlns:v="urn:schemas-microsoft-com:vml" xmlns:pvml="urn:schemas-microsoft-com:office:powerpoint" xmlns:com="http://schemas.openxmlformats.org/drawingml/2006/compatibility" xmlns:p14="http://schemas.microsoft.com/office/powerpoint/2010/main" showMasterPhAnim="0" showMasterSp="0">
+<p:notes xmlns:a="http://schemas.openxmlformats.org/drawingml/2006/main" xmlns:r="http://schemas.openxmlformats.org/officeDocument/2006/relationships" xmlns:p="http://schemas.openxmlformats.org/presentationml/2006/main" showMasterSp="0" showMasterPhAnim="0">
   <p:cSld>
     <p:spTree>
       <p:nvGrpSpPr>
-        <p:cNvPr id="111" name="Shape 111"/>
+        <p:cNvPr id="1" name="Shape 111"/>
         <p:cNvGrpSpPr/>
         <p:nvPr/>
       </p:nvGrpSpPr>
@@ -1610,9 +1754,11 @@
       <p:sp>
         <p:nvSpPr>
           <p:cNvPr id="112" name="Shape 112"/>
-          <p:cNvSpPr/>
+          <p:cNvSpPr>
+            <a:spLocks noGrp="1" noRot="1" noChangeAspect="1"/>
+          </p:cNvSpPr>
           <p:nvPr>
-            <p:ph idx="2" type="sldImg"/>
+            <p:ph type="sldImg" idx="2"/>
           </p:nvPr>
         </p:nvSpPr>
         <p:spPr>
@@ -1621,8 +1767,13 @@
             <a:ext cx="4572000" cy="3429000"/>
           </a:xfrm>
           <a:custGeom>
+            <a:avLst/>
+            <a:gdLst/>
+            <a:ahLst/>
+            <a:cxnLst/>
+            <a:rect l="0" t="0" r="0" b="0"/>
             <a:pathLst>
-              <a:path extrusionOk="0" h="120000" w="120000">
+              <a:path w="120000" h="120000" extrusionOk="0">
                 <a:moveTo>
                   <a:pt x="0" y="0"/>
                 </a:moveTo>
@@ -1644,9 +1795,11 @@
       <p:sp>
         <p:nvSpPr>
           <p:cNvPr id="113" name="Shape 113"/>
-          <p:cNvSpPr txBox="1"/>
+          <p:cNvSpPr txBox="1">
+            <a:spLocks noGrp="1"/>
+          </p:cNvSpPr>
           <p:nvPr>
-            <p:ph idx="1" type="body"/>
+            <p:ph type="body" idx="1"/>
           </p:nvPr>
         </p:nvSpPr>
         <p:spPr>
@@ -1659,7 +1812,7 @@
           </a:prstGeom>
         </p:spPr>
         <p:txBody>
-          <a:bodyPr anchorCtr="0" anchor="t" bIns="91425" lIns="91425" rIns="91425" tIns="91425">
+          <a:bodyPr lIns="91425" tIns="91425" rIns="91425" bIns="91425" anchor="t" anchorCtr="0">
             <a:noAutofit/>
           </a:bodyPr>
           <a:lstStyle/>
@@ -1682,9 +1835,6 @@
               </a:spcBef>
               <a:buNone/>
             </a:pPr>
-            <a:r>
-              <a:t/>
-            </a:r>
             <a:endParaRPr/>
           </a:p>
           <a:p>
@@ -1694,9 +1844,6 @@
               </a:spcBef>
               <a:buNone/>
             </a:pPr>
-            <a:r>
-              <a:t/>
-            </a:r>
             <a:endParaRPr/>
           </a:p>
         </p:txBody>
@@ -1704,9 +1851,11 @@
       <p:sp>
         <p:nvSpPr>
           <p:cNvPr id="114" name="Shape 114"/>
-          <p:cNvSpPr txBox="1"/>
+          <p:cNvSpPr txBox="1">
+            <a:spLocks noGrp="1"/>
+          </p:cNvSpPr>
           <p:nvPr>
-            <p:ph idx="12" type="sldNum"/>
+            <p:ph type="sldNum" idx="12"/>
           </p:nvPr>
         </p:nvSpPr>
         <p:spPr>
@@ -1719,7 +1868,7 @@
           </a:prstGeom>
         </p:spPr>
         <p:txBody>
-          <a:bodyPr anchorCtr="0" anchor="b" bIns="45700" lIns="91425" rIns="91425" tIns="45700">
+          <a:bodyPr lIns="91425" tIns="45700" rIns="91425" bIns="45700" anchor="b" anchorCtr="0">
             <a:noAutofit/>
           </a:bodyPr>
           <a:lstStyle/>
@@ -1732,8 +1881,9 @@
             </a:pPr>
             <a:fld id="{00000000-1234-1234-1234-123412341234}" type="slidenum">
               <a:rPr lang="en-US"/>
-              <a:t>‹#›</a:t>
+              <a:t>4</a:t>
             </a:fld>
+            <a:endParaRPr lang="en-US"/>
           </a:p>
         </p:txBody>
       </p:sp>
@@ -1746,11 +1896,11 @@
 </file>
 
 <file path=ppt/notesSlides/notesSlide5.xml><?xml version="1.0" encoding="utf-8"?>
-<p:notes xmlns:a="http://schemas.openxmlformats.org/drawingml/2006/main" xmlns:r="http://schemas.openxmlformats.org/officeDocument/2006/relationships" xmlns:mc="http://schemas.openxmlformats.org/markup-compatibility/2006" xmlns:mv="urn:schemas-microsoft-com:mac:vml" xmlns:p="http://schemas.openxmlformats.org/presentationml/2006/main" xmlns:c="http://schemas.openxmlformats.org/drawingml/2006/chart" xmlns:dgm="http://schemas.openxmlformats.org/drawingml/2006/diagram" xmlns:o="urn:schemas-microsoft-com:office:office" xmlns:v="urn:schemas-microsoft-com:vml" xmlns:pvml="urn:schemas-microsoft-com:office:powerpoint" xmlns:com="http://schemas.openxmlformats.org/drawingml/2006/compatibility" xmlns:p14="http://schemas.microsoft.com/office/powerpoint/2010/main" showMasterPhAnim="0" showMasterSp="0">
+<p:notes xmlns:a="http://schemas.openxmlformats.org/drawingml/2006/main" xmlns:r="http://schemas.openxmlformats.org/officeDocument/2006/relationships" xmlns:p="http://schemas.openxmlformats.org/presentationml/2006/main" showMasterSp="0" showMasterPhAnim="0">
   <p:cSld>
     <p:spTree>
       <p:nvGrpSpPr>
-        <p:cNvPr id="122" name="Shape 122"/>
+        <p:cNvPr id="1" name="Shape 122"/>
         <p:cNvGrpSpPr/>
         <p:nvPr/>
       </p:nvGrpSpPr>
@@ -1765,9 +1915,11 @@
       <p:sp>
         <p:nvSpPr>
           <p:cNvPr id="123" name="Shape 123"/>
-          <p:cNvSpPr/>
+          <p:cNvSpPr>
+            <a:spLocks noGrp="1" noRot="1" noChangeAspect="1"/>
+          </p:cNvSpPr>
           <p:nvPr>
-            <p:ph idx="2" type="sldImg"/>
+            <p:ph type="sldImg" idx="2"/>
           </p:nvPr>
         </p:nvSpPr>
         <p:spPr>
@@ -1776,8 +1928,13 @@
             <a:ext cx="4572000" cy="3429000"/>
           </a:xfrm>
           <a:custGeom>
+            <a:avLst/>
+            <a:gdLst/>
+            <a:ahLst/>
+            <a:cxnLst/>
+            <a:rect l="0" t="0" r="0" b="0"/>
             <a:pathLst>
-              <a:path extrusionOk="0" h="120000" w="120000">
+              <a:path w="120000" h="120000" extrusionOk="0">
                 <a:moveTo>
                   <a:pt x="0" y="0"/>
                 </a:moveTo>
@@ -1799,9 +1956,11 @@
       <p:sp>
         <p:nvSpPr>
           <p:cNvPr id="124" name="Shape 124"/>
-          <p:cNvSpPr txBox="1"/>
+          <p:cNvSpPr txBox="1">
+            <a:spLocks noGrp="1"/>
+          </p:cNvSpPr>
           <p:nvPr>
-            <p:ph idx="1" type="body"/>
+            <p:ph type="body" idx="1"/>
           </p:nvPr>
         </p:nvSpPr>
         <p:spPr>
@@ -1814,7 +1973,7 @@
           </a:prstGeom>
         </p:spPr>
         <p:txBody>
-          <a:bodyPr anchorCtr="0" anchor="t" bIns="91425" lIns="91425" rIns="91425" tIns="91425">
+          <a:bodyPr lIns="91425" tIns="91425" rIns="91425" bIns="91425" anchor="t" anchorCtr="0">
             <a:noAutofit/>
           </a:bodyPr>
           <a:lstStyle/>
@@ -1837,9 +1996,6 @@
               </a:spcBef>
               <a:buNone/>
             </a:pPr>
-            <a:r>
-              <a:t/>
-            </a:r>
             <a:endParaRPr/>
           </a:p>
           <a:p>
@@ -1849,9 +2005,6 @@
               </a:spcBef>
               <a:buNone/>
             </a:pPr>
-            <a:r>
-              <a:t/>
-            </a:r>
             <a:endParaRPr/>
           </a:p>
         </p:txBody>
@@ -1859,9 +2012,11 @@
       <p:sp>
         <p:nvSpPr>
           <p:cNvPr id="125" name="Shape 125"/>
-          <p:cNvSpPr txBox="1"/>
+          <p:cNvSpPr txBox="1">
+            <a:spLocks noGrp="1"/>
+          </p:cNvSpPr>
           <p:nvPr>
-            <p:ph idx="12" type="sldNum"/>
+            <p:ph type="sldNum" idx="12"/>
           </p:nvPr>
         </p:nvSpPr>
         <p:spPr>
@@ -1874,7 +2029,7 @@
           </a:prstGeom>
         </p:spPr>
         <p:txBody>
-          <a:bodyPr anchorCtr="0" anchor="b" bIns="45700" lIns="91425" rIns="91425" tIns="45700">
+          <a:bodyPr lIns="91425" tIns="45700" rIns="91425" bIns="45700" anchor="b" anchorCtr="0">
             <a:noAutofit/>
           </a:bodyPr>
           <a:lstStyle/>
@@ -1887,8 +2042,9 @@
             </a:pPr>
             <a:fld id="{00000000-1234-1234-1234-123412341234}" type="slidenum">
               <a:rPr lang="en-US"/>
-              <a:t>‹#›</a:t>
+              <a:t>5</a:t>
             </a:fld>
+            <a:endParaRPr lang="en-US"/>
           </a:p>
         </p:txBody>
       </p:sp>
@@ -1901,11 +2057,11 @@
 </file>
 
 <file path=ppt/notesSlides/notesSlide6.xml><?xml version="1.0" encoding="utf-8"?>
-<p:notes xmlns:a="http://schemas.openxmlformats.org/drawingml/2006/main" xmlns:r="http://schemas.openxmlformats.org/officeDocument/2006/relationships" xmlns:mc="http://schemas.openxmlformats.org/markup-compatibility/2006" xmlns:mv="urn:schemas-microsoft-com:mac:vml" xmlns:p="http://schemas.openxmlformats.org/presentationml/2006/main" xmlns:c="http://schemas.openxmlformats.org/drawingml/2006/chart" xmlns:dgm="http://schemas.openxmlformats.org/drawingml/2006/diagram" xmlns:o="urn:schemas-microsoft-com:office:office" xmlns:v="urn:schemas-microsoft-com:vml" xmlns:pvml="urn:schemas-microsoft-com:office:powerpoint" xmlns:com="http://schemas.openxmlformats.org/drawingml/2006/compatibility" xmlns:p14="http://schemas.microsoft.com/office/powerpoint/2010/main" showMasterPhAnim="0" showMasterSp="0">
+<p:notes xmlns:a="http://schemas.openxmlformats.org/drawingml/2006/main" xmlns:r="http://schemas.openxmlformats.org/officeDocument/2006/relationships" xmlns:p="http://schemas.openxmlformats.org/presentationml/2006/main" showMasterSp="0" showMasterPhAnim="0">
   <p:cSld>
     <p:spTree>
       <p:nvGrpSpPr>
-        <p:cNvPr id="135" name="Shape 135"/>
+        <p:cNvPr id="1" name="Shape 135"/>
         <p:cNvGrpSpPr/>
         <p:nvPr/>
       </p:nvGrpSpPr>
@@ -1920,9 +2076,11 @@
       <p:sp>
         <p:nvSpPr>
           <p:cNvPr id="136" name="Shape 136"/>
-          <p:cNvSpPr/>
+          <p:cNvSpPr>
+            <a:spLocks noGrp="1" noRot="1" noChangeAspect="1"/>
+          </p:cNvSpPr>
           <p:nvPr>
-            <p:ph idx="2" type="sldImg"/>
+            <p:ph type="sldImg" idx="2"/>
           </p:nvPr>
         </p:nvSpPr>
         <p:spPr>
@@ -1931,8 +2089,13 @@
             <a:ext cx="4572000" cy="3429000"/>
           </a:xfrm>
           <a:custGeom>
+            <a:avLst/>
+            <a:gdLst/>
+            <a:ahLst/>
+            <a:cxnLst/>
+            <a:rect l="0" t="0" r="0" b="0"/>
             <a:pathLst>
-              <a:path extrusionOk="0" h="120000" w="120000">
+              <a:path w="120000" h="120000" extrusionOk="0">
                 <a:moveTo>
                   <a:pt x="0" y="0"/>
                 </a:moveTo>
@@ -1954,9 +2117,11 @@
       <p:sp>
         <p:nvSpPr>
           <p:cNvPr id="137" name="Shape 137"/>
-          <p:cNvSpPr txBox="1"/>
+          <p:cNvSpPr txBox="1">
+            <a:spLocks noGrp="1"/>
+          </p:cNvSpPr>
           <p:nvPr>
-            <p:ph idx="1" type="body"/>
+            <p:ph type="body" idx="1"/>
           </p:nvPr>
         </p:nvSpPr>
         <p:spPr>
@@ -1969,7 +2134,7 @@
           </a:prstGeom>
         </p:spPr>
         <p:txBody>
-          <a:bodyPr anchorCtr="0" anchor="t" bIns="91425" lIns="91425" rIns="91425" tIns="91425">
+          <a:bodyPr lIns="91425" tIns="91425" rIns="91425" bIns="91425" anchor="t" anchorCtr="0">
             <a:noAutofit/>
           </a:bodyPr>
           <a:lstStyle/>
@@ -2043,9 +2208,6 @@
               </a:spcBef>
               <a:buNone/>
             </a:pPr>
-            <a:r>
-              <a:t/>
-            </a:r>
             <a:endParaRPr/>
           </a:p>
         </p:txBody>
@@ -2053,9 +2215,11 @@
       <p:sp>
         <p:nvSpPr>
           <p:cNvPr id="138" name="Shape 138"/>
-          <p:cNvSpPr txBox="1"/>
+          <p:cNvSpPr txBox="1">
+            <a:spLocks noGrp="1"/>
+          </p:cNvSpPr>
           <p:nvPr>
-            <p:ph idx="12" type="sldNum"/>
+            <p:ph type="sldNum" idx="12"/>
           </p:nvPr>
         </p:nvSpPr>
         <p:spPr>
@@ -2068,7 +2232,7 @@
           </a:prstGeom>
         </p:spPr>
         <p:txBody>
-          <a:bodyPr anchorCtr="0" anchor="b" bIns="45700" lIns="91425" rIns="91425" tIns="45700">
+          <a:bodyPr lIns="91425" tIns="45700" rIns="91425" bIns="45700" anchor="b" anchorCtr="0">
             <a:noAutofit/>
           </a:bodyPr>
           <a:lstStyle/>
@@ -2086,8 +2250,9 @@
             </a:pPr>
             <a:fld id="{00000000-1234-1234-1234-123412341234}" type="slidenum">
               <a:rPr lang="en-US"/>
-              <a:t>‹#›</a:t>
+              <a:t>6</a:t>
             </a:fld>
+            <a:endParaRPr lang="en-US"/>
           </a:p>
         </p:txBody>
       </p:sp>
@@ -2100,11 +2265,11 @@
 </file>
 
 <file path=ppt/notesSlides/notesSlide7.xml><?xml version="1.0" encoding="utf-8"?>
-<p:notes xmlns:a="http://schemas.openxmlformats.org/drawingml/2006/main" xmlns:r="http://schemas.openxmlformats.org/officeDocument/2006/relationships" xmlns:mc="http://schemas.openxmlformats.org/markup-compatibility/2006" xmlns:mv="urn:schemas-microsoft-com:mac:vml" xmlns:p="http://schemas.openxmlformats.org/presentationml/2006/main" xmlns:c="http://schemas.openxmlformats.org/drawingml/2006/chart" xmlns:dgm="http://schemas.openxmlformats.org/drawingml/2006/diagram" xmlns:o="urn:schemas-microsoft-com:office:office" xmlns:v="urn:schemas-microsoft-com:vml" xmlns:pvml="urn:schemas-microsoft-com:office:powerpoint" xmlns:com="http://schemas.openxmlformats.org/drawingml/2006/compatibility" xmlns:p14="http://schemas.microsoft.com/office/powerpoint/2010/main" showMasterPhAnim="0" showMasterSp="0">
+<p:notes xmlns:a="http://schemas.openxmlformats.org/drawingml/2006/main" xmlns:r="http://schemas.openxmlformats.org/officeDocument/2006/relationships" xmlns:p="http://schemas.openxmlformats.org/presentationml/2006/main" showMasterSp="0" showMasterPhAnim="0">
   <p:cSld>
     <p:spTree>
       <p:nvGrpSpPr>
-        <p:cNvPr id="142" name="Shape 142"/>
+        <p:cNvPr id="1" name="Shape 142"/>
         <p:cNvGrpSpPr/>
         <p:nvPr/>
       </p:nvGrpSpPr>
@@ -2119,9 +2284,11 @@
       <p:sp>
         <p:nvSpPr>
           <p:cNvPr id="143" name="Shape 143"/>
-          <p:cNvSpPr/>
+          <p:cNvSpPr>
+            <a:spLocks noGrp="1" noRot="1" noChangeAspect="1"/>
+          </p:cNvSpPr>
           <p:nvPr>
-            <p:ph idx="2" type="sldImg"/>
+            <p:ph type="sldImg" idx="2"/>
           </p:nvPr>
         </p:nvSpPr>
         <p:spPr>
@@ -2130,8 +2297,13 @@
             <a:ext cx="4572000" cy="3429000"/>
           </a:xfrm>
           <a:custGeom>
+            <a:avLst/>
+            <a:gdLst/>
+            <a:ahLst/>
+            <a:cxnLst/>
+            <a:rect l="0" t="0" r="0" b="0"/>
             <a:pathLst>
-              <a:path extrusionOk="0" h="120000" w="120000">
+              <a:path w="120000" h="120000" extrusionOk="0">
                 <a:moveTo>
                   <a:pt x="0" y="0"/>
                 </a:moveTo>
@@ -2153,9 +2325,11 @@
       <p:sp>
         <p:nvSpPr>
           <p:cNvPr id="144" name="Shape 144"/>
-          <p:cNvSpPr txBox="1"/>
+          <p:cNvSpPr txBox="1">
+            <a:spLocks noGrp="1"/>
+          </p:cNvSpPr>
           <p:nvPr>
-            <p:ph idx="1" type="body"/>
+            <p:ph type="body" idx="1"/>
           </p:nvPr>
         </p:nvSpPr>
         <p:spPr>
@@ -2168,7 +2342,7 @@
           </a:prstGeom>
         </p:spPr>
         <p:txBody>
-          <a:bodyPr anchorCtr="0" anchor="t" bIns="91425" lIns="91425" rIns="91425" tIns="91425">
+          <a:bodyPr lIns="91425" tIns="91425" rIns="91425" bIns="91425" anchor="t" anchorCtr="0">
             <a:noAutofit/>
           </a:bodyPr>
           <a:lstStyle/>
@@ -2181,12 +2355,8 @@
             </a:pPr>
             <a:r>
               <a:rPr lang="en-US"/>
-              <a:t>Examples of some most commonly used commands. </a:t>
+              <a:t>Examples of some most commonly used commands. DO NOT. I REPEAT DO NOT STRESS OVER MEMORIZING ALL OF THESE COMMANDS. As you use them you will just naturally remember. Until then feel free to use the cheat sheet.</a:t>
             </a:r>
-            <a:r>
-              <a:rPr lang="en-US"/>
-              <a:t>DO NOT. I REPEAT DO NOT STRESS OVER MEMORIZING ALL OF THESE COMMANDS. As you use them you will just naturally remember. Until then feel free to use the cheat sheet.</a:t>
-            </a:r>
           </a:p>
           <a:p>
             <a:pPr lvl="0">
@@ -2195,9 +2365,6 @@
               </a:spcBef>
               <a:buNone/>
             </a:pPr>
-            <a:r>
-              <a:t/>
-            </a:r>
             <a:endParaRPr/>
           </a:p>
           <a:p>
@@ -2224,9 +2391,6 @@
               </a:spcBef>
               <a:buNone/>
             </a:pPr>
-            <a:r>
-              <a:t/>
-            </a:r>
             <a:endParaRPr/>
           </a:p>
           <a:p>
@@ -2236,9 +2400,6 @@
               </a:spcBef>
               <a:buNone/>
             </a:pPr>
-            <a:r>
-              <a:t/>
-            </a:r>
             <a:endParaRPr/>
           </a:p>
         </p:txBody>
@@ -2246,9 +2407,11 @@
       <p:sp>
         <p:nvSpPr>
           <p:cNvPr id="145" name="Shape 145"/>
-          <p:cNvSpPr txBox="1"/>
+          <p:cNvSpPr txBox="1">
+            <a:spLocks noGrp="1"/>
+          </p:cNvSpPr>
           <p:nvPr>
-            <p:ph idx="12" type="sldNum"/>
+            <p:ph type="sldNum" idx="12"/>
           </p:nvPr>
         </p:nvSpPr>
         <p:spPr>
@@ -2261,7 +2424,7 @@
           </a:prstGeom>
         </p:spPr>
         <p:txBody>
-          <a:bodyPr anchorCtr="0" anchor="b" bIns="45700" lIns="91425" rIns="91425" tIns="45700">
+          <a:bodyPr lIns="91425" tIns="45700" rIns="91425" bIns="45700" anchor="b" anchorCtr="0">
             <a:noAutofit/>
           </a:bodyPr>
           <a:lstStyle/>
@@ -2279,8 +2442,9 @@
             </a:pPr>
             <a:fld id="{00000000-1234-1234-1234-123412341234}" type="slidenum">
               <a:rPr lang="en-US"/>
-              <a:t>‹#›</a:t>
+              <a:t>7</a:t>
             </a:fld>
+            <a:endParaRPr lang="en-US"/>
           </a:p>
         </p:txBody>
       </p:sp>
@@ -2293,11 +2457,11 @@
 </file>
 
 <file path=ppt/notesSlides/notesSlide8.xml><?xml version="1.0" encoding="utf-8"?>
-<p:notes xmlns:a="http://schemas.openxmlformats.org/drawingml/2006/main" xmlns:r="http://schemas.openxmlformats.org/officeDocument/2006/relationships" xmlns:mc="http://schemas.openxmlformats.org/markup-compatibility/2006" xmlns:mv="urn:schemas-microsoft-com:mac:vml" xmlns:p="http://schemas.openxmlformats.org/presentationml/2006/main" xmlns:c="http://schemas.openxmlformats.org/drawingml/2006/chart" xmlns:dgm="http://schemas.openxmlformats.org/drawingml/2006/diagram" xmlns:o="urn:schemas-microsoft-com:office:office" xmlns:v="urn:schemas-microsoft-com:vml" xmlns:pvml="urn:schemas-microsoft-com:office:powerpoint" xmlns:com="http://schemas.openxmlformats.org/drawingml/2006/compatibility" xmlns:p14="http://schemas.microsoft.com/office/powerpoint/2010/main" showMasterPhAnim="0" showMasterSp="0">
+<p:notes xmlns:a="http://schemas.openxmlformats.org/drawingml/2006/main" xmlns:r="http://schemas.openxmlformats.org/officeDocument/2006/relationships" xmlns:p="http://schemas.openxmlformats.org/presentationml/2006/main" showMasterSp="0" showMasterPhAnim="0">
   <p:cSld>
     <p:spTree>
       <p:nvGrpSpPr>
-        <p:cNvPr id="150" name="Shape 150"/>
+        <p:cNvPr id="1" name="Shape 150"/>
         <p:cNvGrpSpPr/>
         <p:nvPr/>
       </p:nvGrpSpPr>
@@ -2312,9 +2476,11 @@
       <p:sp>
         <p:nvSpPr>
           <p:cNvPr id="151" name="Shape 151"/>
-          <p:cNvSpPr/>
+          <p:cNvSpPr>
+            <a:spLocks noGrp="1" noRot="1" noChangeAspect="1"/>
+          </p:cNvSpPr>
           <p:nvPr>
-            <p:ph idx="2" type="sldImg"/>
+            <p:ph type="sldImg" idx="2"/>
           </p:nvPr>
         </p:nvSpPr>
         <p:spPr>
@@ -2323,8 +2489,13 @@
             <a:ext cx="4572000" cy="3429000"/>
           </a:xfrm>
           <a:custGeom>
+            <a:avLst/>
+            <a:gdLst/>
+            <a:ahLst/>
+            <a:cxnLst/>
+            <a:rect l="0" t="0" r="0" b="0"/>
             <a:pathLst>
-              <a:path extrusionOk="0" h="120000" w="120000">
+              <a:path w="120000" h="120000" extrusionOk="0">
                 <a:moveTo>
                   <a:pt x="0" y="0"/>
                 </a:moveTo>
@@ -2346,9 +2517,11 @@
       <p:sp>
         <p:nvSpPr>
           <p:cNvPr id="152" name="Shape 152"/>
-          <p:cNvSpPr txBox="1"/>
+          <p:cNvSpPr txBox="1">
+            <a:spLocks noGrp="1"/>
+          </p:cNvSpPr>
           <p:nvPr>
-            <p:ph idx="1" type="body"/>
+            <p:ph type="body" idx="1"/>
           </p:nvPr>
         </p:nvSpPr>
         <p:spPr>
@@ -2361,7 +2534,7 @@
           </a:prstGeom>
         </p:spPr>
         <p:txBody>
-          <a:bodyPr anchorCtr="0" anchor="t" bIns="91425" lIns="91425" rIns="91425" tIns="91425">
+          <a:bodyPr lIns="91425" tIns="91425" rIns="91425" bIns="91425" anchor="t" anchorCtr="0">
             <a:noAutofit/>
           </a:bodyPr>
           <a:lstStyle/>
@@ -2372,9 +2545,6 @@
               </a:spcBef>
               <a:buNone/>
             </a:pPr>
-            <a:r>
-              <a:t/>
-            </a:r>
             <a:endParaRPr/>
           </a:p>
         </p:txBody>
@@ -2382,9 +2552,11 @@
       <p:sp>
         <p:nvSpPr>
           <p:cNvPr id="153" name="Shape 153"/>
-          <p:cNvSpPr txBox="1"/>
+          <p:cNvSpPr txBox="1">
+            <a:spLocks noGrp="1"/>
+          </p:cNvSpPr>
           <p:nvPr>
-            <p:ph idx="12" type="sldNum"/>
+            <p:ph type="sldNum" idx="12"/>
           </p:nvPr>
         </p:nvSpPr>
         <p:spPr>
@@ -2397,7 +2569,7 @@
           </a:prstGeom>
         </p:spPr>
         <p:txBody>
-          <a:bodyPr anchorCtr="0" anchor="b" bIns="45700" lIns="91425" rIns="91425" tIns="45700">
+          <a:bodyPr lIns="91425" tIns="45700" rIns="91425" bIns="45700" anchor="b" anchorCtr="0">
             <a:noAutofit/>
           </a:bodyPr>
           <a:lstStyle/>
@@ -2415,8 +2587,9 @@
             </a:pPr>
             <a:fld id="{00000000-1234-1234-1234-123412341234}" type="slidenum">
               <a:rPr lang="en-US"/>
-              <a:t>‹#›</a:t>
+              <a:t>8</a:t>
             </a:fld>
+            <a:endParaRPr lang="en-US"/>
           </a:p>
         </p:txBody>
       </p:sp>
@@ -2429,11 +2602,11 @@
 </file>
 
 <file path=ppt/notesSlides/notesSlide9.xml><?xml version="1.0" encoding="utf-8"?>
-<p:notes xmlns:a="http://schemas.openxmlformats.org/drawingml/2006/main" xmlns:r="http://schemas.openxmlformats.org/officeDocument/2006/relationships" xmlns:mc="http://schemas.openxmlformats.org/markup-compatibility/2006" xmlns:mv="urn:schemas-microsoft-com:mac:vml" xmlns:p="http://schemas.openxmlformats.org/presentationml/2006/main" xmlns:c="http://schemas.openxmlformats.org/drawingml/2006/chart" xmlns:dgm="http://schemas.openxmlformats.org/drawingml/2006/diagram" xmlns:o="urn:schemas-microsoft-com:office:office" xmlns:v="urn:schemas-microsoft-com:vml" xmlns:pvml="urn:schemas-microsoft-com:office:powerpoint" xmlns:com="http://schemas.openxmlformats.org/drawingml/2006/compatibility" xmlns:p14="http://schemas.microsoft.com/office/powerpoint/2010/main" showMasterPhAnim="0" showMasterSp="0">
+<p:notes xmlns:a="http://schemas.openxmlformats.org/drawingml/2006/main" xmlns:r="http://schemas.openxmlformats.org/officeDocument/2006/relationships" xmlns:p="http://schemas.openxmlformats.org/presentationml/2006/main" showMasterSp="0" showMasterPhAnim="0">
   <p:cSld>
     <p:spTree>
       <p:nvGrpSpPr>
-        <p:cNvPr id="157" name="Shape 157"/>
+        <p:cNvPr id="1" name="Shape 157"/>
         <p:cNvGrpSpPr/>
         <p:nvPr/>
       </p:nvGrpSpPr>
@@ -2448,9 +2621,11 @@
       <p:sp>
         <p:nvSpPr>
           <p:cNvPr id="158" name="Shape 158"/>
-          <p:cNvSpPr/>
+          <p:cNvSpPr>
+            <a:spLocks noGrp="1" noRot="1" noChangeAspect="1"/>
+          </p:cNvSpPr>
           <p:nvPr>
-            <p:ph idx="2" type="sldImg"/>
+            <p:ph type="sldImg" idx="2"/>
           </p:nvPr>
         </p:nvSpPr>
         <p:spPr>
@@ -2459,8 +2634,13 @@
             <a:ext cx="4572000" cy="3429000"/>
           </a:xfrm>
           <a:custGeom>
+            <a:avLst/>
+            <a:gdLst/>
+            <a:ahLst/>
+            <a:cxnLst/>
+            <a:rect l="0" t="0" r="0" b="0"/>
             <a:pathLst>
-              <a:path extrusionOk="0" h="120000" w="120000">
+              <a:path w="120000" h="120000" extrusionOk="0">
                 <a:moveTo>
                   <a:pt x="0" y="0"/>
                 </a:moveTo>
@@ -2482,9 +2662,11 @@
       <p:sp>
         <p:nvSpPr>
           <p:cNvPr id="159" name="Shape 159"/>
-          <p:cNvSpPr txBox="1"/>
+          <p:cNvSpPr txBox="1">
+            <a:spLocks noGrp="1"/>
+          </p:cNvSpPr>
           <p:nvPr>
-            <p:ph idx="1" type="body"/>
+            <p:ph type="body" idx="1"/>
           </p:nvPr>
         </p:nvSpPr>
         <p:spPr>
@@ -2497,7 +2679,7 @@
           </a:prstGeom>
         </p:spPr>
         <p:txBody>
-          <a:bodyPr anchorCtr="0" anchor="t" bIns="91425" lIns="91425" rIns="91425" tIns="91425">
+          <a:bodyPr lIns="91425" tIns="91425" rIns="91425" bIns="91425" anchor="t" anchorCtr="0">
             <a:noAutofit/>
           </a:bodyPr>
           <a:lstStyle/>
@@ -2508,9 +2690,6 @@
               </a:spcBef>
               <a:buNone/>
             </a:pPr>
-            <a:r>
-              <a:t/>
-            </a:r>
             <a:endParaRPr/>
           </a:p>
         </p:txBody>
@@ -2518,9 +2697,11 @@
       <p:sp>
         <p:nvSpPr>
           <p:cNvPr id="160" name="Shape 160"/>
-          <p:cNvSpPr txBox="1"/>
+          <p:cNvSpPr txBox="1">
+            <a:spLocks noGrp="1"/>
+          </p:cNvSpPr>
           <p:nvPr>
-            <p:ph idx="12" type="sldNum"/>
+            <p:ph type="sldNum" idx="12"/>
           </p:nvPr>
         </p:nvSpPr>
         <p:spPr>
@@ -2533,7 +2714,7 @@
           </a:prstGeom>
         </p:spPr>
         <p:txBody>
-          <a:bodyPr anchorCtr="0" anchor="b" bIns="45700" lIns="91425" rIns="91425" tIns="45700">
+          <a:bodyPr lIns="91425" tIns="45700" rIns="91425" bIns="45700" anchor="b" anchorCtr="0">
             <a:noAutofit/>
           </a:bodyPr>
           <a:lstStyle/>
@@ -2551,8 +2732,9 @@
             </a:pPr>
             <a:fld id="{00000000-1234-1234-1234-123412341234}" type="slidenum">
               <a:rPr lang="en-US"/>
-              <a:t>‹#›</a:t>
+              <a:t>9</a:t>
             </a:fld>
+            <a:endParaRPr lang="en-US"/>
           </a:p>
         </p:txBody>
       </p:sp>
@@ -2565,11 +2747,11 @@
 </file>
 
 <file path=ppt/slideLayouts/slideLayout1.xml><?xml version="1.0" encoding="utf-8"?>
-<p:sldLayout xmlns:a="http://schemas.openxmlformats.org/drawingml/2006/main" xmlns:r="http://schemas.openxmlformats.org/officeDocument/2006/relationships" xmlns:mc="http://schemas.openxmlformats.org/markup-compatibility/2006" xmlns:mv="urn:schemas-microsoft-com:mac:vml" xmlns:p="http://schemas.openxmlformats.org/presentationml/2006/main" xmlns:c="http://schemas.openxmlformats.org/drawingml/2006/chart" xmlns:dgm="http://schemas.openxmlformats.org/drawingml/2006/diagram" xmlns:o="urn:schemas-microsoft-com:office:office" xmlns:v="urn:schemas-microsoft-com:vml" xmlns:pvml="urn:schemas-microsoft-com:office:powerpoint" xmlns:com="http://schemas.openxmlformats.org/drawingml/2006/compatibility" xmlns:p14="http://schemas.microsoft.com/office/powerpoint/2010/main" type="title">
+<p:sldLayout xmlns:a="http://schemas.openxmlformats.org/drawingml/2006/main" xmlns:r="http://schemas.openxmlformats.org/officeDocument/2006/relationships" xmlns:p="http://schemas.openxmlformats.org/presentationml/2006/main" type="title">
   <p:cSld name="Title slide">
     <p:spTree>
       <p:nvGrpSpPr>
-        <p:cNvPr id="13" name="Shape 13"/>
+        <p:cNvPr id="1" name="Shape 13"/>
         <p:cNvGrpSpPr/>
         <p:nvPr/>
       </p:nvGrpSpPr>
@@ -2596,14 +2778,14 @@
             <a:avLst/>
           </a:prstGeom>
           <a:noFill/>
-          <a:ln cap="flat" cmpd="sng" w="76200">
+          <a:ln w="76200" cap="flat" cmpd="sng">
             <a:solidFill>
               <a:schemeClr val="lt2"/>
             </a:solidFill>
             <a:prstDash val="solid"/>
             <a:round/>
-            <a:headEnd len="med" w="med" type="none"/>
-            <a:tailEnd len="med" w="med" type="none"/>
+            <a:headEnd type="none" w="med" len="med"/>
+            <a:tailEnd type="none" w="med" len="med"/>
           </a:ln>
         </p:spPr>
       </p:cxnSp>
@@ -2622,14 +2804,14 @@
             <a:avLst/>
           </a:prstGeom>
           <a:noFill/>
-          <a:ln cap="flat" cmpd="sng" w="76200">
+          <a:ln w="76200" cap="flat" cmpd="sng">
             <a:solidFill>
               <a:schemeClr val="lt2"/>
             </a:solidFill>
             <a:prstDash val="solid"/>
             <a:round/>
-            <a:headEnd len="med" w="med" type="none"/>
-            <a:tailEnd len="med" w="med" type="none"/>
+            <a:headEnd type="none" w="med" len="med"/>
+            <a:tailEnd type="none" w="med" len="med"/>
           </a:ln>
         </p:spPr>
       </p:cxnSp>
@@ -2662,14 +2844,14 @@
               <a:avLst/>
             </a:prstGeom>
             <a:noFill/>
-            <a:ln cap="flat" cmpd="sng" w="76200">
+            <a:ln w="76200" cap="flat" cmpd="sng">
               <a:solidFill>
                 <a:schemeClr val="accent3"/>
               </a:solidFill>
               <a:prstDash val="solid"/>
               <a:round/>
-              <a:headEnd len="med" w="med" type="none"/>
-              <a:tailEnd len="med" w="med" type="none"/>
+              <a:headEnd type="none" w="med" len="med"/>
+              <a:tailEnd type="none" w="med" len="med"/>
             </a:ln>
           </p:spPr>
         </p:cxnSp>
@@ -2688,14 +2870,14 @@
               <a:avLst/>
             </a:prstGeom>
             <a:noFill/>
-            <a:ln cap="flat" cmpd="sng" w="9525">
+            <a:ln w="9525" cap="flat" cmpd="sng">
               <a:solidFill>
                 <a:schemeClr val="accent3"/>
               </a:solidFill>
               <a:prstDash val="solid"/>
               <a:round/>
-              <a:headEnd len="med" w="med" type="none"/>
-              <a:tailEnd len="med" w="med" type="none"/>
+              <a:headEnd type="none" w="med" len="med"/>
+              <a:tailEnd type="none" w="med" len="med"/>
             </a:ln>
           </p:spPr>
         </p:cxnSp>
@@ -2729,14 +2911,14 @@
               <a:avLst/>
             </a:prstGeom>
             <a:noFill/>
-            <a:ln cap="flat" cmpd="sng" w="76200">
+            <a:ln w="76200" cap="flat" cmpd="sng">
               <a:solidFill>
                 <a:schemeClr val="accent3"/>
               </a:solidFill>
               <a:prstDash val="solid"/>
               <a:round/>
-              <a:headEnd len="med" w="med" type="none"/>
-              <a:tailEnd len="med" w="med" type="none"/>
+              <a:headEnd type="none" w="med" len="med"/>
+              <a:tailEnd type="none" w="med" len="med"/>
             </a:ln>
           </p:spPr>
         </p:cxnSp>
@@ -2755,14 +2937,14 @@
               <a:avLst/>
             </a:prstGeom>
             <a:noFill/>
-            <a:ln cap="flat" cmpd="sng" w="9525">
+            <a:ln w="9525" cap="flat" cmpd="sng">
               <a:solidFill>
                 <a:schemeClr val="accent3"/>
               </a:solidFill>
               <a:prstDash val="solid"/>
               <a:round/>
-              <a:headEnd len="med" w="med" type="none"/>
-              <a:tailEnd len="med" w="med" type="none"/>
+              <a:headEnd type="none" w="med" len="med"/>
+              <a:tailEnd type="none" w="med" len="med"/>
             </a:ln>
           </p:spPr>
         </p:cxnSp>
@@ -2770,7 +2952,9 @@
       <p:sp>
         <p:nvSpPr>
           <p:cNvPr id="22" name="Shape 22"/>
-          <p:cNvSpPr txBox="1"/>
+          <p:cNvSpPr txBox="1">
+            <a:spLocks noGrp="1"/>
+          </p:cNvSpPr>
           <p:nvPr>
             <p:ph type="ctrTitle"/>
           </p:nvPr>
@@ -2785,7 +2969,7 @@
           </a:prstGeom>
         </p:spPr>
         <p:txBody>
-          <a:bodyPr anchorCtr="0" anchor="b" bIns="91425" lIns="91425" rIns="91425" tIns="91425"/>
+          <a:bodyPr lIns="91425" tIns="91425" rIns="91425" bIns="91425" anchor="b" anchorCtr="0"/>
           <a:lstStyle>
             <a:lvl1pPr lvl="0" algn="ctr">
               <a:spcBef>
@@ -2851,15 +3035,19 @@
               <a:defRPr sz="5400"/>
             </a:lvl9pPr>
           </a:lstStyle>
-          <a:p/>
+          <a:p>
+            <a:endParaRPr/>
+          </a:p>
         </p:txBody>
       </p:sp>
       <p:sp>
         <p:nvSpPr>
           <p:cNvPr id="23" name="Shape 23"/>
-          <p:cNvSpPr txBox="1"/>
+          <p:cNvSpPr txBox="1">
+            <a:spLocks noGrp="1"/>
+          </p:cNvSpPr>
           <p:nvPr>
-            <p:ph idx="1" type="subTitle"/>
+            <p:ph type="subTitle" idx="1"/>
           </p:nvPr>
         </p:nvSpPr>
         <p:spPr>
@@ -2872,7 +3060,7 @@
           </a:prstGeom>
         </p:spPr>
         <p:txBody>
-          <a:bodyPr anchorCtr="0" anchor="t" bIns="91425" lIns="91425" rIns="91425" tIns="91425"/>
+          <a:bodyPr lIns="91425" tIns="91425" rIns="91425" bIns="91425" anchor="t" anchorCtr="0"/>
           <a:lstStyle>
             <a:lvl1pPr lvl="0" algn="ctr">
               <a:lnSpc>
@@ -3001,15 +3189,19 @@
               <a:defRPr sz="2400"/>
             </a:lvl9pPr>
           </a:lstStyle>
-          <a:p/>
+          <a:p>
+            <a:endParaRPr/>
+          </a:p>
         </p:txBody>
       </p:sp>
       <p:sp>
         <p:nvSpPr>
           <p:cNvPr id="24" name="Shape 24"/>
-          <p:cNvSpPr txBox="1"/>
+          <p:cNvSpPr txBox="1">
+            <a:spLocks noGrp="1"/>
+          </p:cNvSpPr>
           <p:nvPr>
-            <p:ph idx="12" type="sldNum"/>
+            <p:ph type="sldNum" idx="12"/>
           </p:nvPr>
         </p:nvSpPr>
         <p:spPr>
@@ -3022,7 +3214,7 @@
           </a:prstGeom>
         </p:spPr>
         <p:txBody>
-          <a:bodyPr anchorCtr="0" anchor="ctr" bIns="91425" lIns="91425" rIns="91425" tIns="91425">
+          <a:bodyPr lIns="91425" tIns="91425" rIns="91425" bIns="91425" anchor="ctr" anchorCtr="0">
             <a:noAutofit/>
           </a:bodyPr>
           <a:lstStyle/>
@@ -3037,6 +3229,7 @@
               <a:rPr lang="en-US"/>
               <a:t>‹#›</a:t>
             </a:fld>
+            <a:endParaRPr lang="en-US"/>
           </a:p>
         </p:txBody>
       </p:sp>
@@ -3049,11 +3242,11 @@
 </file>
 
 <file path=ppt/slideLayouts/slideLayout10.xml><?xml version="1.0" encoding="utf-8"?>
-<p:sldLayout xmlns:a="http://schemas.openxmlformats.org/drawingml/2006/main" xmlns:r="http://schemas.openxmlformats.org/officeDocument/2006/relationships" xmlns:mc="http://schemas.openxmlformats.org/markup-compatibility/2006" xmlns:mv="urn:schemas-microsoft-com:mac:vml" xmlns:p="http://schemas.openxmlformats.org/presentationml/2006/main" xmlns:c="http://schemas.openxmlformats.org/drawingml/2006/chart" xmlns:dgm="http://schemas.openxmlformats.org/drawingml/2006/diagram" xmlns:o="urn:schemas-microsoft-com:office:office" xmlns:v="urn:schemas-microsoft-com:vml" xmlns:pvml="urn:schemas-microsoft-com:office:powerpoint" xmlns:com="http://schemas.openxmlformats.org/drawingml/2006/compatibility" xmlns:p14="http://schemas.microsoft.com/office/powerpoint/2010/main">
+<p:sldLayout xmlns:a="http://schemas.openxmlformats.org/drawingml/2006/main" xmlns:r="http://schemas.openxmlformats.org/officeDocument/2006/relationships" xmlns:p="http://schemas.openxmlformats.org/presentationml/2006/main">
   <p:cSld name="Big number">
     <p:spTree>
       <p:nvGrpSpPr>
-        <p:cNvPr id="59" name="Shape 59"/>
+        <p:cNvPr id="1" name="Shape 59"/>
         <p:cNvGrpSpPr/>
         <p:nvPr/>
       </p:nvGrpSpPr>
@@ -3087,7 +3280,7 @@
           </a:ln>
         </p:spPr>
         <p:txBody>
-          <a:bodyPr anchorCtr="0" anchor="ctr" bIns="91425" lIns="91425" rIns="91425" tIns="91425">
+          <a:bodyPr lIns="91425" tIns="91425" rIns="91425" bIns="91425" anchor="ctr" anchorCtr="0">
             <a:noAutofit/>
           </a:bodyPr>
           <a:lstStyle/>
@@ -3098,9 +3291,6 @@
               </a:spcBef>
               <a:buNone/>
             </a:pPr>
-            <a:r>
-              <a:t/>
-            </a:r>
             <a:endParaRPr/>
           </a:p>
         </p:txBody>
@@ -3108,7 +3298,9 @@
       <p:sp>
         <p:nvSpPr>
           <p:cNvPr id="61" name="Shape 61"/>
-          <p:cNvSpPr txBox="1"/>
+          <p:cNvSpPr txBox="1">
+            <a:spLocks noGrp="1"/>
+          </p:cNvSpPr>
           <p:nvPr>
             <p:ph type="title"/>
           </p:nvPr>
@@ -3123,7 +3315,7 @@
           </a:prstGeom>
         </p:spPr>
         <p:txBody>
-          <a:bodyPr anchorCtr="0" anchor="ctr" bIns="91425" lIns="91425" rIns="91425" tIns="91425"/>
+          <a:bodyPr lIns="91425" tIns="91425" rIns="91425" bIns="91425" anchor="ctr" anchorCtr="0"/>
           <a:lstStyle>
             <a:lvl1pPr lvl="0" algn="ctr">
               <a:spcBef>
@@ -3252,15 +3444,19 @@
               </a:defRPr>
             </a:lvl9pPr>
           </a:lstStyle>
-          <a:p/>
+          <a:p>
+            <a:endParaRPr/>
+          </a:p>
         </p:txBody>
       </p:sp>
       <p:sp>
         <p:nvSpPr>
           <p:cNvPr id="62" name="Shape 62"/>
-          <p:cNvSpPr txBox="1"/>
+          <p:cNvSpPr txBox="1">
+            <a:spLocks noGrp="1"/>
+          </p:cNvSpPr>
           <p:nvPr>
-            <p:ph idx="1" type="body"/>
+            <p:ph type="body" idx="1"/>
           </p:nvPr>
         </p:nvSpPr>
         <p:spPr>
@@ -3273,7 +3469,7 @@
           </a:prstGeom>
         </p:spPr>
         <p:txBody>
-          <a:bodyPr anchorCtr="0" anchor="t" bIns="91425" lIns="91425" rIns="91425" tIns="91425"/>
+          <a:bodyPr lIns="91425" tIns="91425" rIns="91425" bIns="91425" anchor="t" anchorCtr="0"/>
           <a:lstStyle>
             <a:lvl1pPr lvl="0" algn="ctr">
               <a:spcBef>
@@ -3330,15 +3526,19 @@
               <a:defRPr/>
             </a:lvl9pPr>
           </a:lstStyle>
-          <a:p/>
+          <a:p>
+            <a:endParaRPr/>
+          </a:p>
         </p:txBody>
       </p:sp>
       <p:sp>
         <p:nvSpPr>
           <p:cNvPr id="63" name="Shape 63"/>
-          <p:cNvSpPr txBox="1"/>
+          <p:cNvSpPr txBox="1">
+            <a:spLocks noGrp="1"/>
+          </p:cNvSpPr>
           <p:nvPr>
-            <p:ph idx="12" type="sldNum"/>
+            <p:ph type="sldNum" idx="12"/>
           </p:nvPr>
         </p:nvSpPr>
         <p:spPr>
@@ -3351,7 +3551,7 @@
           </a:prstGeom>
         </p:spPr>
         <p:txBody>
-          <a:bodyPr anchorCtr="0" anchor="ctr" bIns="91425" lIns="91425" rIns="91425" tIns="91425">
+          <a:bodyPr lIns="91425" tIns="91425" rIns="91425" bIns="91425" anchor="ctr" anchorCtr="0">
             <a:noAutofit/>
           </a:bodyPr>
           <a:lstStyle/>
@@ -3366,6 +3566,7 @@
               <a:rPr lang="en-US"/>
               <a:t>‹#›</a:t>
             </a:fld>
+            <a:endParaRPr lang="en-US"/>
           </a:p>
         </p:txBody>
       </p:sp>
@@ -3378,11 +3579,11 @@
 </file>
 
 <file path=ppt/slideLayouts/slideLayout11.xml><?xml version="1.0" encoding="utf-8"?>
-<p:sldLayout xmlns:a="http://schemas.openxmlformats.org/drawingml/2006/main" xmlns:r="http://schemas.openxmlformats.org/officeDocument/2006/relationships" xmlns:mc="http://schemas.openxmlformats.org/markup-compatibility/2006" xmlns:mv="urn:schemas-microsoft-com:mac:vml" xmlns:p="http://schemas.openxmlformats.org/presentationml/2006/main" xmlns:c="http://schemas.openxmlformats.org/drawingml/2006/chart" xmlns:dgm="http://schemas.openxmlformats.org/drawingml/2006/diagram" xmlns:o="urn:schemas-microsoft-com:office:office" xmlns:v="urn:schemas-microsoft-com:vml" xmlns:pvml="urn:schemas-microsoft-com:office:powerpoint" xmlns:com="http://schemas.openxmlformats.org/drawingml/2006/compatibility" xmlns:p14="http://schemas.microsoft.com/office/powerpoint/2010/main" type="blank">
+<p:sldLayout xmlns:a="http://schemas.openxmlformats.org/drawingml/2006/main" xmlns:r="http://schemas.openxmlformats.org/officeDocument/2006/relationships" xmlns:p="http://schemas.openxmlformats.org/presentationml/2006/main" type="blank">
   <p:cSld name="Blank">
     <p:spTree>
       <p:nvGrpSpPr>
-        <p:cNvPr id="64" name="Shape 64"/>
+        <p:cNvPr id="1" name="Shape 64"/>
         <p:cNvGrpSpPr/>
         <p:nvPr/>
       </p:nvGrpSpPr>
@@ -3397,9 +3598,11 @@
       <p:sp>
         <p:nvSpPr>
           <p:cNvPr id="65" name="Shape 65"/>
-          <p:cNvSpPr txBox="1"/>
+          <p:cNvSpPr txBox="1">
+            <a:spLocks noGrp="1"/>
+          </p:cNvSpPr>
           <p:nvPr>
-            <p:ph idx="12" type="sldNum"/>
+            <p:ph type="sldNum" idx="12"/>
           </p:nvPr>
         </p:nvSpPr>
         <p:spPr>
@@ -3412,7 +3615,7 @@
           </a:prstGeom>
         </p:spPr>
         <p:txBody>
-          <a:bodyPr anchorCtr="0" anchor="ctr" bIns="91425" lIns="91425" rIns="91425" tIns="91425">
+          <a:bodyPr lIns="91425" tIns="91425" rIns="91425" bIns="91425" anchor="ctr" anchorCtr="0">
             <a:noAutofit/>
           </a:bodyPr>
           <a:lstStyle/>
@@ -3427,6 +3630,7 @@
               <a:rPr lang="en-US"/>
               <a:t>‹#›</a:t>
             </a:fld>
+            <a:endParaRPr lang="en-US"/>
           </a:p>
         </p:txBody>
       </p:sp>
@@ -3439,11 +3643,11 @@
 </file>
 
 <file path=ppt/slideLayouts/slideLayout12.xml><?xml version="1.0" encoding="utf-8"?>
-<p:sldLayout xmlns:a="http://schemas.openxmlformats.org/drawingml/2006/main" xmlns:r="http://schemas.openxmlformats.org/officeDocument/2006/relationships" xmlns:mc="http://schemas.openxmlformats.org/markup-compatibility/2006" xmlns:mv="urn:schemas-microsoft-com:mac:vml" xmlns:p="http://schemas.openxmlformats.org/presentationml/2006/main" xmlns:c="http://schemas.openxmlformats.org/drawingml/2006/chart" xmlns:dgm="http://schemas.openxmlformats.org/drawingml/2006/diagram" xmlns:o="urn:schemas-microsoft-com:office:office" xmlns:v="urn:schemas-microsoft-com:vml" xmlns:pvml="urn:schemas-microsoft-com:office:powerpoint" xmlns:com="http://schemas.openxmlformats.org/drawingml/2006/compatibility" xmlns:p14="http://schemas.microsoft.com/office/powerpoint/2010/main">
+<p:sldLayout xmlns:a="http://schemas.openxmlformats.org/drawingml/2006/main" xmlns:r="http://schemas.openxmlformats.org/officeDocument/2006/relationships" xmlns:p="http://schemas.openxmlformats.org/presentationml/2006/main">
   <p:cSld name="Title Slide">
     <p:spTree>
       <p:nvGrpSpPr>
-        <p:cNvPr id="66" name="Shape 66"/>
+        <p:cNvPr id="1" name="Shape 66"/>
         <p:cNvGrpSpPr/>
         <p:nvPr/>
       </p:nvGrpSpPr>
@@ -3477,21 +3681,18 @@
           </a:ln>
         </p:spPr>
         <p:txBody>
-          <a:bodyPr anchorCtr="0" anchor="ctr" bIns="45700" lIns="91425" rIns="91425" tIns="45700">
+          <a:bodyPr lIns="91425" tIns="45700" rIns="91425" bIns="45700" anchor="ctr" anchorCtr="0">
             <a:noAutofit/>
           </a:bodyPr>
           <a:lstStyle/>
           <a:p>
-            <a:pPr indent="0" lvl="0" marL="0" marR="0" rtl="0" algn="ctr">
+            <a:pPr marL="0" marR="0" lvl="0" indent="0" algn="ctr" rtl="0">
               <a:spcBef>
                 <a:spcPts val="0"/>
               </a:spcBef>
               <a:buNone/>
             </a:pPr>
-            <a:r>
-              <a:t/>
-            </a:r>
-            <a:endParaRPr b="0" i="0" sz="1800" u="none" cap="none" strike="noStrike">
+            <a:endParaRPr sz="1800" b="0" i="0" u="none" strike="noStrike" cap="none">
               <a:solidFill>
                 <a:schemeClr val="lt1"/>
               </a:solidFill>
@@ -3525,21 +3726,18 @@
           </a:ln>
         </p:spPr>
         <p:txBody>
-          <a:bodyPr anchorCtr="0" anchor="ctr" bIns="45700" lIns="91425" rIns="91425" tIns="45700">
+          <a:bodyPr lIns="91425" tIns="45700" rIns="91425" bIns="45700" anchor="ctr" anchorCtr="0">
             <a:noAutofit/>
           </a:bodyPr>
           <a:lstStyle/>
           <a:p>
-            <a:pPr indent="0" lvl="0" marL="0" marR="0" rtl="0" algn="ctr">
+            <a:pPr marL="0" marR="0" lvl="0" indent="0" algn="ctr" rtl="0">
               <a:spcBef>
                 <a:spcPts val="0"/>
               </a:spcBef>
               <a:buNone/>
             </a:pPr>
-            <a:r>
-              <a:t/>
-            </a:r>
-            <a:endParaRPr b="0" i="0" sz="1800" u="none" cap="none" strike="noStrike">
+            <a:endParaRPr sz="1800" b="0" i="0" u="none" strike="noStrike" cap="none">
               <a:solidFill>
                 <a:schemeClr val="lt1"/>
               </a:solidFill>
@@ -3554,9 +3752,11 @@
       <p:sp>
         <p:nvSpPr>
           <p:cNvPr id="69" name="Shape 69"/>
-          <p:cNvSpPr txBox="1"/>
+          <p:cNvSpPr txBox="1">
+            <a:spLocks noGrp="1"/>
+          </p:cNvSpPr>
           <p:nvPr>
-            <p:ph idx="1" type="subTitle"/>
+            <p:ph type="subTitle" idx="1"/>
           </p:nvPr>
         </p:nvSpPr>
         <p:spPr>
@@ -3573,9 +3773,9 @@
           </a:ln>
         </p:spPr>
         <p:txBody>
-          <a:bodyPr anchorCtr="0" anchor="ctr" bIns="91425" lIns="91425" rIns="91425" tIns="91425"/>
+          <a:bodyPr lIns="91425" tIns="91425" rIns="91425" bIns="91425" anchor="ctr" anchorCtr="0"/>
           <a:lstStyle>
-            <a:lvl1pPr indent="0" lvl="0" marL="0" marR="0" rtl="0" algn="l">
+            <a:lvl1pPr marL="0" marR="0" lvl="0" indent="0" algn="l" rtl="0">
               <a:spcBef>
                 <a:spcPts val="380"/>
               </a:spcBef>
@@ -3584,7 +3784,7 @@
               </a:buClr>
               <a:buFont typeface="Noto Sans Symbols"/>
               <a:buNone/>
-              <a:defRPr b="0" i="0" sz="1900" u="none" cap="none" strike="noStrike">
+              <a:defRPr sz="1900" b="0" i="0" u="none" strike="noStrike" cap="none">
                 <a:solidFill>
                   <a:srgbClr val="FFFFFF"/>
                 </a:solidFill>
@@ -3594,7 +3794,7 @@
                 <a:sym typeface="Source Sans Pro"/>
               </a:defRPr>
             </a:lvl1pPr>
-            <a:lvl2pPr indent="0" lvl="1" marL="457200" marR="0" rtl="0" algn="ctr">
+            <a:lvl2pPr marL="457200" marR="0" lvl="1" indent="0" algn="ctr" rtl="0">
               <a:spcBef>
                 <a:spcPts val="360"/>
               </a:spcBef>
@@ -3603,7 +3803,7 @@
               </a:buClr>
               <a:buFont typeface="Noto Sans Symbols"/>
               <a:buNone/>
-              <a:defRPr b="0" i="0" sz="1800" u="none" cap="none" strike="noStrike">
+              <a:defRPr sz="1800" b="0" i="0" u="none" strike="noStrike" cap="none">
                 <a:solidFill>
                   <a:srgbClr val="888D97"/>
                 </a:solidFill>
@@ -3613,7 +3813,7 @@
                 <a:sym typeface="Source Sans Pro"/>
               </a:defRPr>
             </a:lvl2pPr>
-            <a:lvl3pPr indent="0" lvl="2" marL="914400" marR="0" rtl="0" algn="ctr">
+            <a:lvl3pPr marL="914400" marR="0" lvl="2" indent="0" algn="ctr" rtl="0">
               <a:spcBef>
                 <a:spcPts val="320"/>
               </a:spcBef>
@@ -3622,7 +3822,7 @@
               </a:buClr>
               <a:buFont typeface="Noto Sans Symbols"/>
               <a:buNone/>
-              <a:defRPr b="0" i="0" sz="1600" u="none" cap="none" strike="noStrike">
+              <a:defRPr sz="1600" b="0" i="0" u="none" strike="noStrike" cap="none">
                 <a:solidFill>
                   <a:srgbClr val="888D97"/>
                 </a:solidFill>
@@ -3632,7 +3832,7 @@
                 <a:sym typeface="Source Sans Pro"/>
               </a:defRPr>
             </a:lvl3pPr>
-            <a:lvl4pPr indent="0" lvl="3" marL="1371600" marR="0" rtl="0" algn="ctr">
+            <a:lvl4pPr marL="1371600" marR="0" lvl="3" indent="0" algn="ctr" rtl="0">
               <a:spcBef>
                 <a:spcPts val="280"/>
               </a:spcBef>
@@ -3641,7 +3841,7 @@
               </a:buClr>
               <a:buFont typeface="Noto Sans Symbols"/>
               <a:buNone/>
-              <a:defRPr b="0" i="0" sz="1400" u="none" cap="none" strike="noStrike">
+              <a:defRPr sz="1400" b="0" i="0" u="none" strike="noStrike" cap="none">
                 <a:solidFill>
                   <a:srgbClr val="888D97"/>
                 </a:solidFill>
@@ -3651,7 +3851,7 @@
                 <a:sym typeface="Source Sans Pro"/>
               </a:defRPr>
             </a:lvl4pPr>
-            <a:lvl5pPr indent="0" lvl="4" marL="1828800" marR="0" rtl="0" algn="ctr">
+            <a:lvl5pPr marL="1828800" marR="0" lvl="4" indent="0" algn="ctr" rtl="0">
               <a:spcBef>
                 <a:spcPts val="260"/>
               </a:spcBef>
@@ -3660,7 +3860,7 @@
               </a:buClr>
               <a:buFont typeface="Noto Sans Symbols"/>
               <a:buNone/>
-              <a:defRPr b="0" i="0" sz="1300" u="none" cap="none" strike="noStrike">
+              <a:defRPr sz="1300" b="0" i="0" u="none" strike="noStrike" cap="none">
                 <a:solidFill>
                   <a:srgbClr val="888D97"/>
                 </a:solidFill>
@@ -3670,7 +3870,7 @@
                 <a:sym typeface="Source Sans Pro"/>
               </a:defRPr>
             </a:lvl5pPr>
-            <a:lvl6pPr indent="0" lvl="5" marL="2286000" marR="0" rtl="0" algn="ctr">
+            <a:lvl6pPr marL="2286000" marR="0" lvl="5" indent="0" algn="ctr" rtl="0">
               <a:spcBef>
                 <a:spcPts val="240"/>
               </a:spcBef>
@@ -3679,7 +3879,7 @@
               </a:buClr>
               <a:buFont typeface="Noto Sans Symbols"/>
               <a:buNone/>
-              <a:defRPr b="0" i="0" sz="1200" u="none" cap="none" strike="noStrike">
+              <a:defRPr sz="1200" b="0" i="0" u="none" strike="noStrike" cap="none">
                 <a:solidFill>
                   <a:srgbClr val="888D97"/>
                 </a:solidFill>
@@ -3689,7 +3889,7 @@
                 <a:sym typeface="Source Sans Pro"/>
               </a:defRPr>
             </a:lvl6pPr>
-            <a:lvl7pPr indent="0" lvl="6" marL="2743200" marR="0" rtl="0" algn="ctr">
+            <a:lvl7pPr marL="2743200" marR="0" lvl="6" indent="0" algn="ctr" rtl="0">
               <a:spcBef>
                 <a:spcPts val="240"/>
               </a:spcBef>
@@ -3698,7 +3898,7 @@
               </a:buClr>
               <a:buFont typeface="Noto Sans Symbols"/>
               <a:buNone/>
-              <a:defRPr b="0" i="0" sz="1200" u="none" cap="none" strike="noStrike">
+              <a:defRPr sz="1200" b="0" i="0" u="none" strike="noStrike" cap="none">
                 <a:solidFill>
                   <a:srgbClr val="888D97"/>
                 </a:solidFill>
@@ -3708,7 +3908,7 @@
                 <a:sym typeface="Source Sans Pro"/>
               </a:defRPr>
             </a:lvl7pPr>
-            <a:lvl8pPr indent="0" lvl="7" marL="3200400" marR="0" rtl="0" algn="ctr">
+            <a:lvl8pPr marL="3200400" marR="0" lvl="7" indent="0" algn="ctr" rtl="0">
               <a:spcBef>
                 <a:spcPts val="240"/>
               </a:spcBef>
@@ -3717,7 +3917,7 @@
               </a:buClr>
               <a:buFont typeface="Noto Sans Symbols"/>
               <a:buNone/>
-              <a:defRPr b="0" i="0" sz="1200" u="none" cap="none" strike="noStrike">
+              <a:defRPr sz="1200" b="0" i="0" u="none" strike="noStrike" cap="none">
                 <a:solidFill>
                   <a:srgbClr val="888D97"/>
                 </a:solidFill>
@@ -3727,7 +3927,7 @@
                 <a:sym typeface="Source Sans Pro"/>
               </a:defRPr>
             </a:lvl8pPr>
-            <a:lvl9pPr indent="0" lvl="8" marL="3657600" marR="0" rtl="0" algn="ctr">
+            <a:lvl9pPr marL="3657600" marR="0" lvl="8" indent="0" algn="ctr" rtl="0">
               <a:spcBef>
                 <a:spcPts val="240"/>
               </a:spcBef>
@@ -3736,7 +3936,7 @@
               </a:buClr>
               <a:buFont typeface="Noto Sans Symbols"/>
               <a:buNone/>
-              <a:defRPr b="0" i="0" sz="1200" u="none" cap="none" strike="noStrike">
+              <a:defRPr sz="1200" b="0" i="0" u="none" strike="noStrike" cap="none">
                 <a:solidFill>
                   <a:srgbClr val="888D97"/>
                 </a:solidFill>
@@ -3747,15 +3947,19 @@
               </a:defRPr>
             </a:lvl9pPr>
           </a:lstStyle>
-          <a:p/>
+          <a:p>
+            <a:endParaRPr/>
+          </a:p>
         </p:txBody>
       </p:sp>
       <p:sp>
         <p:nvSpPr>
           <p:cNvPr id="70" name="Shape 70"/>
-          <p:cNvSpPr txBox="1"/>
+          <p:cNvSpPr txBox="1">
+            <a:spLocks noGrp="1"/>
+          </p:cNvSpPr>
           <p:nvPr>
-            <p:ph idx="10" type="dt"/>
+            <p:ph type="dt" idx="10"/>
           </p:nvPr>
         </p:nvSpPr>
         <p:spPr>
@@ -3772,14 +3976,14 @@
           </a:ln>
         </p:spPr>
         <p:txBody>
-          <a:bodyPr anchorCtr="0" anchor="ctr" bIns="91425" lIns="91425" rIns="91425" tIns="91425"/>
+          <a:bodyPr lIns="91425" tIns="91425" rIns="91425" bIns="91425" anchor="ctr" anchorCtr="0"/>
           <a:lstStyle>
-            <a:lvl1pPr indent="0" lvl="0" marL="0" marR="0" rtl="0" algn="l">
-              <a:spcBef>
-                <a:spcPts val="0"/>
-              </a:spcBef>
-              <a:buNone/>
-              <a:defRPr b="0" i="0" sz="1100" u="none" cap="none" strike="noStrike">
+            <a:lvl1pPr marL="0" marR="0" lvl="0" indent="0" algn="l" rtl="0">
+              <a:spcBef>
+                <a:spcPts val="0"/>
+              </a:spcBef>
+              <a:buNone/>
+              <a:defRPr sz="1100" b="0" i="0" u="none" strike="noStrike" cap="none">
                 <a:solidFill>
                   <a:schemeClr val="lt2"/>
                 </a:solidFill>
@@ -3789,12 +3993,12 @@
                 <a:sym typeface="Source Sans Pro"/>
               </a:defRPr>
             </a:lvl1pPr>
-            <a:lvl2pPr indent="0" lvl="1" marL="457200" marR="0" rtl="0" algn="l">
-              <a:spcBef>
-                <a:spcPts val="0"/>
-              </a:spcBef>
-              <a:buNone/>
-              <a:defRPr b="0" i="0" sz="1800" u="none" cap="none" strike="noStrike">
+            <a:lvl2pPr marL="457200" marR="0" lvl="1" indent="0" algn="l" rtl="0">
+              <a:spcBef>
+                <a:spcPts val="0"/>
+              </a:spcBef>
+              <a:buNone/>
+              <a:defRPr sz="1800" b="0" i="0" u="none" strike="noStrike" cap="none">
                 <a:solidFill>
                   <a:schemeClr val="dk1"/>
                 </a:solidFill>
@@ -3804,12 +4008,12 @@
                 <a:sym typeface="Source Sans Pro"/>
               </a:defRPr>
             </a:lvl2pPr>
-            <a:lvl3pPr indent="0" lvl="2" marL="914400" marR="0" rtl="0" algn="l">
-              <a:spcBef>
-                <a:spcPts val="0"/>
-              </a:spcBef>
-              <a:buNone/>
-              <a:defRPr b="0" i="0" sz="1800" u="none" cap="none" strike="noStrike">
+            <a:lvl3pPr marL="914400" marR="0" lvl="2" indent="0" algn="l" rtl="0">
+              <a:spcBef>
+                <a:spcPts val="0"/>
+              </a:spcBef>
+              <a:buNone/>
+              <a:defRPr sz="1800" b="0" i="0" u="none" strike="noStrike" cap="none">
                 <a:solidFill>
                   <a:schemeClr val="dk1"/>
                 </a:solidFill>
@@ -3819,12 +4023,12 @@
                 <a:sym typeface="Source Sans Pro"/>
               </a:defRPr>
             </a:lvl3pPr>
-            <a:lvl4pPr indent="0" lvl="3" marL="1371600" marR="0" rtl="0" algn="l">
-              <a:spcBef>
-                <a:spcPts val="0"/>
-              </a:spcBef>
-              <a:buNone/>
-              <a:defRPr b="0" i="0" sz="1800" u="none" cap="none" strike="noStrike">
+            <a:lvl4pPr marL="1371600" marR="0" lvl="3" indent="0" algn="l" rtl="0">
+              <a:spcBef>
+                <a:spcPts val="0"/>
+              </a:spcBef>
+              <a:buNone/>
+              <a:defRPr sz="1800" b="0" i="0" u="none" strike="noStrike" cap="none">
                 <a:solidFill>
                   <a:schemeClr val="dk1"/>
                 </a:solidFill>
@@ -3834,12 +4038,12 @@
                 <a:sym typeface="Source Sans Pro"/>
               </a:defRPr>
             </a:lvl4pPr>
-            <a:lvl5pPr indent="0" lvl="4" marL="1828800" marR="0" rtl="0" algn="l">
-              <a:spcBef>
-                <a:spcPts val="0"/>
-              </a:spcBef>
-              <a:buNone/>
-              <a:defRPr b="0" i="0" sz="1800" u="none" cap="none" strike="noStrike">
+            <a:lvl5pPr marL="1828800" marR="0" lvl="4" indent="0" algn="l" rtl="0">
+              <a:spcBef>
+                <a:spcPts val="0"/>
+              </a:spcBef>
+              <a:buNone/>
+              <a:defRPr sz="1800" b="0" i="0" u="none" strike="noStrike" cap="none">
                 <a:solidFill>
                   <a:schemeClr val="dk1"/>
                 </a:solidFill>
@@ -3849,12 +4053,12 @@
                 <a:sym typeface="Source Sans Pro"/>
               </a:defRPr>
             </a:lvl5pPr>
-            <a:lvl6pPr indent="0" lvl="5" marL="2286000" marR="0" rtl="0" algn="l">
-              <a:spcBef>
-                <a:spcPts val="0"/>
-              </a:spcBef>
-              <a:buNone/>
-              <a:defRPr b="0" i="0" sz="1800" u="none" cap="none" strike="noStrike">
+            <a:lvl6pPr marL="2286000" marR="0" lvl="5" indent="0" algn="l" rtl="0">
+              <a:spcBef>
+                <a:spcPts val="0"/>
+              </a:spcBef>
+              <a:buNone/>
+              <a:defRPr sz="1800" b="0" i="0" u="none" strike="noStrike" cap="none">
                 <a:solidFill>
                   <a:schemeClr val="dk1"/>
                 </a:solidFill>
@@ -3864,12 +4068,12 @@
                 <a:sym typeface="Source Sans Pro"/>
               </a:defRPr>
             </a:lvl6pPr>
-            <a:lvl7pPr indent="0" lvl="6" marL="2743200" marR="0" rtl="0" algn="l">
-              <a:spcBef>
-                <a:spcPts val="0"/>
-              </a:spcBef>
-              <a:buNone/>
-              <a:defRPr b="0" i="0" sz="1800" u="none" cap="none" strike="noStrike">
+            <a:lvl7pPr marL="2743200" marR="0" lvl="6" indent="0" algn="l" rtl="0">
+              <a:spcBef>
+                <a:spcPts val="0"/>
+              </a:spcBef>
+              <a:buNone/>
+              <a:defRPr sz="1800" b="0" i="0" u="none" strike="noStrike" cap="none">
                 <a:solidFill>
                   <a:schemeClr val="dk1"/>
                 </a:solidFill>
@@ -3879,12 +4083,12 @@
                 <a:sym typeface="Source Sans Pro"/>
               </a:defRPr>
             </a:lvl7pPr>
-            <a:lvl8pPr indent="0" lvl="7" marL="3200400" marR="0" rtl="0" algn="l">
-              <a:spcBef>
-                <a:spcPts val="0"/>
-              </a:spcBef>
-              <a:buNone/>
-              <a:defRPr b="0" i="0" sz="1800" u="none" cap="none" strike="noStrike">
+            <a:lvl8pPr marL="3200400" marR="0" lvl="7" indent="0" algn="l" rtl="0">
+              <a:spcBef>
+                <a:spcPts val="0"/>
+              </a:spcBef>
+              <a:buNone/>
+              <a:defRPr sz="1800" b="0" i="0" u="none" strike="noStrike" cap="none">
                 <a:solidFill>
                   <a:schemeClr val="dk1"/>
                 </a:solidFill>
@@ -3894,12 +4098,12 @@
                 <a:sym typeface="Source Sans Pro"/>
               </a:defRPr>
             </a:lvl8pPr>
-            <a:lvl9pPr indent="0" lvl="8" marL="3657600" marR="0" rtl="0" algn="l">
-              <a:spcBef>
-                <a:spcPts val="0"/>
-              </a:spcBef>
-              <a:buNone/>
-              <a:defRPr b="0" i="0" sz="1800" u="none" cap="none" strike="noStrike">
+            <a:lvl9pPr marL="3657600" marR="0" lvl="8" indent="0" algn="l" rtl="0">
+              <a:spcBef>
+                <a:spcPts val="0"/>
+              </a:spcBef>
+              <a:buNone/>
+              <a:defRPr sz="1800" b="0" i="0" u="none" strike="noStrike" cap="none">
                 <a:solidFill>
                   <a:schemeClr val="dk1"/>
                 </a:solidFill>
@@ -3910,15 +4114,19 @@
               </a:defRPr>
             </a:lvl9pPr>
           </a:lstStyle>
-          <a:p/>
+          <a:p>
+            <a:endParaRPr/>
+          </a:p>
         </p:txBody>
       </p:sp>
       <p:sp>
         <p:nvSpPr>
           <p:cNvPr id="71" name="Shape 71"/>
-          <p:cNvSpPr txBox="1"/>
+          <p:cNvSpPr txBox="1">
+            <a:spLocks noGrp="1"/>
+          </p:cNvSpPr>
           <p:nvPr>
-            <p:ph idx="12" type="sldNum"/>
+            <p:ph type="sldNum" idx="12"/>
           </p:nvPr>
         </p:nvSpPr>
         <p:spPr>
@@ -3935,12 +4143,12 @@
           </a:ln>
         </p:spPr>
         <p:txBody>
-          <a:bodyPr anchorCtr="0" anchor="ctr" bIns="45700" lIns="91425" rIns="91425" tIns="45700">
+          <a:bodyPr lIns="91425" tIns="45700" rIns="91425" bIns="45700" anchor="ctr" anchorCtr="0">
             <a:noAutofit/>
           </a:bodyPr>
           <a:lstStyle/>
           <a:p>
-            <a:pPr indent="0" lvl="0" marL="0" marR="0" rtl="0" algn="r">
+            <a:pPr marL="0" marR="0" lvl="0" indent="0" algn="r" rtl="0">
               <a:spcBef>
                 <a:spcPts val="0"/>
               </a:spcBef>
@@ -3948,7 +4156,7 @@
               <a:buNone/>
             </a:pPr>
             <a:fld id="{00000000-1234-1234-1234-123412341234}" type="slidenum">
-              <a:rPr b="0" i="0" lang="en-US" sz="1100" u="none" cap="none" strike="noStrike">
+              <a:rPr lang="en-US" sz="1100" b="0" i="0" u="none" strike="noStrike" cap="none">
                 <a:solidFill>
                   <a:srgbClr val="FFFFFF"/>
                 </a:solidFill>
@@ -3959,15 +4167,26 @@
               </a:rPr>
               <a:t>‹#›</a:t>
             </a:fld>
+            <a:endParaRPr lang="en-US" sz="1100" b="0" i="0" u="none" strike="noStrike" cap="none">
+              <a:solidFill>
+                <a:srgbClr val="FFFFFF"/>
+              </a:solidFill>
+              <a:latin typeface="Source Sans Pro"/>
+              <a:ea typeface="Source Sans Pro"/>
+              <a:cs typeface="Source Sans Pro"/>
+              <a:sym typeface="Source Sans Pro"/>
+            </a:endParaRPr>
           </a:p>
         </p:txBody>
       </p:sp>
       <p:sp>
         <p:nvSpPr>
           <p:cNvPr id="72" name="Shape 72"/>
-          <p:cNvSpPr txBox="1"/>
+          <p:cNvSpPr txBox="1">
+            <a:spLocks noGrp="1"/>
+          </p:cNvSpPr>
           <p:nvPr>
-            <p:ph idx="11" type="ftr"/>
+            <p:ph type="ftr" idx="11"/>
           </p:nvPr>
         </p:nvSpPr>
         <p:spPr>
@@ -3984,14 +4203,14 @@
           </a:ln>
         </p:spPr>
         <p:txBody>
-          <a:bodyPr anchorCtr="0" anchor="ctr" bIns="91425" lIns="91425" rIns="91425" tIns="91425"/>
+          <a:bodyPr lIns="91425" tIns="91425" rIns="91425" bIns="91425" anchor="ctr" anchorCtr="0"/>
           <a:lstStyle>
-            <a:lvl1pPr indent="0" lvl="0" marL="0" marR="0" rtl="0" algn="ctr">
-              <a:spcBef>
-                <a:spcPts val="0"/>
-              </a:spcBef>
-              <a:buNone/>
-              <a:defRPr b="0" i="0" sz="1100" u="none" cap="none" strike="noStrike">
+            <a:lvl1pPr marL="0" marR="0" lvl="0" indent="0" algn="ctr" rtl="0">
+              <a:spcBef>
+                <a:spcPts val="0"/>
+              </a:spcBef>
+              <a:buNone/>
+              <a:defRPr sz="1100" b="0" i="0" u="none" strike="noStrike" cap="none">
                 <a:solidFill>
                   <a:schemeClr val="lt2"/>
                 </a:solidFill>
@@ -4001,12 +4220,12 @@
                 <a:sym typeface="Source Sans Pro"/>
               </a:defRPr>
             </a:lvl1pPr>
-            <a:lvl2pPr indent="0" lvl="1" marL="457200" marR="0" rtl="0" algn="l">
-              <a:spcBef>
-                <a:spcPts val="0"/>
-              </a:spcBef>
-              <a:buNone/>
-              <a:defRPr b="0" i="0" sz="1800" u="none" cap="none" strike="noStrike">
+            <a:lvl2pPr marL="457200" marR="0" lvl="1" indent="0" algn="l" rtl="0">
+              <a:spcBef>
+                <a:spcPts val="0"/>
+              </a:spcBef>
+              <a:buNone/>
+              <a:defRPr sz="1800" b="0" i="0" u="none" strike="noStrike" cap="none">
                 <a:solidFill>
                   <a:schemeClr val="dk1"/>
                 </a:solidFill>
@@ -4016,12 +4235,12 @@
                 <a:sym typeface="Source Sans Pro"/>
               </a:defRPr>
             </a:lvl2pPr>
-            <a:lvl3pPr indent="0" lvl="2" marL="914400" marR="0" rtl="0" algn="l">
-              <a:spcBef>
-                <a:spcPts val="0"/>
-              </a:spcBef>
-              <a:buNone/>
-              <a:defRPr b="0" i="0" sz="1800" u="none" cap="none" strike="noStrike">
+            <a:lvl3pPr marL="914400" marR="0" lvl="2" indent="0" algn="l" rtl="0">
+              <a:spcBef>
+                <a:spcPts val="0"/>
+              </a:spcBef>
+              <a:buNone/>
+              <a:defRPr sz="1800" b="0" i="0" u="none" strike="noStrike" cap="none">
                 <a:solidFill>
                   <a:schemeClr val="dk1"/>
                 </a:solidFill>
@@ -4031,12 +4250,12 @@
                 <a:sym typeface="Source Sans Pro"/>
               </a:defRPr>
             </a:lvl3pPr>
-            <a:lvl4pPr indent="0" lvl="3" marL="1371600" marR="0" rtl="0" algn="l">
-              <a:spcBef>
-                <a:spcPts val="0"/>
-              </a:spcBef>
-              <a:buNone/>
-              <a:defRPr b="0" i="0" sz="1800" u="none" cap="none" strike="noStrike">
+            <a:lvl4pPr marL="1371600" marR="0" lvl="3" indent="0" algn="l" rtl="0">
+              <a:spcBef>
+                <a:spcPts val="0"/>
+              </a:spcBef>
+              <a:buNone/>
+              <a:defRPr sz="1800" b="0" i="0" u="none" strike="noStrike" cap="none">
                 <a:solidFill>
                   <a:schemeClr val="dk1"/>
                 </a:solidFill>
@@ -4046,12 +4265,12 @@
                 <a:sym typeface="Source Sans Pro"/>
               </a:defRPr>
             </a:lvl4pPr>
-            <a:lvl5pPr indent="0" lvl="4" marL="1828800" marR="0" rtl="0" algn="l">
-              <a:spcBef>
-                <a:spcPts val="0"/>
-              </a:spcBef>
-              <a:buNone/>
-              <a:defRPr b="0" i="0" sz="1800" u="none" cap="none" strike="noStrike">
+            <a:lvl5pPr marL="1828800" marR="0" lvl="4" indent="0" algn="l" rtl="0">
+              <a:spcBef>
+                <a:spcPts val="0"/>
+              </a:spcBef>
+              <a:buNone/>
+              <a:defRPr sz="1800" b="0" i="0" u="none" strike="noStrike" cap="none">
                 <a:solidFill>
                   <a:schemeClr val="dk1"/>
                 </a:solidFill>
@@ -4061,12 +4280,12 @@
                 <a:sym typeface="Source Sans Pro"/>
               </a:defRPr>
             </a:lvl5pPr>
-            <a:lvl6pPr indent="0" lvl="5" marL="2286000" marR="0" rtl="0" algn="l">
-              <a:spcBef>
-                <a:spcPts val="0"/>
-              </a:spcBef>
-              <a:buNone/>
-              <a:defRPr b="0" i="0" sz="1800" u="none" cap="none" strike="noStrike">
+            <a:lvl6pPr marL="2286000" marR="0" lvl="5" indent="0" algn="l" rtl="0">
+              <a:spcBef>
+                <a:spcPts val="0"/>
+              </a:spcBef>
+              <a:buNone/>
+              <a:defRPr sz="1800" b="0" i="0" u="none" strike="noStrike" cap="none">
                 <a:solidFill>
                   <a:schemeClr val="dk1"/>
                 </a:solidFill>
@@ -4076,12 +4295,12 @@
                 <a:sym typeface="Source Sans Pro"/>
               </a:defRPr>
             </a:lvl6pPr>
-            <a:lvl7pPr indent="0" lvl="6" marL="2743200" marR="0" rtl="0" algn="l">
-              <a:spcBef>
-                <a:spcPts val="0"/>
-              </a:spcBef>
-              <a:buNone/>
-              <a:defRPr b="0" i="0" sz="1800" u="none" cap="none" strike="noStrike">
+            <a:lvl7pPr marL="2743200" marR="0" lvl="6" indent="0" algn="l" rtl="0">
+              <a:spcBef>
+                <a:spcPts val="0"/>
+              </a:spcBef>
+              <a:buNone/>
+              <a:defRPr sz="1800" b="0" i="0" u="none" strike="noStrike" cap="none">
                 <a:solidFill>
                   <a:schemeClr val="dk1"/>
                 </a:solidFill>
@@ -4091,12 +4310,12 @@
                 <a:sym typeface="Source Sans Pro"/>
               </a:defRPr>
             </a:lvl7pPr>
-            <a:lvl8pPr indent="0" lvl="7" marL="3200400" marR="0" rtl="0" algn="l">
-              <a:spcBef>
-                <a:spcPts val="0"/>
-              </a:spcBef>
-              <a:buNone/>
-              <a:defRPr b="0" i="0" sz="1800" u="none" cap="none" strike="noStrike">
+            <a:lvl8pPr marL="3200400" marR="0" lvl="7" indent="0" algn="l" rtl="0">
+              <a:spcBef>
+                <a:spcPts val="0"/>
+              </a:spcBef>
+              <a:buNone/>
+              <a:defRPr sz="1800" b="0" i="0" u="none" strike="noStrike" cap="none">
                 <a:solidFill>
                   <a:schemeClr val="dk1"/>
                 </a:solidFill>
@@ -4106,12 +4325,12 @@
                 <a:sym typeface="Source Sans Pro"/>
               </a:defRPr>
             </a:lvl8pPr>
-            <a:lvl9pPr indent="0" lvl="8" marL="3657600" marR="0" rtl="0" algn="l">
-              <a:spcBef>
-                <a:spcPts val="0"/>
-              </a:spcBef>
-              <a:buNone/>
-              <a:defRPr b="0" i="0" sz="1800" u="none" cap="none" strike="noStrike">
+            <a:lvl9pPr marL="3657600" marR="0" lvl="8" indent="0" algn="l" rtl="0">
+              <a:spcBef>
+                <a:spcPts val="0"/>
+              </a:spcBef>
+              <a:buNone/>
+              <a:defRPr sz="1800" b="0" i="0" u="none" strike="noStrike" cap="none">
                 <a:solidFill>
                   <a:schemeClr val="dk1"/>
                 </a:solidFill>
@@ -4122,13 +4341,17 @@
               </a:defRPr>
             </a:lvl9pPr>
           </a:lstStyle>
-          <a:p/>
+          <a:p>
+            <a:endParaRPr/>
+          </a:p>
         </p:txBody>
       </p:sp>
       <p:sp>
         <p:nvSpPr>
           <p:cNvPr id="73" name="Shape 73"/>
-          <p:cNvSpPr txBox="1"/>
+          <p:cNvSpPr txBox="1">
+            <a:spLocks noGrp="1"/>
+          </p:cNvSpPr>
           <p:nvPr>
             <p:ph type="title"/>
           </p:nvPr>
@@ -4147,9 +4370,9 @@
           </a:ln>
         </p:spPr>
         <p:txBody>
-          <a:bodyPr anchorCtr="0" anchor="ctr" bIns="91425" lIns="91425" rIns="91425" tIns="91425"/>
+          <a:bodyPr lIns="91425" tIns="91425" rIns="91425" bIns="91425" anchor="ctr" anchorCtr="0"/>
           <a:lstStyle>
-            <a:lvl1pPr indent="0" lvl="0" marL="0" marR="0" rtl="0" algn="r">
+            <a:lvl1pPr marL="0" marR="0" lvl="0" indent="0" algn="r" rtl="0">
               <a:spcBef>
                 <a:spcPts val="0"/>
               </a:spcBef>
@@ -4158,7 +4381,7 @@
               </a:buClr>
               <a:buFont typeface="Source Sans Pro"/>
               <a:buNone/>
-              <a:defRPr b="0" i="0" sz="4200" u="none" cap="none" strike="noStrike">
+              <a:defRPr sz="4200" b="0" i="0" u="none" strike="noStrike" cap="none">
                 <a:solidFill>
                   <a:schemeClr val="lt1"/>
                 </a:solidFill>
@@ -4168,56 +4391,56 @@
                 <a:sym typeface="Source Sans Pro"/>
               </a:defRPr>
             </a:lvl1pPr>
-            <a:lvl2pPr indent="0" lvl="1" rtl="0">
+            <a:lvl2pPr lvl="1" indent="0" rtl="0">
               <a:spcBef>
                 <a:spcPts val="0"/>
               </a:spcBef>
               <a:buNone/>
               <a:defRPr sz="1800"/>
             </a:lvl2pPr>
-            <a:lvl3pPr indent="0" lvl="2" rtl="0">
+            <a:lvl3pPr lvl="2" indent="0" rtl="0">
               <a:spcBef>
                 <a:spcPts val="0"/>
               </a:spcBef>
               <a:buNone/>
               <a:defRPr sz="1800"/>
             </a:lvl3pPr>
-            <a:lvl4pPr indent="0" lvl="3" rtl="0">
+            <a:lvl4pPr lvl="3" indent="0" rtl="0">
               <a:spcBef>
                 <a:spcPts val="0"/>
               </a:spcBef>
               <a:buNone/>
               <a:defRPr sz="1800"/>
             </a:lvl4pPr>
-            <a:lvl5pPr indent="0" lvl="4" rtl="0">
+            <a:lvl5pPr lvl="4" indent="0" rtl="0">
               <a:spcBef>
                 <a:spcPts val="0"/>
               </a:spcBef>
               <a:buNone/>
               <a:defRPr sz="1800"/>
             </a:lvl5pPr>
-            <a:lvl6pPr indent="0" lvl="5" rtl="0">
+            <a:lvl6pPr lvl="5" indent="0" rtl="0">
               <a:spcBef>
                 <a:spcPts val="0"/>
               </a:spcBef>
               <a:buNone/>
               <a:defRPr sz="1800"/>
             </a:lvl6pPr>
-            <a:lvl7pPr indent="0" lvl="6" rtl="0">
+            <a:lvl7pPr lvl="6" indent="0" rtl="0">
               <a:spcBef>
                 <a:spcPts val="0"/>
               </a:spcBef>
               <a:buNone/>
               <a:defRPr sz="1800"/>
             </a:lvl7pPr>
-            <a:lvl8pPr indent="0" lvl="7" rtl="0">
+            <a:lvl8pPr lvl="7" indent="0" rtl="0">
               <a:spcBef>
                 <a:spcPts val="0"/>
               </a:spcBef>
               <a:buNone/>
               <a:defRPr sz="1800"/>
             </a:lvl8pPr>
-            <a:lvl9pPr indent="0" lvl="8" rtl="0">
+            <a:lvl9pPr lvl="8" indent="0" rtl="0">
               <a:spcBef>
                 <a:spcPts val="0"/>
               </a:spcBef>
@@ -4225,7 +4448,9 @@
               <a:defRPr sz="1800"/>
             </a:lvl9pPr>
           </a:lstStyle>
-          <a:p/>
+          <a:p>
+            <a:endParaRPr/>
+          </a:p>
         </p:txBody>
       </p:sp>
     </p:spTree>
@@ -4237,11 +4462,11 @@
 </file>
 
 <file path=ppt/slideLayouts/slideLayout13.xml><?xml version="1.0" encoding="utf-8"?>
-<p:sldLayout xmlns:a="http://schemas.openxmlformats.org/drawingml/2006/main" xmlns:r="http://schemas.openxmlformats.org/officeDocument/2006/relationships" xmlns:mc="http://schemas.openxmlformats.org/markup-compatibility/2006" xmlns:mv="urn:schemas-microsoft-com:mac:vml" xmlns:p="http://schemas.openxmlformats.org/presentationml/2006/main" xmlns:c="http://schemas.openxmlformats.org/drawingml/2006/chart" xmlns:dgm="http://schemas.openxmlformats.org/drawingml/2006/diagram" xmlns:o="urn:schemas-microsoft-com:office:office" xmlns:v="urn:schemas-microsoft-com:vml" xmlns:pvml="urn:schemas-microsoft-com:office:powerpoint" xmlns:com="http://schemas.openxmlformats.org/drawingml/2006/compatibility" xmlns:p14="http://schemas.microsoft.com/office/powerpoint/2010/main">
+<p:sldLayout xmlns:a="http://schemas.openxmlformats.org/drawingml/2006/main" xmlns:r="http://schemas.openxmlformats.org/officeDocument/2006/relationships" xmlns:p="http://schemas.openxmlformats.org/presentationml/2006/main">
   <p:cSld name="Section Header">
     <p:spTree>
       <p:nvGrpSpPr>
-        <p:cNvPr id="74" name="Shape 74"/>
+        <p:cNvPr id="1" name="Shape 74"/>
         <p:cNvGrpSpPr/>
         <p:nvPr/>
       </p:nvGrpSpPr>
@@ -4275,21 +4500,18 @@
           </a:ln>
         </p:spPr>
         <p:txBody>
-          <a:bodyPr anchorCtr="0" anchor="ctr" bIns="45700" lIns="91425" rIns="91425" tIns="45700">
+          <a:bodyPr lIns="91425" tIns="45700" rIns="91425" bIns="45700" anchor="ctr" anchorCtr="0">
             <a:noAutofit/>
           </a:bodyPr>
           <a:lstStyle/>
           <a:p>
-            <a:pPr indent="0" lvl="0" marL="0" marR="0" rtl="0" algn="ctr">
+            <a:pPr marL="0" marR="0" lvl="0" indent="0" algn="ctr" rtl="0">
               <a:spcBef>
                 <a:spcPts val="0"/>
               </a:spcBef>
               <a:buNone/>
             </a:pPr>
-            <a:r>
-              <a:t/>
-            </a:r>
-            <a:endParaRPr b="0" i="0" sz="1800" u="none" cap="none" strike="noStrike">
+            <a:endParaRPr sz="1800" b="0" i="0" u="none" strike="noStrike" cap="none">
               <a:solidFill>
                 <a:schemeClr val="lt1"/>
               </a:solidFill>
@@ -4323,21 +4545,18 @@
           </a:ln>
         </p:spPr>
         <p:txBody>
-          <a:bodyPr anchorCtr="0" anchor="ctr" bIns="45700" lIns="91425" rIns="91425" tIns="45700">
+          <a:bodyPr lIns="91425" tIns="45700" rIns="91425" bIns="45700" anchor="ctr" anchorCtr="0">
             <a:noAutofit/>
           </a:bodyPr>
           <a:lstStyle/>
           <a:p>
-            <a:pPr indent="0" lvl="0" marL="0" marR="0" rtl="0" algn="ctr">
+            <a:pPr marL="0" marR="0" lvl="0" indent="0" algn="ctr" rtl="0">
               <a:spcBef>
                 <a:spcPts val="0"/>
               </a:spcBef>
               <a:buNone/>
             </a:pPr>
-            <a:r>
-              <a:t/>
-            </a:r>
-            <a:endParaRPr b="0" i="0" sz="1800" u="none" cap="none" strike="noStrike">
+            <a:endParaRPr sz="1800" b="0" i="0" u="none" strike="noStrike" cap="none">
               <a:solidFill>
                 <a:schemeClr val="lt1"/>
               </a:solidFill>
@@ -4352,9 +4571,11 @@
       <p:sp>
         <p:nvSpPr>
           <p:cNvPr id="77" name="Shape 77"/>
-          <p:cNvSpPr txBox="1"/>
+          <p:cNvSpPr txBox="1">
+            <a:spLocks noGrp="1"/>
+          </p:cNvSpPr>
           <p:nvPr>
-            <p:ph idx="1" type="body"/>
+            <p:ph type="body" idx="1"/>
           </p:nvPr>
         </p:nvSpPr>
         <p:spPr>
@@ -4371,9 +4592,9 @@
           </a:ln>
         </p:spPr>
         <p:txBody>
-          <a:bodyPr anchorCtr="0" anchor="ctr" bIns="91425" lIns="91425" rIns="91425" tIns="91425"/>
+          <a:bodyPr lIns="91425" tIns="91425" rIns="91425" bIns="91425" anchor="ctr" anchorCtr="0"/>
           <a:lstStyle>
-            <a:lvl1pPr indent="0" lvl="0" marL="0" marR="0" rtl="0" algn="l">
+            <a:lvl1pPr marL="0" marR="0" lvl="0" indent="0" algn="l" rtl="0">
               <a:spcBef>
                 <a:spcPts val="400"/>
               </a:spcBef>
@@ -4382,7 +4603,7 @@
               </a:buClr>
               <a:buFont typeface="Noto Sans Symbols"/>
               <a:buNone/>
-              <a:defRPr b="0" i="0" sz="2000" u="none" cap="none" strike="noStrike">
+              <a:defRPr sz="2000" b="0" i="0" u="none" strike="noStrike" cap="none">
                 <a:solidFill>
                   <a:schemeClr val="lt2"/>
                 </a:solidFill>
@@ -4392,7 +4613,7 @@
                 <a:sym typeface="Source Sans Pro"/>
               </a:defRPr>
             </a:lvl1pPr>
-            <a:lvl2pPr indent="0" lvl="1" marL="457200" marR="0" rtl="0" algn="l">
+            <a:lvl2pPr marL="457200" marR="0" lvl="1" indent="0" algn="l" rtl="0">
               <a:spcBef>
                 <a:spcPts val="360"/>
               </a:spcBef>
@@ -4401,7 +4622,7 @@
               </a:buClr>
               <a:buFont typeface="Noto Sans Symbols"/>
               <a:buNone/>
-              <a:defRPr b="0" i="0" sz="1800" u="none" cap="none" strike="noStrike">
+              <a:defRPr sz="1800" b="0" i="0" u="none" strike="noStrike" cap="none">
                 <a:solidFill>
                   <a:srgbClr val="888D97"/>
                 </a:solidFill>
@@ -4411,7 +4632,7 @@
                 <a:sym typeface="Source Sans Pro"/>
               </a:defRPr>
             </a:lvl2pPr>
-            <a:lvl3pPr indent="0" lvl="2" marL="914400" marR="0" rtl="0" algn="l">
+            <a:lvl3pPr marL="914400" marR="0" lvl="2" indent="0" algn="l" rtl="0">
               <a:spcBef>
                 <a:spcPts val="320"/>
               </a:spcBef>
@@ -4420,7 +4641,7 @@
               </a:buClr>
               <a:buFont typeface="Noto Sans Symbols"/>
               <a:buNone/>
-              <a:defRPr b="0" i="0" sz="1600" u="none" cap="none" strike="noStrike">
+              <a:defRPr sz="1600" b="0" i="0" u="none" strike="noStrike" cap="none">
                 <a:solidFill>
                   <a:srgbClr val="888D97"/>
                 </a:solidFill>
@@ -4430,7 +4651,7 @@
                 <a:sym typeface="Source Sans Pro"/>
               </a:defRPr>
             </a:lvl3pPr>
-            <a:lvl4pPr indent="0" lvl="3" marL="1371600" marR="0" rtl="0" algn="l">
+            <a:lvl4pPr marL="1371600" marR="0" lvl="3" indent="0" algn="l" rtl="0">
               <a:spcBef>
                 <a:spcPts val="280"/>
               </a:spcBef>
@@ -4439,7 +4660,7 @@
               </a:buClr>
               <a:buFont typeface="Noto Sans Symbols"/>
               <a:buNone/>
-              <a:defRPr b="0" i="0" sz="1400" u="none" cap="none" strike="noStrike">
+              <a:defRPr sz="1400" b="0" i="0" u="none" strike="noStrike" cap="none">
                 <a:solidFill>
                   <a:srgbClr val="888D97"/>
                 </a:solidFill>
@@ -4449,7 +4670,7 @@
                 <a:sym typeface="Source Sans Pro"/>
               </a:defRPr>
             </a:lvl4pPr>
-            <a:lvl5pPr indent="0" lvl="4" marL="1828800" marR="0" rtl="0" algn="l">
+            <a:lvl5pPr marL="1828800" marR="0" lvl="4" indent="0" algn="l" rtl="0">
               <a:spcBef>
                 <a:spcPts val="280"/>
               </a:spcBef>
@@ -4458,7 +4679,7 @@
               </a:buClr>
               <a:buFont typeface="Noto Sans Symbols"/>
               <a:buNone/>
-              <a:defRPr b="0" i="0" sz="1400" u="none" cap="none" strike="noStrike">
+              <a:defRPr sz="1400" b="0" i="0" u="none" strike="noStrike" cap="none">
                 <a:solidFill>
                   <a:srgbClr val="888D97"/>
                 </a:solidFill>
@@ -4468,7 +4689,7 @@
                 <a:sym typeface="Source Sans Pro"/>
               </a:defRPr>
             </a:lvl5pPr>
-            <a:lvl6pPr indent="0" lvl="5" marL="2286000" marR="0" rtl="0" algn="l">
+            <a:lvl6pPr marL="2286000" marR="0" lvl="5" indent="0" algn="l" rtl="0">
               <a:spcBef>
                 <a:spcPts val="280"/>
               </a:spcBef>
@@ -4477,7 +4698,7 @@
               </a:buClr>
               <a:buFont typeface="Noto Sans Symbols"/>
               <a:buNone/>
-              <a:defRPr b="0" i="0" sz="1400" u="none" cap="none" strike="noStrike">
+              <a:defRPr sz="1400" b="0" i="0" u="none" strike="noStrike" cap="none">
                 <a:solidFill>
                   <a:srgbClr val="888D97"/>
                 </a:solidFill>
@@ -4487,7 +4708,7 @@
                 <a:sym typeface="Source Sans Pro"/>
               </a:defRPr>
             </a:lvl6pPr>
-            <a:lvl7pPr indent="0" lvl="6" marL="2743200" marR="0" rtl="0" algn="l">
+            <a:lvl7pPr marL="2743200" marR="0" lvl="6" indent="0" algn="l" rtl="0">
               <a:spcBef>
                 <a:spcPts val="280"/>
               </a:spcBef>
@@ -4496,7 +4717,7 @@
               </a:buClr>
               <a:buFont typeface="Noto Sans Symbols"/>
               <a:buNone/>
-              <a:defRPr b="0" i="0" sz="1400" u="none" cap="none" strike="noStrike">
+              <a:defRPr sz="1400" b="0" i="0" u="none" strike="noStrike" cap="none">
                 <a:solidFill>
                   <a:srgbClr val="888D97"/>
                 </a:solidFill>
@@ -4506,7 +4727,7 @@
                 <a:sym typeface="Source Sans Pro"/>
               </a:defRPr>
             </a:lvl7pPr>
-            <a:lvl8pPr indent="0" lvl="7" marL="3200400" marR="0" rtl="0" algn="l">
+            <a:lvl8pPr marL="3200400" marR="0" lvl="7" indent="0" algn="l" rtl="0">
               <a:spcBef>
                 <a:spcPts val="280"/>
               </a:spcBef>
@@ -4515,7 +4736,7 @@
               </a:buClr>
               <a:buFont typeface="Noto Sans Symbols"/>
               <a:buNone/>
-              <a:defRPr b="0" i="0" sz="1400" u="none" cap="none" strike="noStrike">
+              <a:defRPr sz="1400" b="0" i="0" u="none" strike="noStrike" cap="none">
                 <a:solidFill>
                   <a:srgbClr val="888D97"/>
                 </a:solidFill>
@@ -4525,7 +4746,7 @@
                 <a:sym typeface="Source Sans Pro"/>
               </a:defRPr>
             </a:lvl8pPr>
-            <a:lvl9pPr indent="0" lvl="8" marL="3657600" marR="0" rtl="0" algn="l">
+            <a:lvl9pPr marL="3657600" marR="0" lvl="8" indent="0" algn="l" rtl="0">
               <a:spcBef>
                 <a:spcPts val="280"/>
               </a:spcBef>
@@ -4534,7 +4755,7 @@
               </a:buClr>
               <a:buFont typeface="Noto Sans Symbols"/>
               <a:buNone/>
-              <a:defRPr b="0" i="0" sz="1400" u="none" cap="none" strike="noStrike">
+              <a:defRPr sz="1400" b="0" i="0" u="none" strike="noStrike" cap="none">
                 <a:solidFill>
                   <a:srgbClr val="888D97"/>
                 </a:solidFill>
@@ -4545,15 +4766,19 @@
               </a:defRPr>
             </a:lvl9pPr>
           </a:lstStyle>
-          <a:p/>
+          <a:p>
+            <a:endParaRPr/>
+          </a:p>
         </p:txBody>
       </p:sp>
       <p:sp>
         <p:nvSpPr>
           <p:cNvPr id="78" name="Shape 78"/>
-          <p:cNvSpPr txBox="1"/>
+          <p:cNvSpPr txBox="1">
+            <a:spLocks noGrp="1"/>
+          </p:cNvSpPr>
           <p:nvPr>
-            <p:ph idx="10" type="dt"/>
+            <p:ph type="dt" idx="10"/>
           </p:nvPr>
         </p:nvSpPr>
         <p:spPr>
@@ -4570,14 +4795,14 @@
           </a:ln>
         </p:spPr>
         <p:txBody>
-          <a:bodyPr anchorCtr="0" anchor="ctr" bIns="91425" lIns="91425" rIns="91425" tIns="91425"/>
+          <a:bodyPr lIns="91425" tIns="91425" rIns="91425" bIns="91425" anchor="ctr" anchorCtr="0"/>
           <a:lstStyle>
-            <a:lvl1pPr indent="0" lvl="0" marL="0" marR="0" rtl="0" algn="l">
-              <a:spcBef>
-                <a:spcPts val="0"/>
-              </a:spcBef>
-              <a:buNone/>
-              <a:defRPr b="0" i="0" sz="1100" u="none" cap="none" strike="noStrike">
+            <a:lvl1pPr marL="0" marR="0" lvl="0" indent="0" algn="l" rtl="0">
+              <a:spcBef>
+                <a:spcPts val="0"/>
+              </a:spcBef>
+              <a:buNone/>
+              <a:defRPr sz="1100" b="0" i="0" u="none" strike="noStrike" cap="none">
                 <a:solidFill>
                   <a:srgbClr val="FFFFFF"/>
                 </a:solidFill>
@@ -4587,12 +4812,12 @@
                 <a:sym typeface="Source Sans Pro"/>
               </a:defRPr>
             </a:lvl1pPr>
-            <a:lvl2pPr indent="0" lvl="1" marL="457200" marR="0" rtl="0" algn="l">
-              <a:spcBef>
-                <a:spcPts val="0"/>
-              </a:spcBef>
-              <a:buNone/>
-              <a:defRPr b="0" i="0" sz="1800" u="none" cap="none" strike="noStrike">
+            <a:lvl2pPr marL="457200" marR="0" lvl="1" indent="0" algn="l" rtl="0">
+              <a:spcBef>
+                <a:spcPts val="0"/>
+              </a:spcBef>
+              <a:buNone/>
+              <a:defRPr sz="1800" b="0" i="0" u="none" strike="noStrike" cap="none">
                 <a:solidFill>
                   <a:schemeClr val="dk1"/>
                 </a:solidFill>
@@ -4602,12 +4827,12 @@
                 <a:sym typeface="Source Sans Pro"/>
               </a:defRPr>
             </a:lvl2pPr>
-            <a:lvl3pPr indent="0" lvl="2" marL="914400" marR="0" rtl="0" algn="l">
-              <a:spcBef>
-                <a:spcPts val="0"/>
-              </a:spcBef>
-              <a:buNone/>
-              <a:defRPr b="0" i="0" sz="1800" u="none" cap="none" strike="noStrike">
+            <a:lvl3pPr marL="914400" marR="0" lvl="2" indent="0" algn="l" rtl="0">
+              <a:spcBef>
+                <a:spcPts val="0"/>
+              </a:spcBef>
+              <a:buNone/>
+              <a:defRPr sz="1800" b="0" i="0" u="none" strike="noStrike" cap="none">
                 <a:solidFill>
                   <a:schemeClr val="dk1"/>
                 </a:solidFill>
@@ -4617,12 +4842,12 @@
                 <a:sym typeface="Source Sans Pro"/>
               </a:defRPr>
             </a:lvl3pPr>
-            <a:lvl4pPr indent="0" lvl="3" marL="1371600" marR="0" rtl="0" algn="l">
-              <a:spcBef>
-                <a:spcPts val="0"/>
-              </a:spcBef>
-              <a:buNone/>
-              <a:defRPr b="0" i="0" sz="1800" u="none" cap="none" strike="noStrike">
+            <a:lvl4pPr marL="1371600" marR="0" lvl="3" indent="0" algn="l" rtl="0">
+              <a:spcBef>
+                <a:spcPts val="0"/>
+              </a:spcBef>
+              <a:buNone/>
+              <a:defRPr sz="1800" b="0" i="0" u="none" strike="noStrike" cap="none">
                 <a:solidFill>
                   <a:schemeClr val="dk1"/>
                 </a:solidFill>
@@ -4632,12 +4857,12 @@
                 <a:sym typeface="Source Sans Pro"/>
               </a:defRPr>
             </a:lvl4pPr>
-            <a:lvl5pPr indent="0" lvl="4" marL="1828800" marR="0" rtl="0" algn="l">
-              <a:spcBef>
-                <a:spcPts val="0"/>
-              </a:spcBef>
-              <a:buNone/>
-              <a:defRPr b="0" i="0" sz="1800" u="none" cap="none" strike="noStrike">
+            <a:lvl5pPr marL="1828800" marR="0" lvl="4" indent="0" algn="l" rtl="0">
+              <a:spcBef>
+                <a:spcPts val="0"/>
+              </a:spcBef>
+              <a:buNone/>
+              <a:defRPr sz="1800" b="0" i="0" u="none" strike="noStrike" cap="none">
                 <a:solidFill>
                   <a:schemeClr val="dk1"/>
                 </a:solidFill>
@@ -4647,12 +4872,12 @@
                 <a:sym typeface="Source Sans Pro"/>
               </a:defRPr>
             </a:lvl5pPr>
-            <a:lvl6pPr indent="0" lvl="5" marL="2286000" marR="0" rtl="0" algn="l">
-              <a:spcBef>
-                <a:spcPts val="0"/>
-              </a:spcBef>
-              <a:buNone/>
-              <a:defRPr b="0" i="0" sz="1800" u="none" cap="none" strike="noStrike">
+            <a:lvl6pPr marL="2286000" marR="0" lvl="5" indent="0" algn="l" rtl="0">
+              <a:spcBef>
+                <a:spcPts val="0"/>
+              </a:spcBef>
+              <a:buNone/>
+              <a:defRPr sz="1800" b="0" i="0" u="none" strike="noStrike" cap="none">
                 <a:solidFill>
                   <a:schemeClr val="dk1"/>
                 </a:solidFill>
@@ -4662,12 +4887,12 @@
                 <a:sym typeface="Source Sans Pro"/>
               </a:defRPr>
             </a:lvl6pPr>
-            <a:lvl7pPr indent="0" lvl="6" marL="2743200" marR="0" rtl="0" algn="l">
-              <a:spcBef>
-                <a:spcPts val="0"/>
-              </a:spcBef>
-              <a:buNone/>
-              <a:defRPr b="0" i="0" sz="1800" u="none" cap="none" strike="noStrike">
+            <a:lvl7pPr marL="2743200" marR="0" lvl="6" indent="0" algn="l" rtl="0">
+              <a:spcBef>
+                <a:spcPts val="0"/>
+              </a:spcBef>
+              <a:buNone/>
+              <a:defRPr sz="1800" b="0" i="0" u="none" strike="noStrike" cap="none">
                 <a:solidFill>
                   <a:schemeClr val="dk1"/>
                 </a:solidFill>
@@ -4677,12 +4902,12 @@
                 <a:sym typeface="Source Sans Pro"/>
               </a:defRPr>
             </a:lvl7pPr>
-            <a:lvl8pPr indent="0" lvl="7" marL="3200400" marR="0" rtl="0" algn="l">
-              <a:spcBef>
-                <a:spcPts val="0"/>
-              </a:spcBef>
-              <a:buNone/>
-              <a:defRPr b="0" i="0" sz="1800" u="none" cap="none" strike="noStrike">
+            <a:lvl8pPr marL="3200400" marR="0" lvl="7" indent="0" algn="l" rtl="0">
+              <a:spcBef>
+                <a:spcPts val="0"/>
+              </a:spcBef>
+              <a:buNone/>
+              <a:defRPr sz="1800" b="0" i="0" u="none" strike="noStrike" cap="none">
                 <a:solidFill>
                   <a:schemeClr val="dk1"/>
                 </a:solidFill>
@@ -4692,12 +4917,12 @@
                 <a:sym typeface="Source Sans Pro"/>
               </a:defRPr>
             </a:lvl8pPr>
-            <a:lvl9pPr indent="0" lvl="8" marL="3657600" marR="0" rtl="0" algn="l">
-              <a:spcBef>
-                <a:spcPts val="0"/>
-              </a:spcBef>
-              <a:buNone/>
-              <a:defRPr b="0" i="0" sz="1800" u="none" cap="none" strike="noStrike">
+            <a:lvl9pPr marL="3657600" marR="0" lvl="8" indent="0" algn="l" rtl="0">
+              <a:spcBef>
+                <a:spcPts val="0"/>
+              </a:spcBef>
+              <a:buNone/>
+              <a:defRPr sz="1800" b="0" i="0" u="none" strike="noStrike" cap="none">
                 <a:solidFill>
                   <a:schemeClr val="dk1"/>
                 </a:solidFill>
@@ -4708,15 +4933,19 @@
               </a:defRPr>
             </a:lvl9pPr>
           </a:lstStyle>
-          <a:p/>
+          <a:p>
+            <a:endParaRPr/>
+          </a:p>
         </p:txBody>
       </p:sp>
       <p:sp>
         <p:nvSpPr>
           <p:cNvPr id="79" name="Shape 79"/>
-          <p:cNvSpPr txBox="1"/>
+          <p:cNvSpPr txBox="1">
+            <a:spLocks noGrp="1"/>
+          </p:cNvSpPr>
           <p:nvPr>
-            <p:ph idx="12" type="sldNum"/>
+            <p:ph type="sldNum" idx="12"/>
           </p:nvPr>
         </p:nvSpPr>
         <p:spPr>
@@ -4733,12 +4962,12 @@
           </a:ln>
         </p:spPr>
         <p:txBody>
-          <a:bodyPr anchorCtr="0" anchor="ctr" bIns="45700" lIns="91425" rIns="91425" tIns="45700">
+          <a:bodyPr lIns="91425" tIns="45700" rIns="91425" bIns="45700" anchor="ctr" anchorCtr="0">
             <a:noAutofit/>
           </a:bodyPr>
           <a:lstStyle/>
           <a:p>
-            <a:pPr indent="0" lvl="0" marL="0" marR="0" rtl="0" algn="r">
+            <a:pPr marL="0" marR="0" lvl="0" indent="0" algn="r" rtl="0">
               <a:spcBef>
                 <a:spcPts val="0"/>
               </a:spcBef>
@@ -4746,7 +4975,7 @@
               <a:buNone/>
             </a:pPr>
             <a:fld id="{00000000-1234-1234-1234-123412341234}" type="slidenum">
-              <a:rPr b="0" i="0" lang="en-US" sz="1100" u="none" cap="none" strike="noStrike">
+              <a:rPr lang="en-US" sz="1100" b="0" i="0" u="none" strike="noStrike" cap="none">
                 <a:solidFill>
                   <a:schemeClr val="lt2"/>
                 </a:solidFill>
@@ -4757,15 +4986,26 @@
               </a:rPr>
               <a:t>‹#›</a:t>
             </a:fld>
+            <a:endParaRPr lang="en-US" sz="1100" b="0" i="0" u="none" strike="noStrike" cap="none">
+              <a:solidFill>
+                <a:schemeClr val="lt2"/>
+              </a:solidFill>
+              <a:latin typeface="Source Sans Pro"/>
+              <a:ea typeface="Source Sans Pro"/>
+              <a:cs typeface="Source Sans Pro"/>
+              <a:sym typeface="Source Sans Pro"/>
+            </a:endParaRPr>
           </a:p>
         </p:txBody>
       </p:sp>
       <p:sp>
         <p:nvSpPr>
           <p:cNvPr id="80" name="Shape 80"/>
-          <p:cNvSpPr txBox="1"/>
+          <p:cNvSpPr txBox="1">
+            <a:spLocks noGrp="1"/>
+          </p:cNvSpPr>
           <p:nvPr>
-            <p:ph idx="11" type="ftr"/>
+            <p:ph type="ftr" idx="11"/>
           </p:nvPr>
         </p:nvSpPr>
         <p:spPr>
@@ -4782,14 +5022,14 @@
           </a:ln>
         </p:spPr>
         <p:txBody>
-          <a:bodyPr anchorCtr="0" anchor="ctr" bIns="91425" lIns="91425" rIns="91425" tIns="91425"/>
+          <a:bodyPr lIns="91425" tIns="91425" rIns="91425" bIns="91425" anchor="ctr" anchorCtr="0"/>
           <a:lstStyle>
-            <a:lvl1pPr indent="0" lvl="0" marL="0" marR="0" rtl="0" algn="ctr">
-              <a:spcBef>
-                <a:spcPts val="0"/>
-              </a:spcBef>
-              <a:buNone/>
-              <a:defRPr b="0" i="0" sz="1100" u="none" cap="none" strike="noStrike">
+            <a:lvl1pPr marL="0" marR="0" lvl="0" indent="0" algn="ctr" rtl="0">
+              <a:spcBef>
+                <a:spcPts val="0"/>
+              </a:spcBef>
+              <a:buNone/>
+              <a:defRPr sz="1100" b="0" i="0" u="none" strike="noStrike" cap="none">
                 <a:solidFill>
                   <a:srgbClr val="FFFFFF"/>
                 </a:solidFill>
@@ -4799,12 +5039,12 @@
                 <a:sym typeface="Source Sans Pro"/>
               </a:defRPr>
             </a:lvl1pPr>
-            <a:lvl2pPr indent="0" lvl="1" marL="457200" marR="0" rtl="0" algn="l">
-              <a:spcBef>
-                <a:spcPts val="0"/>
-              </a:spcBef>
-              <a:buNone/>
-              <a:defRPr b="0" i="0" sz="1800" u="none" cap="none" strike="noStrike">
+            <a:lvl2pPr marL="457200" marR="0" lvl="1" indent="0" algn="l" rtl="0">
+              <a:spcBef>
+                <a:spcPts val="0"/>
+              </a:spcBef>
+              <a:buNone/>
+              <a:defRPr sz="1800" b="0" i="0" u="none" strike="noStrike" cap="none">
                 <a:solidFill>
                   <a:schemeClr val="dk1"/>
                 </a:solidFill>
@@ -4814,12 +5054,12 @@
                 <a:sym typeface="Source Sans Pro"/>
               </a:defRPr>
             </a:lvl2pPr>
-            <a:lvl3pPr indent="0" lvl="2" marL="914400" marR="0" rtl="0" algn="l">
-              <a:spcBef>
-                <a:spcPts val="0"/>
-              </a:spcBef>
-              <a:buNone/>
-              <a:defRPr b="0" i="0" sz="1800" u="none" cap="none" strike="noStrike">
+            <a:lvl3pPr marL="914400" marR="0" lvl="2" indent="0" algn="l" rtl="0">
+              <a:spcBef>
+                <a:spcPts val="0"/>
+              </a:spcBef>
+              <a:buNone/>
+              <a:defRPr sz="1800" b="0" i="0" u="none" strike="noStrike" cap="none">
                 <a:solidFill>
                   <a:schemeClr val="dk1"/>
                 </a:solidFill>
@@ -4829,12 +5069,12 @@
                 <a:sym typeface="Source Sans Pro"/>
               </a:defRPr>
             </a:lvl3pPr>
-            <a:lvl4pPr indent="0" lvl="3" marL="1371600" marR="0" rtl="0" algn="l">
-              <a:spcBef>
-                <a:spcPts val="0"/>
-              </a:spcBef>
-              <a:buNone/>
-              <a:defRPr b="0" i="0" sz="1800" u="none" cap="none" strike="noStrike">
+            <a:lvl4pPr marL="1371600" marR="0" lvl="3" indent="0" algn="l" rtl="0">
+              <a:spcBef>
+                <a:spcPts val="0"/>
+              </a:spcBef>
+              <a:buNone/>
+              <a:defRPr sz="1800" b="0" i="0" u="none" strike="noStrike" cap="none">
                 <a:solidFill>
                   <a:schemeClr val="dk1"/>
                 </a:solidFill>
@@ -4844,12 +5084,12 @@
                 <a:sym typeface="Source Sans Pro"/>
               </a:defRPr>
             </a:lvl4pPr>
-            <a:lvl5pPr indent="0" lvl="4" marL="1828800" marR="0" rtl="0" algn="l">
-              <a:spcBef>
-                <a:spcPts val="0"/>
-              </a:spcBef>
-              <a:buNone/>
-              <a:defRPr b="0" i="0" sz="1800" u="none" cap="none" strike="noStrike">
+            <a:lvl5pPr marL="1828800" marR="0" lvl="4" indent="0" algn="l" rtl="0">
+              <a:spcBef>
+                <a:spcPts val="0"/>
+              </a:spcBef>
+              <a:buNone/>
+              <a:defRPr sz="1800" b="0" i="0" u="none" strike="noStrike" cap="none">
                 <a:solidFill>
                   <a:schemeClr val="dk1"/>
                 </a:solidFill>
@@ -4859,12 +5099,12 @@
                 <a:sym typeface="Source Sans Pro"/>
               </a:defRPr>
             </a:lvl5pPr>
-            <a:lvl6pPr indent="0" lvl="5" marL="2286000" marR="0" rtl="0" algn="l">
-              <a:spcBef>
-                <a:spcPts val="0"/>
-              </a:spcBef>
-              <a:buNone/>
-              <a:defRPr b="0" i="0" sz="1800" u="none" cap="none" strike="noStrike">
+            <a:lvl6pPr marL="2286000" marR="0" lvl="5" indent="0" algn="l" rtl="0">
+              <a:spcBef>
+                <a:spcPts val="0"/>
+              </a:spcBef>
+              <a:buNone/>
+              <a:defRPr sz="1800" b="0" i="0" u="none" strike="noStrike" cap="none">
                 <a:solidFill>
                   <a:schemeClr val="dk1"/>
                 </a:solidFill>
@@ -4874,12 +5114,12 @@
                 <a:sym typeface="Source Sans Pro"/>
               </a:defRPr>
             </a:lvl6pPr>
-            <a:lvl7pPr indent="0" lvl="6" marL="2743200" marR="0" rtl="0" algn="l">
-              <a:spcBef>
-                <a:spcPts val="0"/>
-              </a:spcBef>
-              <a:buNone/>
-              <a:defRPr b="0" i="0" sz="1800" u="none" cap="none" strike="noStrike">
+            <a:lvl7pPr marL="2743200" marR="0" lvl="6" indent="0" algn="l" rtl="0">
+              <a:spcBef>
+                <a:spcPts val="0"/>
+              </a:spcBef>
+              <a:buNone/>
+              <a:defRPr sz="1800" b="0" i="0" u="none" strike="noStrike" cap="none">
                 <a:solidFill>
                   <a:schemeClr val="dk1"/>
                 </a:solidFill>
@@ -4889,12 +5129,12 @@
                 <a:sym typeface="Source Sans Pro"/>
               </a:defRPr>
             </a:lvl7pPr>
-            <a:lvl8pPr indent="0" lvl="7" marL="3200400" marR="0" rtl="0" algn="l">
-              <a:spcBef>
-                <a:spcPts val="0"/>
-              </a:spcBef>
-              <a:buNone/>
-              <a:defRPr b="0" i="0" sz="1800" u="none" cap="none" strike="noStrike">
+            <a:lvl8pPr marL="3200400" marR="0" lvl="7" indent="0" algn="l" rtl="0">
+              <a:spcBef>
+                <a:spcPts val="0"/>
+              </a:spcBef>
+              <a:buNone/>
+              <a:defRPr sz="1800" b="0" i="0" u="none" strike="noStrike" cap="none">
                 <a:solidFill>
                   <a:schemeClr val="dk1"/>
                 </a:solidFill>
@@ -4904,12 +5144,12 @@
                 <a:sym typeface="Source Sans Pro"/>
               </a:defRPr>
             </a:lvl8pPr>
-            <a:lvl9pPr indent="0" lvl="8" marL="3657600" marR="0" rtl="0" algn="l">
-              <a:spcBef>
-                <a:spcPts val="0"/>
-              </a:spcBef>
-              <a:buNone/>
-              <a:defRPr b="0" i="0" sz="1800" u="none" cap="none" strike="noStrike">
+            <a:lvl9pPr marL="3657600" marR="0" lvl="8" indent="0" algn="l" rtl="0">
+              <a:spcBef>
+                <a:spcPts val="0"/>
+              </a:spcBef>
+              <a:buNone/>
+              <a:defRPr sz="1800" b="0" i="0" u="none" strike="noStrike" cap="none">
                 <a:solidFill>
                   <a:schemeClr val="dk1"/>
                 </a:solidFill>
@@ -4920,13 +5160,17 @@
               </a:defRPr>
             </a:lvl9pPr>
           </a:lstStyle>
-          <a:p/>
+          <a:p>
+            <a:endParaRPr/>
+          </a:p>
         </p:txBody>
       </p:sp>
       <p:sp>
         <p:nvSpPr>
           <p:cNvPr id="81" name="Shape 81"/>
-          <p:cNvSpPr txBox="1"/>
+          <p:cNvSpPr txBox="1">
+            <a:spLocks noGrp="1"/>
+          </p:cNvSpPr>
           <p:nvPr>
             <p:ph type="title"/>
           </p:nvPr>
@@ -4945,9 +5189,9 @@
           </a:ln>
         </p:spPr>
         <p:txBody>
-          <a:bodyPr anchorCtr="0" anchor="ctr" bIns="91425" lIns="91425" rIns="91425" tIns="91425"/>
+          <a:bodyPr lIns="91425" tIns="91425" rIns="91425" bIns="91425" anchor="ctr" anchorCtr="0"/>
           <a:lstStyle>
-            <a:lvl1pPr indent="0" lvl="0" marL="0" marR="0" rtl="0" algn="r">
+            <a:lvl1pPr marL="0" marR="0" lvl="0" indent="0" algn="r" rtl="0">
               <a:spcBef>
                 <a:spcPts val="0"/>
               </a:spcBef>
@@ -4956,7 +5200,7 @@
               </a:buClr>
               <a:buFont typeface="Source Sans Pro"/>
               <a:buNone/>
-              <a:defRPr b="0" i="0" sz="4200" u="none" cap="none" strike="noStrike">
+              <a:defRPr sz="4200" b="0" i="0" u="none" strike="noStrike" cap="none">
                 <a:solidFill>
                   <a:schemeClr val="lt1"/>
                 </a:solidFill>
@@ -4966,56 +5210,56 @@
                 <a:sym typeface="Source Sans Pro"/>
               </a:defRPr>
             </a:lvl1pPr>
-            <a:lvl2pPr indent="0" lvl="1" rtl="0">
+            <a:lvl2pPr lvl="1" indent="0" rtl="0">
               <a:spcBef>
                 <a:spcPts val="0"/>
               </a:spcBef>
               <a:buNone/>
               <a:defRPr sz="1800"/>
             </a:lvl2pPr>
-            <a:lvl3pPr indent="0" lvl="2" rtl="0">
+            <a:lvl3pPr lvl="2" indent="0" rtl="0">
               <a:spcBef>
                 <a:spcPts val="0"/>
               </a:spcBef>
               <a:buNone/>
               <a:defRPr sz="1800"/>
             </a:lvl3pPr>
-            <a:lvl4pPr indent="0" lvl="3" rtl="0">
+            <a:lvl4pPr lvl="3" indent="0" rtl="0">
               <a:spcBef>
                 <a:spcPts val="0"/>
               </a:spcBef>
               <a:buNone/>
               <a:defRPr sz="1800"/>
             </a:lvl4pPr>
-            <a:lvl5pPr indent="0" lvl="4" rtl="0">
+            <a:lvl5pPr lvl="4" indent="0" rtl="0">
               <a:spcBef>
                 <a:spcPts val="0"/>
               </a:spcBef>
               <a:buNone/>
               <a:defRPr sz="1800"/>
             </a:lvl5pPr>
-            <a:lvl6pPr indent="0" lvl="5" rtl="0">
+            <a:lvl6pPr lvl="5" indent="0" rtl="0">
               <a:spcBef>
                 <a:spcPts val="0"/>
               </a:spcBef>
               <a:buNone/>
               <a:defRPr sz="1800"/>
             </a:lvl6pPr>
-            <a:lvl7pPr indent="0" lvl="6" rtl="0">
+            <a:lvl7pPr lvl="6" indent="0" rtl="0">
               <a:spcBef>
                 <a:spcPts val="0"/>
               </a:spcBef>
               <a:buNone/>
               <a:defRPr sz="1800"/>
             </a:lvl7pPr>
-            <a:lvl8pPr indent="0" lvl="7" rtl="0">
+            <a:lvl8pPr lvl="7" indent="0" rtl="0">
               <a:spcBef>
                 <a:spcPts val="0"/>
               </a:spcBef>
               <a:buNone/>
               <a:defRPr sz="1800"/>
             </a:lvl8pPr>
-            <a:lvl9pPr indent="0" lvl="8" rtl="0">
+            <a:lvl9pPr lvl="8" indent="0" rtl="0">
               <a:spcBef>
                 <a:spcPts val="0"/>
               </a:spcBef>
@@ -5023,7 +5267,9 @@
               <a:defRPr sz="1800"/>
             </a:lvl9pPr>
           </a:lstStyle>
-          <a:p/>
+          <a:p>
+            <a:endParaRPr/>
+          </a:p>
         </p:txBody>
       </p:sp>
     </p:spTree>
@@ -5035,11 +5281,11 @@
 </file>
 
 <file path=ppt/slideLayouts/slideLayout14.xml><?xml version="1.0" encoding="utf-8"?>
-<p:sldLayout xmlns:a="http://schemas.openxmlformats.org/drawingml/2006/main" xmlns:r="http://schemas.openxmlformats.org/officeDocument/2006/relationships" xmlns:mc="http://schemas.openxmlformats.org/markup-compatibility/2006" xmlns:mv="urn:schemas-microsoft-com:mac:vml" xmlns:p="http://schemas.openxmlformats.org/presentationml/2006/main" xmlns:c="http://schemas.openxmlformats.org/drawingml/2006/chart" xmlns:dgm="http://schemas.openxmlformats.org/drawingml/2006/diagram" xmlns:o="urn:schemas-microsoft-com:office:office" xmlns:v="urn:schemas-microsoft-com:vml" xmlns:pvml="urn:schemas-microsoft-com:office:powerpoint" xmlns:com="http://schemas.openxmlformats.org/drawingml/2006/compatibility" xmlns:p14="http://schemas.microsoft.com/office/powerpoint/2010/main" type="obj">
+<p:sldLayout xmlns:a="http://schemas.openxmlformats.org/drawingml/2006/main" xmlns:r="http://schemas.openxmlformats.org/officeDocument/2006/relationships" xmlns:p="http://schemas.openxmlformats.org/presentationml/2006/main" type="obj">
   <p:cSld name="Title and Content">
     <p:spTree>
       <p:nvGrpSpPr>
-        <p:cNvPr id="82" name="Shape 82"/>
+        <p:cNvPr id="1" name="Shape 82"/>
         <p:cNvGrpSpPr/>
         <p:nvPr/>
       </p:nvGrpSpPr>
@@ -5054,9 +5300,11 @@
       <p:sp>
         <p:nvSpPr>
           <p:cNvPr id="83" name="Shape 83"/>
-          <p:cNvSpPr txBox="1"/>
+          <p:cNvSpPr txBox="1">
+            <a:spLocks noGrp="1"/>
+          </p:cNvSpPr>
           <p:nvPr>
-            <p:ph idx="1" type="body"/>
+            <p:ph type="body" idx="1"/>
           </p:nvPr>
         </p:nvSpPr>
         <p:spPr>
@@ -5073,9 +5321,9 @@
           </a:ln>
         </p:spPr>
         <p:txBody>
-          <a:bodyPr anchorCtr="0" anchor="t" bIns="91425" lIns="91425" rIns="91425" tIns="91425"/>
+          <a:bodyPr lIns="91425" tIns="91425" rIns="91425" bIns="91425" anchor="t" anchorCtr="0"/>
           <a:lstStyle>
-            <a:lvl1pPr indent="-109220" lvl="0" marL="274320" marR="0" rtl="0" algn="l">
+            <a:lvl1pPr marL="274320" marR="0" lvl="0" indent="-109220" algn="l" rtl="0">
               <a:spcBef>
                 <a:spcPts val="400"/>
               </a:spcBef>
@@ -5085,7 +5333,7 @@
               <a:buSzPct val="100000"/>
               <a:buFont typeface="Noto Sans Symbols"/>
               <a:buChar char="◼"/>
-              <a:defRPr b="0" i="0" sz="2000" u="none" cap="none" strike="noStrike">
+              <a:defRPr sz="2000" b="0" i="0" u="none" strike="noStrike" cap="none">
                 <a:solidFill>
                   <a:schemeClr val="dk2"/>
                 </a:solidFill>
@@ -5095,7 +5343,7 @@
                 <a:sym typeface="Source Sans Pro"/>
               </a:defRPr>
             </a:lvl1pPr>
-            <a:lvl2pPr indent="-78740" lvl="1" marL="548640" marR="0" rtl="0" algn="l">
+            <a:lvl2pPr marL="548640" marR="0" lvl="1" indent="-78740" algn="l" rtl="0">
               <a:spcBef>
                 <a:spcPts val="360"/>
               </a:spcBef>
@@ -5105,7 +5353,7 @@
               <a:buSzPct val="100000"/>
               <a:buFont typeface="Noto Sans Symbols"/>
               <a:buChar char="▪"/>
-              <a:defRPr b="0" i="0" sz="1800" u="none" cap="none" strike="noStrike">
+              <a:defRPr sz="1800" b="0" i="0" u="none" strike="noStrike" cap="none">
                 <a:solidFill>
                   <a:schemeClr val="dk2"/>
                 </a:solidFill>
@@ -5115,7 +5363,7 @@
                 <a:sym typeface="Source Sans Pro"/>
               </a:defRPr>
             </a:lvl2pPr>
-            <a:lvl3pPr indent="-86360" lvl="2" marL="822960" marR="0" rtl="0" algn="l">
+            <a:lvl3pPr marL="822960" marR="0" lvl="2" indent="-86360" algn="l" rtl="0">
               <a:spcBef>
                 <a:spcPts val="320"/>
               </a:spcBef>
@@ -5125,7 +5373,7 @@
               <a:buSzPct val="100000"/>
               <a:buFont typeface="Noto Sans Symbols"/>
               <a:buChar char="▪"/>
-              <a:defRPr b="0" i="0" sz="1600" u="none" cap="none" strike="noStrike">
+              <a:defRPr sz="1600" b="0" i="0" u="none" strike="noStrike" cap="none">
                 <a:solidFill>
                   <a:schemeClr val="dk2"/>
                 </a:solidFill>
@@ -5135,7 +5383,7 @@
                 <a:sym typeface="Source Sans Pro"/>
               </a:defRPr>
             </a:lvl3pPr>
-            <a:lvl4pPr indent="-93980" lvl="3" marL="1097280" marR="0" rtl="0" algn="l">
+            <a:lvl4pPr marL="1097280" marR="0" lvl="3" indent="-93980" algn="l" rtl="0">
               <a:spcBef>
                 <a:spcPts val="280"/>
               </a:spcBef>
@@ -5145,7 +5393,7 @@
               <a:buSzPct val="100000"/>
               <a:buFont typeface="Noto Sans Symbols"/>
               <a:buChar char="▪"/>
-              <a:defRPr b="0" i="0" sz="1400" u="none" cap="none" strike="noStrike">
+              <a:defRPr sz="1400" b="0" i="0" u="none" strike="noStrike" cap="none">
                 <a:solidFill>
                   <a:schemeClr val="dk2"/>
                 </a:solidFill>
@@ -5155,7 +5403,7 @@
                 <a:sym typeface="Source Sans Pro"/>
               </a:defRPr>
             </a:lvl4pPr>
-            <a:lvl5pPr indent="-105410" lvl="4" marL="1280160" marR="0" rtl="0" algn="l">
+            <a:lvl5pPr marL="1280160" marR="0" lvl="4" indent="-105410" algn="l" rtl="0">
               <a:spcBef>
                 <a:spcPts val="260"/>
               </a:spcBef>
@@ -5165,7 +5413,7 @@
               <a:buSzPct val="100000"/>
               <a:buFont typeface="Noto Sans Symbols"/>
               <a:buChar char="▪"/>
-              <a:defRPr b="0" i="0" sz="1300" u="none" cap="none" strike="noStrike">
+              <a:defRPr sz="1300" b="0" i="0" u="none" strike="noStrike" cap="none">
                 <a:solidFill>
                   <a:schemeClr val="dk2"/>
                 </a:solidFill>
@@ -5175,7 +5423,7 @@
                 <a:sym typeface="Source Sans Pro"/>
               </a:defRPr>
             </a:lvl5pPr>
-            <a:lvl6pPr indent="-106680" lvl="5" marL="1554480" marR="0" rtl="0" algn="l">
+            <a:lvl6pPr marL="1554480" marR="0" lvl="5" indent="-106680" algn="l" rtl="0">
               <a:spcBef>
                 <a:spcPts val="240"/>
               </a:spcBef>
@@ -5185,7 +5433,7 @@
               <a:buSzPct val="100000"/>
               <a:buFont typeface="Noto Sans Symbols"/>
               <a:buChar char="▪"/>
-              <a:defRPr b="0" i="0" sz="1200" u="none" cap="none" strike="noStrike">
+              <a:defRPr sz="1200" b="0" i="0" u="none" strike="noStrike" cap="none">
                 <a:solidFill>
                   <a:schemeClr val="dk2"/>
                 </a:solidFill>
@@ -5195,7 +5443,7 @@
                 <a:sym typeface="Source Sans Pro"/>
               </a:defRPr>
             </a:lvl6pPr>
-            <a:lvl7pPr indent="-114300" lvl="6" marL="1828800" marR="0" rtl="0" algn="l">
+            <a:lvl7pPr marL="1828800" marR="0" lvl="6" indent="-114300" algn="l" rtl="0">
               <a:spcBef>
                 <a:spcPts val="240"/>
               </a:spcBef>
@@ -5205,7 +5453,7 @@
               <a:buSzPct val="100000"/>
               <a:buFont typeface="Noto Sans Symbols"/>
               <a:buChar char="▪"/>
-              <a:defRPr b="0" i="0" sz="1200" u="none" cap="none" strike="noStrike">
+              <a:defRPr sz="1200" b="0" i="0" u="none" strike="noStrike" cap="none">
                 <a:solidFill>
                   <a:schemeClr val="dk2"/>
                 </a:solidFill>
@@ -5215,7 +5463,7 @@
                 <a:sym typeface="Source Sans Pro"/>
               </a:defRPr>
             </a:lvl7pPr>
-            <a:lvl8pPr indent="-109220" lvl="7" marL="2103120" marR="0" rtl="0" algn="l">
+            <a:lvl8pPr marL="2103120" marR="0" lvl="7" indent="-109220" algn="l" rtl="0">
               <a:spcBef>
                 <a:spcPts val="240"/>
               </a:spcBef>
@@ -5225,7 +5473,7 @@
               <a:buSzPct val="100000"/>
               <a:buFont typeface="Noto Sans Symbols"/>
               <a:buChar char="▪"/>
-              <a:defRPr b="0" i="0" sz="1200" u="none" cap="none" strike="noStrike">
+              <a:defRPr sz="1200" b="0" i="0" u="none" strike="noStrike" cap="none">
                 <a:solidFill>
                   <a:schemeClr val="dk2"/>
                 </a:solidFill>
@@ -5235,7 +5483,7 @@
                 <a:sym typeface="Source Sans Pro"/>
               </a:defRPr>
             </a:lvl8pPr>
-            <a:lvl9pPr indent="-116839" lvl="8" marL="2377440" marR="0" rtl="0" algn="l">
+            <a:lvl9pPr marL="2377440" marR="0" lvl="8" indent="-116839" algn="l" rtl="0">
               <a:spcBef>
                 <a:spcPts val="240"/>
               </a:spcBef>
@@ -5245,7 +5493,7 @@
               <a:buSzPct val="100000"/>
               <a:buFont typeface="Noto Sans Symbols"/>
               <a:buChar char="▪"/>
-              <a:defRPr b="0" i="0" sz="1200" u="none" cap="none" strike="noStrike">
+              <a:defRPr sz="1200" b="0" i="0" u="none" strike="noStrike" cap="none">
                 <a:solidFill>
                   <a:schemeClr val="dk2"/>
                 </a:solidFill>
@@ -5256,15 +5504,19 @@
               </a:defRPr>
             </a:lvl9pPr>
           </a:lstStyle>
-          <a:p/>
+          <a:p>
+            <a:endParaRPr/>
+          </a:p>
         </p:txBody>
       </p:sp>
       <p:sp>
         <p:nvSpPr>
           <p:cNvPr id="84" name="Shape 84"/>
-          <p:cNvSpPr txBox="1"/>
+          <p:cNvSpPr txBox="1">
+            <a:spLocks noGrp="1"/>
+          </p:cNvSpPr>
           <p:nvPr>
-            <p:ph idx="10" type="dt"/>
+            <p:ph type="dt" idx="10"/>
           </p:nvPr>
         </p:nvSpPr>
         <p:spPr>
@@ -5281,14 +5533,14 @@
           </a:ln>
         </p:spPr>
         <p:txBody>
-          <a:bodyPr anchorCtr="0" anchor="ctr" bIns="91425" lIns="91425" rIns="91425" tIns="91425"/>
+          <a:bodyPr lIns="91425" tIns="91425" rIns="91425" bIns="91425" anchor="ctr" anchorCtr="0"/>
           <a:lstStyle>
-            <a:lvl1pPr indent="0" lvl="0" marL="0" marR="0" rtl="0" algn="l">
-              <a:spcBef>
-                <a:spcPts val="0"/>
-              </a:spcBef>
-              <a:buNone/>
-              <a:defRPr b="0" i="0" sz="1100" u="none" cap="none" strike="noStrike">
+            <a:lvl1pPr marL="0" marR="0" lvl="0" indent="0" algn="l" rtl="0">
+              <a:spcBef>
+                <a:spcPts val="0"/>
+              </a:spcBef>
+              <a:buNone/>
+              <a:defRPr sz="1100" b="0" i="0" u="none" strike="noStrike" cap="none">
                 <a:solidFill>
                   <a:schemeClr val="dk2"/>
                 </a:solidFill>
@@ -5298,12 +5550,12 @@
                 <a:sym typeface="Source Sans Pro"/>
               </a:defRPr>
             </a:lvl1pPr>
-            <a:lvl2pPr indent="0" lvl="1" marL="457200" marR="0" rtl="0" algn="l">
-              <a:spcBef>
-                <a:spcPts val="0"/>
-              </a:spcBef>
-              <a:buNone/>
-              <a:defRPr b="0" i="0" sz="1800" u="none" cap="none" strike="noStrike">
+            <a:lvl2pPr marL="457200" marR="0" lvl="1" indent="0" algn="l" rtl="0">
+              <a:spcBef>
+                <a:spcPts val="0"/>
+              </a:spcBef>
+              <a:buNone/>
+              <a:defRPr sz="1800" b="0" i="0" u="none" strike="noStrike" cap="none">
                 <a:solidFill>
                   <a:schemeClr val="dk1"/>
                 </a:solidFill>
@@ -5313,12 +5565,12 @@
                 <a:sym typeface="Source Sans Pro"/>
               </a:defRPr>
             </a:lvl2pPr>
-            <a:lvl3pPr indent="0" lvl="2" marL="914400" marR="0" rtl="0" algn="l">
-              <a:spcBef>
-                <a:spcPts val="0"/>
-              </a:spcBef>
-              <a:buNone/>
-              <a:defRPr b="0" i="0" sz="1800" u="none" cap="none" strike="noStrike">
+            <a:lvl3pPr marL="914400" marR="0" lvl="2" indent="0" algn="l" rtl="0">
+              <a:spcBef>
+                <a:spcPts val="0"/>
+              </a:spcBef>
+              <a:buNone/>
+              <a:defRPr sz="1800" b="0" i="0" u="none" strike="noStrike" cap="none">
                 <a:solidFill>
                   <a:schemeClr val="dk1"/>
                 </a:solidFill>
@@ -5328,12 +5580,12 @@
                 <a:sym typeface="Source Sans Pro"/>
               </a:defRPr>
             </a:lvl3pPr>
-            <a:lvl4pPr indent="0" lvl="3" marL="1371600" marR="0" rtl="0" algn="l">
-              <a:spcBef>
-                <a:spcPts val="0"/>
-              </a:spcBef>
-              <a:buNone/>
-              <a:defRPr b="0" i="0" sz="1800" u="none" cap="none" strike="noStrike">
+            <a:lvl4pPr marL="1371600" marR="0" lvl="3" indent="0" algn="l" rtl="0">
+              <a:spcBef>
+                <a:spcPts val="0"/>
+              </a:spcBef>
+              <a:buNone/>
+              <a:defRPr sz="1800" b="0" i="0" u="none" strike="noStrike" cap="none">
                 <a:solidFill>
                   <a:schemeClr val="dk1"/>
                 </a:solidFill>
@@ -5343,12 +5595,12 @@
                 <a:sym typeface="Source Sans Pro"/>
               </a:defRPr>
             </a:lvl4pPr>
-            <a:lvl5pPr indent="0" lvl="4" marL="1828800" marR="0" rtl="0" algn="l">
-              <a:spcBef>
-                <a:spcPts val="0"/>
-              </a:spcBef>
-              <a:buNone/>
-              <a:defRPr b="0" i="0" sz="1800" u="none" cap="none" strike="noStrike">
+            <a:lvl5pPr marL="1828800" marR="0" lvl="4" indent="0" algn="l" rtl="0">
+              <a:spcBef>
+                <a:spcPts val="0"/>
+              </a:spcBef>
+              <a:buNone/>
+              <a:defRPr sz="1800" b="0" i="0" u="none" strike="noStrike" cap="none">
                 <a:solidFill>
                   <a:schemeClr val="dk1"/>
                 </a:solidFill>
@@ -5358,12 +5610,12 @@
                 <a:sym typeface="Source Sans Pro"/>
               </a:defRPr>
             </a:lvl5pPr>
-            <a:lvl6pPr indent="0" lvl="5" marL="2286000" marR="0" rtl="0" algn="l">
-              <a:spcBef>
-                <a:spcPts val="0"/>
-              </a:spcBef>
-              <a:buNone/>
-              <a:defRPr b="0" i="0" sz="1800" u="none" cap="none" strike="noStrike">
+            <a:lvl6pPr marL="2286000" marR="0" lvl="5" indent="0" algn="l" rtl="0">
+              <a:spcBef>
+                <a:spcPts val="0"/>
+              </a:spcBef>
+              <a:buNone/>
+              <a:defRPr sz="1800" b="0" i="0" u="none" strike="noStrike" cap="none">
                 <a:solidFill>
                   <a:schemeClr val="dk1"/>
                 </a:solidFill>
@@ -5373,12 +5625,12 @@
                 <a:sym typeface="Source Sans Pro"/>
               </a:defRPr>
             </a:lvl6pPr>
-            <a:lvl7pPr indent="0" lvl="6" marL="2743200" marR="0" rtl="0" algn="l">
-              <a:spcBef>
-                <a:spcPts val="0"/>
-              </a:spcBef>
-              <a:buNone/>
-              <a:defRPr b="0" i="0" sz="1800" u="none" cap="none" strike="noStrike">
+            <a:lvl7pPr marL="2743200" marR="0" lvl="6" indent="0" algn="l" rtl="0">
+              <a:spcBef>
+                <a:spcPts val="0"/>
+              </a:spcBef>
+              <a:buNone/>
+              <a:defRPr sz="1800" b="0" i="0" u="none" strike="noStrike" cap="none">
                 <a:solidFill>
                   <a:schemeClr val="dk1"/>
                 </a:solidFill>
@@ -5388,12 +5640,12 @@
                 <a:sym typeface="Source Sans Pro"/>
               </a:defRPr>
             </a:lvl7pPr>
-            <a:lvl8pPr indent="0" lvl="7" marL="3200400" marR="0" rtl="0" algn="l">
-              <a:spcBef>
-                <a:spcPts val="0"/>
-              </a:spcBef>
-              <a:buNone/>
-              <a:defRPr b="0" i="0" sz="1800" u="none" cap="none" strike="noStrike">
+            <a:lvl8pPr marL="3200400" marR="0" lvl="7" indent="0" algn="l" rtl="0">
+              <a:spcBef>
+                <a:spcPts val="0"/>
+              </a:spcBef>
+              <a:buNone/>
+              <a:defRPr sz="1800" b="0" i="0" u="none" strike="noStrike" cap="none">
                 <a:solidFill>
                   <a:schemeClr val="dk1"/>
                 </a:solidFill>
@@ -5403,12 +5655,12 @@
                 <a:sym typeface="Source Sans Pro"/>
               </a:defRPr>
             </a:lvl8pPr>
-            <a:lvl9pPr indent="0" lvl="8" marL="3657600" marR="0" rtl="0" algn="l">
-              <a:spcBef>
-                <a:spcPts val="0"/>
-              </a:spcBef>
-              <a:buNone/>
-              <a:defRPr b="0" i="0" sz="1800" u="none" cap="none" strike="noStrike">
+            <a:lvl9pPr marL="3657600" marR="0" lvl="8" indent="0" algn="l" rtl="0">
+              <a:spcBef>
+                <a:spcPts val="0"/>
+              </a:spcBef>
+              <a:buNone/>
+              <a:defRPr sz="1800" b="0" i="0" u="none" strike="noStrike" cap="none">
                 <a:solidFill>
                   <a:schemeClr val="dk1"/>
                 </a:solidFill>
@@ -5419,15 +5671,19 @@
               </a:defRPr>
             </a:lvl9pPr>
           </a:lstStyle>
-          <a:p/>
+          <a:p>
+            <a:endParaRPr/>
+          </a:p>
         </p:txBody>
       </p:sp>
       <p:sp>
         <p:nvSpPr>
           <p:cNvPr id="85" name="Shape 85"/>
-          <p:cNvSpPr txBox="1"/>
+          <p:cNvSpPr txBox="1">
+            <a:spLocks noGrp="1"/>
+          </p:cNvSpPr>
           <p:nvPr>
-            <p:ph idx="11" type="ftr"/>
+            <p:ph type="ftr" idx="11"/>
           </p:nvPr>
         </p:nvSpPr>
         <p:spPr>
@@ -5444,14 +5700,14 @@
           </a:ln>
         </p:spPr>
         <p:txBody>
-          <a:bodyPr anchorCtr="0" anchor="ctr" bIns="91425" lIns="91425" rIns="91425" tIns="91425"/>
+          <a:bodyPr lIns="91425" tIns="91425" rIns="91425" bIns="91425" anchor="ctr" anchorCtr="0"/>
           <a:lstStyle>
-            <a:lvl1pPr indent="0" lvl="0" marL="0" marR="0" rtl="0" algn="ctr">
-              <a:spcBef>
-                <a:spcPts val="0"/>
-              </a:spcBef>
-              <a:buNone/>
-              <a:defRPr b="0" i="0" sz="1100" u="none" cap="none" strike="noStrike">
+            <a:lvl1pPr marL="0" marR="0" lvl="0" indent="0" algn="ctr" rtl="0">
+              <a:spcBef>
+                <a:spcPts val="0"/>
+              </a:spcBef>
+              <a:buNone/>
+              <a:defRPr sz="1100" b="0" i="0" u="none" strike="noStrike" cap="none">
                 <a:solidFill>
                   <a:schemeClr val="dk2"/>
                 </a:solidFill>
@@ -5461,12 +5717,12 @@
                 <a:sym typeface="Source Sans Pro"/>
               </a:defRPr>
             </a:lvl1pPr>
-            <a:lvl2pPr indent="0" lvl="1" marL="457200" marR="0" rtl="0" algn="l">
-              <a:spcBef>
-                <a:spcPts val="0"/>
-              </a:spcBef>
-              <a:buNone/>
-              <a:defRPr b="0" i="0" sz="1800" u="none" cap="none" strike="noStrike">
+            <a:lvl2pPr marL="457200" marR="0" lvl="1" indent="0" algn="l" rtl="0">
+              <a:spcBef>
+                <a:spcPts val="0"/>
+              </a:spcBef>
+              <a:buNone/>
+              <a:defRPr sz="1800" b="0" i="0" u="none" strike="noStrike" cap="none">
                 <a:solidFill>
                   <a:schemeClr val="dk1"/>
                 </a:solidFill>
@@ -5476,12 +5732,12 @@
                 <a:sym typeface="Source Sans Pro"/>
               </a:defRPr>
             </a:lvl2pPr>
-            <a:lvl3pPr indent="0" lvl="2" marL="914400" marR="0" rtl="0" algn="l">
-              <a:spcBef>
-                <a:spcPts val="0"/>
-              </a:spcBef>
-              <a:buNone/>
-              <a:defRPr b="0" i="0" sz="1800" u="none" cap="none" strike="noStrike">
+            <a:lvl3pPr marL="914400" marR="0" lvl="2" indent="0" algn="l" rtl="0">
+              <a:spcBef>
+                <a:spcPts val="0"/>
+              </a:spcBef>
+              <a:buNone/>
+              <a:defRPr sz="1800" b="0" i="0" u="none" strike="noStrike" cap="none">
                 <a:solidFill>
                   <a:schemeClr val="dk1"/>
                 </a:solidFill>
@@ -5491,12 +5747,12 @@
                 <a:sym typeface="Source Sans Pro"/>
               </a:defRPr>
             </a:lvl3pPr>
-            <a:lvl4pPr indent="0" lvl="3" marL="1371600" marR="0" rtl="0" algn="l">
-              <a:spcBef>
-                <a:spcPts val="0"/>
-              </a:spcBef>
-              <a:buNone/>
-              <a:defRPr b="0" i="0" sz="1800" u="none" cap="none" strike="noStrike">
+            <a:lvl4pPr marL="1371600" marR="0" lvl="3" indent="0" algn="l" rtl="0">
+              <a:spcBef>
+                <a:spcPts val="0"/>
+              </a:spcBef>
+              <a:buNone/>
+              <a:defRPr sz="1800" b="0" i="0" u="none" strike="noStrike" cap="none">
                 <a:solidFill>
                   <a:schemeClr val="dk1"/>
                 </a:solidFill>
@@ -5506,12 +5762,12 @@
                 <a:sym typeface="Source Sans Pro"/>
               </a:defRPr>
             </a:lvl4pPr>
-            <a:lvl5pPr indent="0" lvl="4" marL="1828800" marR="0" rtl="0" algn="l">
-              <a:spcBef>
-                <a:spcPts val="0"/>
-              </a:spcBef>
-              <a:buNone/>
-              <a:defRPr b="0" i="0" sz="1800" u="none" cap="none" strike="noStrike">
+            <a:lvl5pPr marL="1828800" marR="0" lvl="4" indent="0" algn="l" rtl="0">
+              <a:spcBef>
+                <a:spcPts val="0"/>
+              </a:spcBef>
+              <a:buNone/>
+              <a:defRPr sz="1800" b="0" i="0" u="none" strike="noStrike" cap="none">
                 <a:solidFill>
                   <a:schemeClr val="dk1"/>
                 </a:solidFill>
@@ -5521,12 +5777,12 @@
                 <a:sym typeface="Source Sans Pro"/>
               </a:defRPr>
             </a:lvl5pPr>
-            <a:lvl6pPr indent="0" lvl="5" marL="2286000" marR="0" rtl="0" algn="l">
-              <a:spcBef>
-                <a:spcPts val="0"/>
-              </a:spcBef>
-              <a:buNone/>
-              <a:defRPr b="0" i="0" sz="1800" u="none" cap="none" strike="noStrike">
+            <a:lvl6pPr marL="2286000" marR="0" lvl="5" indent="0" algn="l" rtl="0">
+              <a:spcBef>
+                <a:spcPts val="0"/>
+              </a:spcBef>
+              <a:buNone/>
+              <a:defRPr sz="1800" b="0" i="0" u="none" strike="noStrike" cap="none">
                 <a:solidFill>
                   <a:schemeClr val="dk1"/>
                 </a:solidFill>
@@ -5536,12 +5792,12 @@
                 <a:sym typeface="Source Sans Pro"/>
               </a:defRPr>
             </a:lvl6pPr>
-            <a:lvl7pPr indent="0" lvl="6" marL="2743200" marR="0" rtl="0" algn="l">
-              <a:spcBef>
-                <a:spcPts val="0"/>
-              </a:spcBef>
-              <a:buNone/>
-              <a:defRPr b="0" i="0" sz="1800" u="none" cap="none" strike="noStrike">
+            <a:lvl7pPr marL="2743200" marR="0" lvl="6" indent="0" algn="l" rtl="0">
+              <a:spcBef>
+                <a:spcPts val="0"/>
+              </a:spcBef>
+              <a:buNone/>
+              <a:defRPr sz="1800" b="0" i="0" u="none" strike="noStrike" cap="none">
                 <a:solidFill>
                   <a:schemeClr val="dk1"/>
                 </a:solidFill>
@@ -5551,12 +5807,12 @@
                 <a:sym typeface="Source Sans Pro"/>
               </a:defRPr>
             </a:lvl7pPr>
-            <a:lvl8pPr indent="0" lvl="7" marL="3200400" marR="0" rtl="0" algn="l">
-              <a:spcBef>
-                <a:spcPts val="0"/>
-              </a:spcBef>
-              <a:buNone/>
-              <a:defRPr b="0" i="0" sz="1800" u="none" cap="none" strike="noStrike">
+            <a:lvl8pPr marL="3200400" marR="0" lvl="7" indent="0" algn="l" rtl="0">
+              <a:spcBef>
+                <a:spcPts val="0"/>
+              </a:spcBef>
+              <a:buNone/>
+              <a:defRPr sz="1800" b="0" i="0" u="none" strike="noStrike" cap="none">
                 <a:solidFill>
                   <a:schemeClr val="dk1"/>
                 </a:solidFill>
@@ -5566,12 +5822,12 @@
                 <a:sym typeface="Source Sans Pro"/>
               </a:defRPr>
             </a:lvl8pPr>
-            <a:lvl9pPr indent="0" lvl="8" marL="3657600" marR="0" rtl="0" algn="l">
-              <a:spcBef>
-                <a:spcPts val="0"/>
-              </a:spcBef>
-              <a:buNone/>
-              <a:defRPr b="0" i="0" sz="1800" u="none" cap="none" strike="noStrike">
+            <a:lvl9pPr marL="3657600" marR="0" lvl="8" indent="0" algn="l" rtl="0">
+              <a:spcBef>
+                <a:spcPts val="0"/>
+              </a:spcBef>
+              <a:buNone/>
+              <a:defRPr sz="1800" b="0" i="0" u="none" strike="noStrike" cap="none">
                 <a:solidFill>
                   <a:schemeClr val="dk1"/>
                 </a:solidFill>
@@ -5582,15 +5838,19 @@
               </a:defRPr>
             </a:lvl9pPr>
           </a:lstStyle>
-          <a:p/>
+          <a:p>
+            <a:endParaRPr/>
+          </a:p>
         </p:txBody>
       </p:sp>
       <p:sp>
         <p:nvSpPr>
           <p:cNvPr id="86" name="Shape 86"/>
-          <p:cNvSpPr txBox="1"/>
+          <p:cNvSpPr txBox="1">
+            <a:spLocks noGrp="1"/>
+          </p:cNvSpPr>
           <p:nvPr>
-            <p:ph idx="12" type="sldNum"/>
+            <p:ph type="sldNum" idx="12"/>
           </p:nvPr>
         </p:nvSpPr>
         <p:spPr>
@@ -5607,12 +5867,12 @@
           </a:ln>
         </p:spPr>
         <p:txBody>
-          <a:bodyPr anchorCtr="0" anchor="ctr" bIns="45700" lIns="91425" rIns="91425" tIns="45700">
+          <a:bodyPr lIns="91425" tIns="45700" rIns="91425" bIns="45700" anchor="ctr" anchorCtr="0">
             <a:noAutofit/>
           </a:bodyPr>
           <a:lstStyle/>
           <a:p>
-            <a:pPr indent="0" lvl="0" marL="0" marR="0" rtl="0" algn="ctr">
+            <a:pPr marL="0" marR="0" lvl="0" indent="0" algn="ctr" rtl="0">
               <a:spcBef>
                 <a:spcPts val="0"/>
               </a:spcBef>
@@ -5620,7 +5880,7 @@
               <a:buNone/>
             </a:pPr>
             <a:fld id="{00000000-1234-1234-1234-123412341234}" type="slidenum">
-              <a:rPr b="0" i="0" lang="en-US" sz="1100" u="none" cap="none" strike="noStrike">
+              <a:rPr lang="en-US" sz="1100" b="0" i="0" u="none" strike="noStrike" cap="none">
                 <a:solidFill>
                   <a:schemeClr val="dk2"/>
                 </a:solidFill>
@@ -5631,13 +5891,24 @@
               </a:rPr>
               <a:t>‹#›</a:t>
             </a:fld>
+            <a:endParaRPr lang="en-US" sz="1100" b="0" i="0" u="none" strike="noStrike" cap="none">
+              <a:solidFill>
+                <a:schemeClr val="dk2"/>
+              </a:solidFill>
+              <a:latin typeface="Source Sans Pro"/>
+              <a:ea typeface="Source Sans Pro"/>
+              <a:cs typeface="Source Sans Pro"/>
+              <a:sym typeface="Source Sans Pro"/>
+            </a:endParaRPr>
           </a:p>
         </p:txBody>
       </p:sp>
       <p:sp>
         <p:nvSpPr>
           <p:cNvPr id="87" name="Shape 87"/>
-          <p:cNvSpPr txBox="1"/>
+          <p:cNvSpPr txBox="1">
+            <a:spLocks noGrp="1"/>
+          </p:cNvSpPr>
           <p:nvPr>
             <p:ph type="title"/>
           </p:nvPr>
@@ -5656,9 +5927,9 @@
           </a:ln>
         </p:spPr>
         <p:txBody>
-          <a:bodyPr anchorCtr="0" anchor="ctr" bIns="91425" lIns="91425" rIns="91425" tIns="91425"/>
+          <a:bodyPr lIns="91425" tIns="91425" rIns="91425" bIns="91425" anchor="ctr" anchorCtr="0"/>
           <a:lstStyle>
-            <a:lvl1pPr indent="0" lvl="0" marL="0" marR="0" rtl="0" algn="ctr">
+            <a:lvl1pPr marL="0" marR="0" lvl="0" indent="0" algn="ctr" rtl="0">
               <a:spcBef>
                 <a:spcPts val="0"/>
               </a:spcBef>
@@ -5667,7 +5938,7 @@
               </a:buClr>
               <a:buFont typeface="Source Sans Pro"/>
               <a:buNone/>
-              <a:defRPr b="0" i="0" sz="3200" u="none" cap="none" strike="noStrike">
+              <a:defRPr sz="3200" b="0" i="0" u="none" strike="noStrike" cap="none">
                 <a:solidFill>
                   <a:schemeClr val="lt1"/>
                 </a:solidFill>
@@ -5677,56 +5948,56 @@
                 <a:sym typeface="Source Sans Pro"/>
               </a:defRPr>
             </a:lvl1pPr>
-            <a:lvl2pPr indent="0" lvl="1" rtl="0">
+            <a:lvl2pPr lvl="1" indent="0" rtl="0">
               <a:spcBef>
                 <a:spcPts val="0"/>
               </a:spcBef>
               <a:buNone/>
               <a:defRPr sz="1800"/>
             </a:lvl2pPr>
-            <a:lvl3pPr indent="0" lvl="2" rtl="0">
+            <a:lvl3pPr lvl="2" indent="0" rtl="0">
               <a:spcBef>
                 <a:spcPts val="0"/>
               </a:spcBef>
               <a:buNone/>
               <a:defRPr sz="1800"/>
             </a:lvl3pPr>
-            <a:lvl4pPr indent="0" lvl="3" rtl="0">
+            <a:lvl4pPr lvl="3" indent="0" rtl="0">
               <a:spcBef>
                 <a:spcPts val="0"/>
               </a:spcBef>
               <a:buNone/>
               <a:defRPr sz="1800"/>
             </a:lvl4pPr>
-            <a:lvl5pPr indent="0" lvl="4" rtl="0">
+            <a:lvl5pPr lvl="4" indent="0" rtl="0">
               <a:spcBef>
                 <a:spcPts val="0"/>
               </a:spcBef>
               <a:buNone/>
               <a:defRPr sz="1800"/>
             </a:lvl5pPr>
-            <a:lvl6pPr indent="0" lvl="5" rtl="0">
+            <a:lvl6pPr lvl="5" indent="0" rtl="0">
               <a:spcBef>
                 <a:spcPts val="0"/>
               </a:spcBef>
               <a:buNone/>
               <a:defRPr sz="1800"/>
             </a:lvl6pPr>
-            <a:lvl7pPr indent="0" lvl="6" rtl="0">
+            <a:lvl7pPr lvl="6" indent="0" rtl="0">
               <a:spcBef>
                 <a:spcPts val="0"/>
               </a:spcBef>
               <a:buNone/>
               <a:defRPr sz="1800"/>
             </a:lvl7pPr>
-            <a:lvl8pPr indent="0" lvl="7" rtl="0">
+            <a:lvl8pPr lvl="7" indent="0" rtl="0">
               <a:spcBef>
                 <a:spcPts val="0"/>
               </a:spcBef>
               <a:buNone/>
               <a:defRPr sz="1800"/>
             </a:lvl8pPr>
-            <a:lvl9pPr indent="0" lvl="8" rtl="0">
+            <a:lvl9pPr lvl="8" indent="0" rtl="0">
               <a:spcBef>
                 <a:spcPts val="0"/>
               </a:spcBef>
@@ -5734,7 +6005,9 @@
               <a:defRPr sz="1800"/>
             </a:lvl9pPr>
           </a:lstStyle>
-          <a:p/>
+          <a:p>
+            <a:endParaRPr/>
+          </a:p>
         </p:txBody>
       </p:sp>
     </p:spTree>
@@ -5746,11 +6019,11 @@
 </file>
 
 <file path=ppt/slideLayouts/slideLayout2.xml><?xml version="1.0" encoding="utf-8"?>
-<p:sldLayout xmlns:a="http://schemas.openxmlformats.org/drawingml/2006/main" xmlns:r="http://schemas.openxmlformats.org/officeDocument/2006/relationships" xmlns:mc="http://schemas.openxmlformats.org/markup-compatibility/2006" xmlns:mv="urn:schemas-microsoft-com:mac:vml" xmlns:p="http://schemas.openxmlformats.org/presentationml/2006/main" xmlns:c="http://schemas.openxmlformats.org/drawingml/2006/chart" xmlns:dgm="http://schemas.openxmlformats.org/drawingml/2006/diagram" xmlns:o="urn:schemas-microsoft-com:office:office" xmlns:v="urn:schemas-microsoft-com:vml" xmlns:pvml="urn:schemas-microsoft-com:office:powerpoint" xmlns:com="http://schemas.openxmlformats.org/drawingml/2006/compatibility" xmlns:p14="http://schemas.microsoft.com/office/powerpoint/2010/main" type="secHead">
+<p:sldLayout xmlns:a="http://schemas.openxmlformats.org/drawingml/2006/main" xmlns:r="http://schemas.openxmlformats.org/officeDocument/2006/relationships" xmlns:p="http://schemas.openxmlformats.org/presentationml/2006/main" type="secHead">
   <p:cSld name="Section header">
     <p:spTree>
       <p:nvGrpSpPr>
-        <p:cNvPr id="25" name="Shape 25"/>
+        <p:cNvPr id="1" name="Shape 25"/>
         <p:cNvGrpSpPr/>
         <p:nvPr/>
       </p:nvGrpSpPr>
@@ -5784,7 +6057,7 @@
           </a:ln>
         </p:spPr>
         <p:txBody>
-          <a:bodyPr anchorCtr="0" anchor="ctr" bIns="91425" lIns="91425" rIns="91425" tIns="91425">
+          <a:bodyPr lIns="91425" tIns="91425" rIns="91425" bIns="91425" anchor="ctr" anchorCtr="0">
             <a:noAutofit/>
           </a:bodyPr>
           <a:lstStyle/>
@@ -5795,9 +6068,6 @@
               </a:spcBef>
               <a:buNone/>
             </a:pPr>
-            <a:r>
-              <a:t/>
-            </a:r>
             <a:endParaRPr/>
           </a:p>
         </p:txBody>
@@ -5805,7 +6075,9 @@
       <p:sp>
         <p:nvSpPr>
           <p:cNvPr id="27" name="Shape 27"/>
-          <p:cNvSpPr txBox="1"/>
+          <p:cNvSpPr txBox="1">
+            <a:spLocks noGrp="1"/>
+          </p:cNvSpPr>
           <p:nvPr>
             <p:ph type="title"/>
           </p:nvPr>
@@ -5820,7 +6092,7 @@
           </a:prstGeom>
         </p:spPr>
         <p:txBody>
-          <a:bodyPr anchorCtr="0" anchor="ctr" bIns="91425" lIns="91425" rIns="91425" tIns="91425"/>
+          <a:bodyPr lIns="91425" tIns="91425" rIns="91425" bIns="91425" anchor="ctr" anchorCtr="0"/>
           <a:lstStyle>
             <a:lvl1pPr lvl="0" algn="ctr">
               <a:spcBef>
@@ -5877,15 +6149,19 @@
               <a:defRPr/>
             </a:lvl9pPr>
           </a:lstStyle>
-          <a:p/>
+          <a:p>
+            <a:endParaRPr/>
+          </a:p>
         </p:txBody>
       </p:sp>
       <p:sp>
         <p:nvSpPr>
           <p:cNvPr id="28" name="Shape 28"/>
-          <p:cNvSpPr txBox="1"/>
+          <p:cNvSpPr txBox="1">
+            <a:spLocks noGrp="1"/>
+          </p:cNvSpPr>
           <p:nvPr>
-            <p:ph idx="12" type="sldNum"/>
+            <p:ph type="sldNum" idx="12"/>
           </p:nvPr>
         </p:nvSpPr>
         <p:spPr>
@@ -5898,7 +6174,7 @@
           </a:prstGeom>
         </p:spPr>
         <p:txBody>
-          <a:bodyPr anchorCtr="0" anchor="ctr" bIns="91425" lIns="91425" rIns="91425" tIns="91425">
+          <a:bodyPr lIns="91425" tIns="91425" rIns="91425" bIns="91425" anchor="ctr" anchorCtr="0">
             <a:noAutofit/>
           </a:bodyPr>
           <a:lstStyle/>
@@ -5917,6 +6193,11 @@
               </a:rPr>
               <a:t>‹#›</a:t>
             </a:fld>
+            <a:endParaRPr lang="en-US">
+              <a:solidFill>
+                <a:schemeClr val="lt1"/>
+              </a:solidFill>
+            </a:endParaRPr>
           </a:p>
         </p:txBody>
       </p:sp>
@@ -5929,11 +6210,11 @@
 </file>
 
 <file path=ppt/slideLayouts/slideLayout3.xml><?xml version="1.0" encoding="utf-8"?>
-<p:sldLayout xmlns:a="http://schemas.openxmlformats.org/drawingml/2006/main" xmlns:r="http://schemas.openxmlformats.org/officeDocument/2006/relationships" xmlns:mc="http://schemas.openxmlformats.org/markup-compatibility/2006" xmlns:mv="urn:schemas-microsoft-com:mac:vml" xmlns:p="http://schemas.openxmlformats.org/presentationml/2006/main" xmlns:c="http://schemas.openxmlformats.org/drawingml/2006/chart" xmlns:dgm="http://schemas.openxmlformats.org/drawingml/2006/diagram" xmlns:o="urn:schemas-microsoft-com:office:office" xmlns:v="urn:schemas-microsoft-com:vml" xmlns:pvml="urn:schemas-microsoft-com:office:powerpoint" xmlns:com="http://schemas.openxmlformats.org/drawingml/2006/compatibility" xmlns:p14="http://schemas.microsoft.com/office/powerpoint/2010/main" type="tx">
+<p:sldLayout xmlns:a="http://schemas.openxmlformats.org/drawingml/2006/main" xmlns:r="http://schemas.openxmlformats.org/officeDocument/2006/relationships" xmlns:p="http://schemas.openxmlformats.org/presentationml/2006/main" type="tx">
   <p:cSld name="Title and body">
     <p:spTree>
       <p:nvGrpSpPr>
-        <p:cNvPr id="29" name="Shape 29"/>
+        <p:cNvPr id="1" name="Shape 29"/>
         <p:cNvGrpSpPr/>
         <p:nvPr/>
       </p:nvGrpSpPr>
@@ -5967,7 +6248,7 @@
           </a:ln>
         </p:spPr>
         <p:txBody>
-          <a:bodyPr anchorCtr="0" anchor="ctr" bIns="91425" lIns="91425" rIns="91425" tIns="91425">
+          <a:bodyPr lIns="91425" tIns="91425" rIns="91425" bIns="91425" anchor="ctr" anchorCtr="0">
             <a:noAutofit/>
           </a:bodyPr>
           <a:lstStyle/>
@@ -5978,9 +6259,6 @@
               </a:spcBef>
               <a:buNone/>
             </a:pPr>
-            <a:r>
-              <a:t/>
-            </a:r>
             <a:endParaRPr/>
           </a:p>
         </p:txBody>
@@ -5988,7 +6266,9 @@
       <p:sp>
         <p:nvSpPr>
           <p:cNvPr id="31" name="Shape 31"/>
-          <p:cNvSpPr txBox="1"/>
+          <p:cNvSpPr txBox="1">
+            <a:spLocks noGrp="1"/>
+          </p:cNvSpPr>
           <p:nvPr>
             <p:ph type="title"/>
           </p:nvPr>
@@ -6003,7 +6283,7 @@
           </a:prstGeom>
         </p:spPr>
         <p:txBody>
-          <a:bodyPr anchorCtr="0" anchor="t" bIns="91425" lIns="91425" rIns="91425" tIns="91425"/>
+          <a:bodyPr lIns="91425" tIns="91425" rIns="91425" bIns="91425" anchor="t" anchorCtr="0"/>
           <a:lstStyle>
             <a:lvl1pPr lvl="0">
               <a:spcBef>
@@ -6060,15 +6340,19 @@
               <a:defRPr/>
             </a:lvl9pPr>
           </a:lstStyle>
-          <a:p/>
+          <a:p>
+            <a:endParaRPr/>
+          </a:p>
         </p:txBody>
       </p:sp>
       <p:sp>
         <p:nvSpPr>
           <p:cNvPr id="32" name="Shape 32"/>
-          <p:cNvSpPr txBox="1"/>
+          <p:cNvSpPr txBox="1">
+            <a:spLocks noGrp="1"/>
+          </p:cNvSpPr>
           <p:nvPr>
-            <p:ph idx="1" type="body"/>
+            <p:ph type="body" idx="1"/>
           </p:nvPr>
         </p:nvSpPr>
         <p:spPr>
@@ -6081,7 +6365,7 @@
           </a:prstGeom>
         </p:spPr>
         <p:txBody>
-          <a:bodyPr anchorCtr="0" anchor="t" bIns="91425" lIns="91425" rIns="91425" tIns="91425"/>
+          <a:bodyPr lIns="91425" tIns="91425" rIns="91425" bIns="91425" anchor="t" anchorCtr="0"/>
           <a:lstStyle>
             <a:lvl1pPr lvl="0">
               <a:spcBef>
@@ -6138,15 +6422,19 @@
               <a:defRPr/>
             </a:lvl9pPr>
           </a:lstStyle>
-          <a:p/>
+          <a:p>
+            <a:endParaRPr/>
+          </a:p>
         </p:txBody>
       </p:sp>
       <p:sp>
         <p:nvSpPr>
           <p:cNvPr id="33" name="Shape 33"/>
-          <p:cNvSpPr txBox="1"/>
+          <p:cNvSpPr txBox="1">
+            <a:spLocks noGrp="1"/>
+          </p:cNvSpPr>
           <p:nvPr>
-            <p:ph idx="12" type="sldNum"/>
+            <p:ph type="sldNum" idx="12"/>
           </p:nvPr>
         </p:nvSpPr>
         <p:spPr>
@@ -6159,7 +6447,7 @@
           </a:prstGeom>
         </p:spPr>
         <p:txBody>
-          <a:bodyPr anchorCtr="0" anchor="ctr" bIns="91425" lIns="91425" rIns="91425" tIns="91425">
+          <a:bodyPr lIns="91425" tIns="91425" rIns="91425" bIns="91425" anchor="ctr" anchorCtr="0">
             <a:noAutofit/>
           </a:bodyPr>
           <a:lstStyle/>
@@ -6174,6 +6462,7 @@
               <a:rPr lang="en-US"/>
               <a:t>‹#›</a:t>
             </a:fld>
+            <a:endParaRPr lang="en-US"/>
           </a:p>
         </p:txBody>
       </p:sp>
@@ -6186,11 +6475,11 @@
 </file>
 
 <file path=ppt/slideLayouts/slideLayout4.xml><?xml version="1.0" encoding="utf-8"?>
-<p:sldLayout xmlns:a="http://schemas.openxmlformats.org/drawingml/2006/main" xmlns:r="http://schemas.openxmlformats.org/officeDocument/2006/relationships" xmlns:mc="http://schemas.openxmlformats.org/markup-compatibility/2006" xmlns:mv="urn:schemas-microsoft-com:mac:vml" xmlns:p="http://schemas.openxmlformats.org/presentationml/2006/main" xmlns:c="http://schemas.openxmlformats.org/drawingml/2006/chart" xmlns:dgm="http://schemas.openxmlformats.org/drawingml/2006/diagram" xmlns:o="urn:schemas-microsoft-com:office:office" xmlns:v="urn:schemas-microsoft-com:vml" xmlns:pvml="urn:schemas-microsoft-com:office:powerpoint" xmlns:com="http://schemas.openxmlformats.org/drawingml/2006/compatibility" xmlns:p14="http://schemas.microsoft.com/office/powerpoint/2010/main" type="twoColTx">
+<p:sldLayout xmlns:a="http://schemas.openxmlformats.org/drawingml/2006/main" xmlns:r="http://schemas.openxmlformats.org/officeDocument/2006/relationships" xmlns:p="http://schemas.openxmlformats.org/presentationml/2006/main" type="twoColTx">
   <p:cSld name="Title and two columns">
     <p:spTree>
       <p:nvGrpSpPr>
-        <p:cNvPr id="34" name="Shape 34"/>
+        <p:cNvPr id="1" name="Shape 34"/>
         <p:cNvGrpSpPr/>
         <p:nvPr/>
       </p:nvGrpSpPr>
@@ -6205,7 +6494,9 @@
       <p:sp>
         <p:nvSpPr>
           <p:cNvPr id="35" name="Shape 35"/>
-          <p:cNvSpPr txBox="1"/>
+          <p:cNvSpPr txBox="1">
+            <a:spLocks noGrp="1"/>
+          </p:cNvSpPr>
           <p:nvPr>
             <p:ph type="title"/>
           </p:nvPr>
@@ -6220,7 +6511,7 @@
           </a:prstGeom>
         </p:spPr>
         <p:txBody>
-          <a:bodyPr anchorCtr="0" anchor="t" bIns="91425" lIns="91425" rIns="91425" tIns="91425"/>
+          <a:bodyPr lIns="91425" tIns="91425" rIns="91425" bIns="91425" anchor="t" anchorCtr="0"/>
           <a:lstStyle>
             <a:lvl1pPr lvl="0">
               <a:spcBef>
@@ -6277,15 +6568,19 @@
               <a:defRPr/>
             </a:lvl9pPr>
           </a:lstStyle>
-          <a:p/>
+          <a:p>
+            <a:endParaRPr/>
+          </a:p>
         </p:txBody>
       </p:sp>
       <p:sp>
         <p:nvSpPr>
           <p:cNvPr id="36" name="Shape 36"/>
-          <p:cNvSpPr txBox="1"/>
+          <p:cNvSpPr txBox="1">
+            <a:spLocks noGrp="1"/>
+          </p:cNvSpPr>
           <p:nvPr>
-            <p:ph idx="1" type="body"/>
+            <p:ph type="body" idx="1"/>
           </p:nvPr>
         </p:nvSpPr>
         <p:spPr>
@@ -6298,7 +6593,7 @@
           </a:prstGeom>
         </p:spPr>
         <p:txBody>
-          <a:bodyPr anchorCtr="0" anchor="t" bIns="91425" lIns="91425" rIns="91425" tIns="91425"/>
+          <a:bodyPr lIns="91425" tIns="91425" rIns="91425" bIns="91425" anchor="t" anchorCtr="0"/>
           <a:lstStyle>
             <a:lvl1pPr lvl="0">
               <a:spcBef>
@@ -6364,15 +6659,19 @@
               <a:defRPr sz="1200"/>
             </a:lvl9pPr>
           </a:lstStyle>
-          <a:p/>
+          <a:p>
+            <a:endParaRPr/>
+          </a:p>
         </p:txBody>
       </p:sp>
       <p:sp>
         <p:nvSpPr>
           <p:cNvPr id="37" name="Shape 37"/>
-          <p:cNvSpPr txBox="1"/>
+          <p:cNvSpPr txBox="1">
+            <a:spLocks noGrp="1"/>
+          </p:cNvSpPr>
           <p:nvPr>
-            <p:ph idx="2" type="body"/>
+            <p:ph type="body" idx="2"/>
           </p:nvPr>
         </p:nvSpPr>
         <p:spPr>
@@ -6385,7 +6684,7 @@
           </a:prstGeom>
         </p:spPr>
         <p:txBody>
-          <a:bodyPr anchorCtr="0" anchor="t" bIns="91425" lIns="91425" rIns="91425" tIns="91425"/>
+          <a:bodyPr lIns="91425" tIns="91425" rIns="91425" bIns="91425" anchor="t" anchorCtr="0"/>
           <a:lstStyle>
             <a:lvl1pPr lvl="0">
               <a:spcBef>
@@ -6451,15 +6750,19 @@
               <a:defRPr sz="1200"/>
             </a:lvl9pPr>
           </a:lstStyle>
-          <a:p/>
+          <a:p>
+            <a:endParaRPr/>
+          </a:p>
         </p:txBody>
       </p:sp>
       <p:sp>
         <p:nvSpPr>
           <p:cNvPr id="38" name="Shape 38"/>
-          <p:cNvSpPr txBox="1"/>
+          <p:cNvSpPr txBox="1">
+            <a:spLocks noGrp="1"/>
+          </p:cNvSpPr>
           <p:nvPr>
-            <p:ph idx="12" type="sldNum"/>
+            <p:ph type="sldNum" idx="12"/>
           </p:nvPr>
         </p:nvSpPr>
         <p:spPr>
@@ -6472,7 +6775,7 @@
           </a:prstGeom>
         </p:spPr>
         <p:txBody>
-          <a:bodyPr anchorCtr="0" anchor="ctr" bIns="91425" lIns="91425" rIns="91425" tIns="91425">
+          <a:bodyPr lIns="91425" tIns="91425" rIns="91425" bIns="91425" anchor="ctr" anchorCtr="0">
             <a:noAutofit/>
           </a:bodyPr>
           <a:lstStyle/>
@@ -6487,6 +6790,7 @@
               <a:rPr lang="en-US"/>
               <a:t>‹#›</a:t>
             </a:fld>
+            <a:endParaRPr lang="en-US"/>
           </a:p>
         </p:txBody>
       </p:sp>
@@ -6499,11 +6803,11 @@
 </file>
 
 <file path=ppt/slideLayouts/slideLayout5.xml><?xml version="1.0" encoding="utf-8"?>
-<p:sldLayout xmlns:a="http://schemas.openxmlformats.org/drawingml/2006/main" xmlns:r="http://schemas.openxmlformats.org/officeDocument/2006/relationships" xmlns:mc="http://schemas.openxmlformats.org/markup-compatibility/2006" xmlns:mv="urn:schemas-microsoft-com:mac:vml" xmlns:p="http://schemas.openxmlformats.org/presentationml/2006/main" xmlns:c="http://schemas.openxmlformats.org/drawingml/2006/chart" xmlns:dgm="http://schemas.openxmlformats.org/drawingml/2006/diagram" xmlns:o="urn:schemas-microsoft-com:office:office" xmlns:v="urn:schemas-microsoft-com:vml" xmlns:pvml="urn:schemas-microsoft-com:office:powerpoint" xmlns:com="http://schemas.openxmlformats.org/drawingml/2006/compatibility" xmlns:p14="http://schemas.microsoft.com/office/powerpoint/2010/main" type="titleOnly">
+<p:sldLayout xmlns:a="http://schemas.openxmlformats.org/drawingml/2006/main" xmlns:r="http://schemas.openxmlformats.org/officeDocument/2006/relationships" xmlns:p="http://schemas.openxmlformats.org/presentationml/2006/main" type="titleOnly">
   <p:cSld name="Title only">
     <p:spTree>
       <p:nvGrpSpPr>
-        <p:cNvPr id="39" name="Shape 39"/>
+        <p:cNvPr id="1" name="Shape 39"/>
         <p:cNvGrpSpPr/>
         <p:nvPr/>
       </p:nvGrpSpPr>
@@ -6518,7 +6822,9 @@
       <p:sp>
         <p:nvSpPr>
           <p:cNvPr id="40" name="Shape 40"/>
-          <p:cNvSpPr txBox="1"/>
+          <p:cNvSpPr txBox="1">
+            <a:spLocks noGrp="1"/>
+          </p:cNvSpPr>
           <p:nvPr>
             <p:ph type="title"/>
           </p:nvPr>
@@ -6533,7 +6839,7 @@
           </a:prstGeom>
         </p:spPr>
         <p:txBody>
-          <a:bodyPr anchorCtr="0" anchor="t" bIns="91425" lIns="91425" rIns="91425" tIns="91425"/>
+          <a:bodyPr lIns="91425" tIns="91425" rIns="91425" bIns="91425" anchor="t" anchorCtr="0"/>
           <a:lstStyle>
             <a:lvl1pPr lvl="0">
               <a:spcBef>
@@ -6590,15 +6896,19 @@
               <a:defRPr/>
             </a:lvl9pPr>
           </a:lstStyle>
-          <a:p/>
+          <a:p>
+            <a:endParaRPr/>
+          </a:p>
         </p:txBody>
       </p:sp>
       <p:sp>
         <p:nvSpPr>
           <p:cNvPr id="41" name="Shape 41"/>
-          <p:cNvSpPr txBox="1"/>
+          <p:cNvSpPr txBox="1">
+            <a:spLocks noGrp="1"/>
+          </p:cNvSpPr>
           <p:nvPr>
-            <p:ph idx="12" type="sldNum"/>
+            <p:ph type="sldNum" idx="12"/>
           </p:nvPr>
         </p:nvSpPr>
         <p:spPr>
@@ -6611,7 +6921,7 @@
           </a:prstGeom>
         </p:spPr>
         <p:txBody>
-          <a:bodyPr anchorCtr="0" anchor="ctr" bIns="91425" lIns="91425" rIns="91425" tIns="91425">
+          <a:bodyPr lIns="91425" tIns="91425" rIns="91425" bIns="91425" anchor="ctr" anchorCtr="0">
             <a:noAutofit/>
           </a:bodyPr>
           <a:lstStyle/>
@@ -6626,6 +6936,7 @@
               <a:rPr lang="en-US"/>
               <a:t>‹#›</a:t>
             </a:fld>
+            <a:endParaRPr lang="en-US"/>
           </a:p>
         </p:txBody>
       </p:sp>
@@ -6638,11 +6949,11 @@
 </file>
 
 <file path=ppt/slideLayouts/slideLayout6.xml><?xml version="1.0" encoding="utf-8"?>
-<p:sldLayout xmlns:a="http://schemas.openxmlformats.org/drawingml/2006/main" xmlns:r="http://schemas.openxmlformats.org/officeDocument/2006/relationships" xmlns:mc="http://schemas.openxmlformats.org/markup-compatibility/2006" xmlns:mv="urn:schemas-microsoft-com:mac:vml" xmlns:p="http://schemas.openxmlformats.org/presentationml/2006/main" xmlns:c="http://schemas.openxmlformats.org/drawingml/2006/chart" xmlns:dgm="http://schemas.openxmlformats.org/drawingml/2006/diagram" xmlns:o="urn:schemas-microsoft-com:office:office" xmlns:v="urn:schemas-microsoft-com:vml" xmlns:pvml="urn:schemas-microsoft-com:office:powerpoint" xmlns:com="http://schemas.openxmlformats.org/drawingml/2006/compatibility" xmlns:p14="http://schemas.microsoft.com/office/powerpoint/2010/main">
+<p:sldLayout xmlns:a="http://schemas.openxmlformats.org/drawingml/2006/main" xmlns:r="http://schemas.openxmlformats.org/officeDocument/2006/relationships" xmlns:p="http://schemas.openxmlformats.org/presentationml/2006/main">
   <p:cSld name="One column text">
     <p:spTree>
       <p:nvGrpSpPr>
-        <p:cNvPr id="42" name="Shape 42"/>
+        <p:cNvPr id="1" name="Shape 42"/>
         <p:cNvGrpSpPr/>
         <p:nvPr/>
       </p:nvGrpSpPr>
@@ -6657,7 +6968,9 @@
       <p:sp>
         <p:nvSpPr>
           <p:cNvPr id="43" name="Shape 43"/>
-          <p:cNvSpPr txBox="1"/>
+          <p:cNvSpPr txBox="1">
+            <a:spLocks noGrp="1"/>
+          </p:cNvSpPr>
           <p:nvPr>
             <p:ph type="title"/>
           </p:nvPr>
@@ -6672,7 +6985,7 @@
           </a:prstGeom>
         </p:spPr>
         <p:txBody>
-          <a:bodyPr anchorCtr="0" anchor="b" bIns="91425" lIns="91425" rIns="91425" tIns="91425"/>
+          <a:bodyPr lIns="91425" tIns="91425" rIns="91425" bIns="91425" anchor="b" anchorCtr="0"/>
           <a:lstStyle>
             <a:lvl1pPr lvl="0">
               <a:spcBef>
@@ -6738,15 +7051,19 @@
               <a:defRPr sz="2400"/>
             </a:lvl9pPr>
           </a:lstStyle>
-          <a:p/>
+          <a:p>
+            <a:endParaRPr/>
+          </a:p>
         </p:txBody>
       </p:sp>
       <p:sp>
         <p:nvSpPr>
           <p:cNvPr id="44" name="Shape 44"/>
-          <p:cNvSpPr txBox="1"/>
+          <p:cNvSpPr txBox="1">
+            <a:spLocks noGrp="1"/>
+          </p:cNvSpPr>
           <p:nvPr>
-            <p:ph idx="1" type="body"/>
+            <p:ph type="body" idx="1"/>
           </p:nvPr>
         </p:nvSpPr>
         <p:spPr>
@@ -6759,7 +7076,7 @@
           </a:prstGeom>
         </p:spPr>
         <p:txBody>
-          <a:bodyPr anchorCtr="0" anchor="t" bIns="91425" lIns="91425" rIns="91425" tIns="91425"/>
+          <a:bodyPr lIns="91425" tIns="91425" rIns="91425" bIns="91425" anchor="t" anchorCtr="0"/>
           <a:lstStyle>
             <a:lvl1pPr lvl="0">
               <a:spcBef>
@@ -6825,15 +7142,19 @@
               <a:defRPr sz="1200"/>
             </a:lvl9pPr>
           </a:lstStyle>
-          <a:p/>
+          <a:p>
+            <a:endParaRPr/>
+          </a:p>
         </p:txBody>
       </p:sp>
       <p:sp>
         <p:nvSpPr>
           <p:cNvPr id="45" name="Shape 45"/>
-          <p:cNvSpPr txBox="1"/>
+          <p:cNvSpPr txBox="1">
+            <a:spLocks noGrp="1"/>
+          </p:cNvSpPr>
           <p:nvPr>
-            <p:ph idx="12" type="sldNum"/>
+            <p:ph type="sldNum" idx="12"/>
           </p:nvPr>
         </p:nvSpPr>
         <p:spPr>
@@ -6846,7 +7167,7 @@
           </a:prstGeom>
         </p:spPr>
         <p:txBody>
-          <a:bodyPr anchorCtr="0" anchor="ctr" bIns="91425" lIns="91425" rIns="91425" tIns="91425">
+          <a:bodyPr lIns="91425" tIns="91425" rIns="91425" bIns="91425" anchor="ctr" anchorCtr="0">
             <a:noAutofit/>
           </a:bodyPr>
           <a:lstStyle/>
@@ -6861,6 +7182,7 @@
               <a:rPr lang="en-US"/>
               <a:t>‹#›</a:t>
             </a:fld>
+            <a:endParaRPr lang="en-US"/>
           </a:p>
         </p:txBody>
       </p:sp>
@@ -6873,18 +7195,19 @@
 </file>
 
 <file path=ppt/slideLayouts/slideLayout7.xml><?xml version="1.0" encoding="utf-8"?>
-<p:sldLayout xmlns:a="http://schemas.openxmlformats.org/drawingml/2006/main" xmlns:r="http://schemas.openxmlformats.org/officeDocument/2006/relationships" xmlns:mc="http://schemas.openxmlformats.org/markup-compatibility/2006" xmlns:mv="urn:schemas-microsoft-com:mac:vml" xmlns:p="http://schemas.openxmlformats.org/presentationml/2006/main" xmlns:c="http://schemas.openxmlformats.org/drawingml/2006/chart" xmlns:dgm="http://schemas.openxmlformats.org/drawingml/2006/diagram" xmlns:o="urn:schemas-microsoft-com:office:office" xmlns:v="urn:schemas-microsoft-com:vml" xmlns:pvml="urn:schemas-microsoft-com:office:powerpoint" xmlns:com="http://schemas.openxmlformats.org/drawingml/2006/compatibility" xmlns:p14="http://schemas.microsoft.com/office/powerpoint/2010/main">
+<p:sldLayout xmlns:a="http://schemas.openxmlformats.org/drawingml/2006/main" xmlns:r="http://schemas.openxmlformats.org/officeDocument/2006/relationships" xmlns:p="http://schemas.openxmlformats.org/presentationml/2006/main">
   <p:cSld name="Main point">
     <p:bg>
       <p:bgPr>
         <a:solidFill>
           <a:schemeClr val="accent6"/>
         </a:solidFill>
+        <a:effectLst/>
       </p:bgPr>
     </p:bg>
     <p:spTree>
       <p:nvGrpSpPr>
-        <p:cNvPr id="46" name="Shape 46"/>
+        <p:cNvPr id="1" name="Shape 46"/>
         <p:cNvGrpSpPr/>
         <p:nvPr/>
       </p:nvGrpSpPr>
@@ -6899,7 +7222,9 @@
       <p:sp>
         <p:nvSpPr>
           <p:cNvPr id="47" name="Shape 47"/>
-          <p:cNvSpPr txBox="1"/>
+          <p:cNvSpPr txBox="1">
+            <a:spLocks noGrp="1"/>
+          </p:cNvSpPr>
           <p:nvPr>
             <p:ph type="title"/>
           </p:nvPr>
@@ -6914,7 +7239,7 @@
           </a:prstGeom>
         </p:spPr>
         <p:txBody>
-          <a:bodyPr anchorCtr="0" anchor="ctr" bIns="91425" lIns="91425" rIns="91425" tIns="91425"/>
+          <a:bodyPr lIns="91425" tIns="91425" rIns="91425" bIns="91425" anchor="ctr" anchorCtr="0"/>
           <a:lstStyle>
             <a:lvl1pPr lvl="0">
               <a:spcBef>
@@ -6924,7 +7249,7 @@
                 <a:schemeClr val="dk2"/>
               </a:buClr>
               <a:buSzPct val="100000"/>
-              <a:defRPr b="0" sz="5400">
+              <a:defRPr sz="5400" b="0">
                 <a:solidFill>
                   <a:schemeClr val="dk2"/>
                 </a:solidFill>
@@ -6938,7 +7263,7 @@
                 <a:schemeClr val="dk2"/>
               </a:buClr>
               <a:buSzPct val="100000"/>
-              <a:defRPr b="0" sz="5400">
+              <a:defRPr sz="5400" b="0">
                 <a:solidFill>
                   <a:schemeClr val="dk2"/>
                 </a:solidFill>
@@ -6952,7 +7277,7 @@
                 <a:schemeClr val="dk2"/>
               </a:buClr>
               <a:buSzPct val="100000"/>
-              <a:defRPr b="0" sz="5400">
+              <a:defRPr sz="5400" b="0">
                 <a:solidFill>
                   <a:schemeClr val="dk2"/>
                 </a:solidFill>
@@ -6966,7 +7291,7 @@
                 <a:schemeClr val="dk2"/>
               </a:buClr>
               <a:buSzPct val="100000"/>
-              <a:defRPr b="0" sz="5400">
+              <a:defRPr sz="5400" b="0">
                 <a:solidFill>
                   <a:schemeClr val="dk2"/>
                 </a:solidFill>
@@ -6980,7 +7305,7 @@
                 <a:schemeClr val="dk2"/>
               </a:buClr>
               <a:buSzPct val="100000"/>
-              <a:defRPr b="0" sz="5400">
+              <a:defRPr sz="5400" b="0">
                 <a:solidFill>
                   <a:schemeClr val="dk2"/>
                 </a:solidFill>
@@ -6994,7 +7319,7 @@
                 <a:schemeClr val="dk2"/>
               </a:buClr>
               <a:buSzPct val="100000"/>
-              <a:defRPr b="0" sz="5400">
+              <a:defRPr sz="5400" b="0">
                 <a:solidFill>
                   <a:schemeClr val="dk2"/>
                 </a:solidFill>
@@ -7008,7 +7333,7 @@
                 <a:schemeClr val="dk2"/>
               </a:buClr>
               <a:buSzPct val="100000"/>
-              <a:defRPr b="0" sz="5400">
+              <a:defRPr sz="5400" b="0">
                 <a:solidFill>
                   <a:schemeClr val="dk2"/>
                 </a:solidFill>
@@ -7022,7 +7347,7 @@
                 <a:schemeClr val="dk2"/>
               </a:buClr>
               <a:buSzPct val="100000"/>
-              <a:defRPr b="0" sz="5400">
+              <a:defRPr sz="5400" b="0">
                 <a:solidFill>
                   <a:schemeClr val="dk2"/>
                 </a:solidFill>
@@ -7036,22 +7361,26 @@
                 <a:schemeClr val="dk2"/>
               </a:buClr>
               <a:buSzPct val="100000"/>
-              <a:defRPr b="0" sz="5400">
+              <a:defRPr sz="5400" b="0">
                 <a:solidFill>
                   <a:schemeClr val="dk2"/>
                 </a:solidFill>
               </a:defRPr>
             </a:lvl9pPr>
           </a:lstStyle>
-          <a:p/>
+          <a:p>
+            <a:endParaRPr/>
+          </a:p>
         </p:txBody>
       </p:sp>
       <p:sp>
         <p:nvSpPr>
           <p:cNvPr id="48" name="Shape 48"/>
-          <p:cNvSpPr txBox="1"/>
+          <p:cNvSpPr txBox="1">
+            <a:spLocks noGrp="1"/>
+          </p:cNvSpPr>
           <p:nvPr>
-            <p:ph idx="12" type="sldNum"/>
+            <p:ph type="sldNum" idx="12"/>
           </p:nvPr>
         </p:nvSpPr>
         <p:spPr>
@@ -7064,7 +7393,7 @@
           </a:prstGeom>
         </p:spPr>
         <p:txBody>
-          <a:bodyPr anchorCtr="0" anchor="ctr" bIns="91425" lIns="91425" rIns="91425" tIns="91425">
+          <a:bodyPr lIns="91425" tIns="91425" rIns="91425" bIns="91425" anchor="ctr" anchorCtr="0">
             <a:noAutofit/>
           </a:bodyPr>
           <a:lstStyle/>
@@ -7079,6 +7408,7 @@
               <a:rPr lang="en-US"/>
               <a:t>‹#›</a:t>
             </a:fld>
+            <a:endParaRPr lang="en-US"/>
           </a:p>
         </p:txBody>
       </p:sp>
@@ -7091,11 +7421,11 @@
 </file>
 
 <file path=ppt/slideLayouts/slideLayout8.xml><?xml version="1.0" encoding="utf-8"?>
-<p:sldLayout xmlns:a="http://schemas.openxmlformats.org/drawingml/2006/main" xmlns:r="http://schemas.openxmlformats.org/officeDocument/2006/relationships" xmlns:mc="http://schemas.openxmlformats.org/markup-compatibility/2006" xmlns:mv="urn:schemas-microsoft-com:mac:vml" xmlns:p="http://schemas.openxmlformats.org/presentationml/2006/main" xmlns:c="http://schemas.openxmlformats.org/drawingml/2006/chart" xmlns:dgm="http://schemas.openxmlformats.org/drawingml/2006/diagram" xmlns:o="urn:schemas-microsoft-com:office:office" xmlns:v="urn:schemas-microsoft-com:vml" xmlns:pvml="urn:schemas-microsoft-com:office:powerpoint" xmlns:com="http://schemas.openxmlformats.org/drawingml/2006/compatibility" xmlns:p14="http://schemas.microsoft.com/office/powerpoint/2010/main">
+<p:sldLayout xmlns:a="http://schemas.openxmlformats.org/drawingml/2006/main" xmlns:r="http://schemas.openxmlformats.org/officeDocument/2006/relationships" xmlns:p="http://schemas.openxmlformats.org/presentationml/2006/main">
   <p:cSld name="Section title and description">
     <p:spTree>
       <p:nvGrpSpPr>
-        <p:cNvPr id="49" name="Shape 49"/>
+        <p:cNvPr id="1" name="Shape 49"/>
         <p:cNvGrpSpPr/>
         <p:nvPr/>
       </p:nvGrpSpPr>
@@ -7129,7 +7459,7 @@
           </a:ln>
         </p:spPr>
         <p:txBody>
-          <a:bodyPr anchorCtr="0" anchor="ctr" bIns="91425" lIns="91425" rIns="91425" tIns="91425">
+          <a:bodyPr lIns="91425" tIns="91425" rIns="91425" bIns="91425" anchor="ctr" anchorCtr="0">
             <a:noAutofit/>
           </a:bodyPr>
           <a:lstStyle/>
@@ -7140,9 +7470,6 @@
               </a:spcBef>
               <a:buNone/>
             </a:pPr>
-            <a:r>
-              <a:t/>
-            </a:r>
             <a:endParaRPr/>
           </a:p>
         </p:txBody>
@@ -7162,21 +7489,23 @@
             <a:avLst/>
           </a:prstGeom>
           <a:noFill/>
-          <a:ln cap="flat" cmpd="sng" w="19050">
+          <a:ln w="19050" cap="flat" cmpd="sng">
             <a:solidFill>
               <a:schemeClr val="lt1"/>
             </a:solidFill>
             <a:prstDash val="solid"/>
             <a:round/>
-            <a:headEnd len="med" w="med" type="none"/>
-            <a:tailEnd len="med" w="med" type="none"/>
+            <a:headEnd type="none" w="med" len="med"/>
+            <a:tailEnd type="none" w="med" len="med"/>
           </a:ln>
         </p:spPr>
       </p:cxnSp>
       <p:sp>
         <p:nvSpPr>
           <p:cNvPr id="52" name="Shape 52"/>
-          <p:cNvSpPr txBox="1"/>
+          <p:cNvSpPr txBox="1">
+            <a:spLocks noGrp="1"/>
+          </p:cNvSpPr>
           <p:nvPr>
             <p:ph type="title"/>
           </p:nvPr>
@@ -7191,7 +7520,7 @@
           </a:prstGeom>
         </p:spPr>
         <p:txBody>
-          <a:bodyPr anchorCtr="0" anchor="b" bIns="91425" lIns="91425" rIns="91425" tIns="91425"/>
+          <a:bodyPr lIns="91425" tIns="91425" rIns="91425" bIns="91425" anchor="b" anchorCtr="0"/>
           <a:lstStyle>
             <a:lvl1pPr lvl="0" algn="ctr">
               <a:spcBef>
@@ -7257,15 +7586,19 @@
               <a:defRPr sz="4200"/>
             </a:lvl9pPr>
           </a:lstStyle>
-          <a:p/>
+          <a:p>
+            <a:endParaRPr/>
+          </a:p>
         </p:txBody>
       </p:sp>
       <p:sp>
         <p:nvSpPr>
           <p:cNvPr id="53" name="Shape 53"/>
-          <p:cNvSpPr txBox="1"/>
+          <p:cNvSpPr txBox="1">
+            <a:spLocks noGrp="1"/>
+          </p:cNvSpPr>
           <p:nvPr>
-            <p:ph idx="1" type="subTitle"/>
+            <p:ph type="subTitle" idx="1"/>
           </p:nvPr>
         </p:nvSpPr>
         <p:spPr>
@@ -7278,7 +7611,7 @@
           </a:prstGeom>
         </p:spPr>
         <p:txBody>
-          <a:bodyPr anchorCtr="0" anchor="t" bIns="91425" lIns="91425" rIns="91425" tIns="91425"/>
+          <a:bodyPr lIns="91425" tIns="91425" rIns="91425" bIns="91425" anchor="t" anchorCtr="0"/>
           <a:lstStyle>
             <a:lvl1pPr lvl="0" algn="ctr">
               <a:lnSpc>
@@ -7407,15 +7740,19 @@
               <a:defRPr sz="2100"/>
             </a:lvl9pPr>
           </a:lstStyle>
-          <a:p/>
+          <a:p>
+            <a:endParaRPr/>
+          </a:p>
         </p:txBody>
       </p:sp>
       <p:sp>
         <p:nvSpPr>
           <p:cNvPr id="54" name="Shape 54"/>
-          <p:cNvSpPr txBox="1"/>
+          <p:cNvSpPr txBox="1">
+            <a:spLocks noGrp="1"/>
+          </p:cNvSpPr>
           <p:nvPr>
-            <p:ph idx="2" type="body"/>
+            <p:ph type="body" idx="2"/>
           </p:nvPr>
         </p:nvSpPr>
         <p:spPr>
@@ -7428,7 +7765,7 @@
           </a:prstGeom>
         </p:spPr>
         <p:txBody>
-          <a:bodyPr anchorCtr="0" anchor="ctr" bIns="91425" lIns="91425" rIns="91425" tIns="91425"/>
+          <a:bodyPr lIns="91425" tIns="91425" rIns="91425" bIns="91425" anchor="ctr" anchorCtr="0"/>
           <a:lstStyle>
             <a:lvl1pPr lvl="0">
               <a:spcBef>
@@ -7548,15 +7885,19 @@
               </a:defRPr>
             </a:lvl9pPr>
           </a:lstStyle>
-          <a:p/>
+          <a:p>
+            <a:endParaRPr/>
+          </a:p>
         </p:txBody>
       </p:sp>
       <p:sp>
         <p:nvSpPr>
           <p:cNvPr id="55" name="Shape 55"/>
-          <p:cNvSpPr txBox="1"/>
+          <p:cNvSpPr txBox="1">
+            <a:spLocks noGrp="1"/>
+          </p:cNvSpPr>
           <p:nvPr>
-            <p:ph idx="12" type="sldNum"/>
+            <p:ph type="sldNum" idx="12"/>
           </p:nvPr>
         </p:nvSpPr>
         <p:spPr>
@@ -7569,7 +7910,7 @@
           </a:prstGeom>
         </p:spPr>
         <p:txBody>
-          <a:bodyPr anchorCtr="0" anchor="ctr" bIns="91425" lIns="91425" rIns="91425" tIns="91425">
+          <a:bodyPr lIns="91425" tIns="91425" rIns="91425" bIns="91425" anchor="ctr" anchorCtr="0">
             <a:noAutofit/>
           </a:bodyPr>
           <a:lstStyle/>
@@ -7588,6 +7929,11 @@
               </a:rPr>
               <a:t>‹#›</a:t>
             </a:fld>
+            <a:endParaRPr lang="en-US">
+              <a:solidFill>
+                <a:schemeClr val="lt1"/>
+              </a:solidFill>
+            </a:endParaRPr>
           </a:p>
         </p:txBody>
       </p:sp>
@@ -7600,11 +7946,11 @@
 </file>
 
 <file path=ppt/slideLayouts/slideLayout9.xml><?xml version="1.0" encoding="utf-8"?>
-<p:sldLayout xmlns:a="http://schemas.openxmlformats.org/drawingml/2006/main" xmlns:r="http://schemas.openxmlformats.org/officeDocument/2006/relationships" xmlns:mc="http://schemas.openxmlformats.org/markup-compatibility/2006" xmlns:mv="urn:schemas-microsoft-com:mac:vml" xmlns:p="http://schemas.openxmlformats.org/presentationml/2006/main" xmlns:c="http://schemas.openxmlformats.org/drawingml/2006/chart" xmlns:dgm="http://schemas.openxmlformats.org/drawingml/2006/diagram" xmlns:o="urn:schemas-microsoft-com:office:office" xmlns:v="urn:schemas-microsoft-com:vml" xmlns:pvml="urn:schemas-microsoft-com:office:powerpoint" xmlns:com="http://schemas.openxmlformats.org/drawingml/2006/compatibility" xmlns:p14="http://schemas.microsoft.com/office/powerpoint/2010/main">
+<p:sldLayout xmlns:a="http://schemas.openxmlformats.org/drawingml/2006/main" xmlns:r="http://schemas.openxmlformats.org/officeDocument/2006/relationships" xmlns:p="http://schemas.openxmlformats.org/presentationml/2006/main">
   <p:cSld name="Caption">
     <p:spTree>
       <p:nvGrpSpPr>
-        <p:cNvPr id="56" name="Shape 56"/>
+        <p:cNvPr id="1" name="Shape 56"/>
         <p:cNvGrpSpPr/>
         <p:nvPr/>
       </p:nvGrpSpPr>
@@ -7619,9 +7965,11 @@
       <p:sp>
         <p:nvSpPr>
           <p:cNvPr id="57" name="Shape 57"/>
-          <p:cNvSpPr txBox="1"/>
+          <p:cNvSpPr txBox="1">
+            <a:spLocks noGrp="1"/>
+          </p:cNvSpPr>
           <p:nvPr>
-            <p:ph idx="1" type="body"/>
+            <p:ph type="body" idx="1"/>
           </p:nvPr>
         </p:nvSpPr>
         <p:spPr>
@@ -7634,7 +7982,7 @@
           </a:prstGeom>
         </p:spPr>
         <p:txBody>
-          <a:bodyPr anchorCtr="0" anchor="ctr" bIns="91425" lIns="91425" rIns="91425" tIns="91425"/>
+          <a:bodyPr lIns="91425" tIns="91425" rIns="91425" bIns="91425" anchor="ctr" anchorCtr="0"/>
           <a:lstStyle>
             <a:lvl1pPr lvl="0">
               <a:lnSpc>
@@ -7657,15 +8005,19 @@
               </a:defRPr>
             </a:lvl1pPr>
           </a:lstStyle>
-          <a:p/>
+          <a:p>
+            <a:endParaRPr/>
+          </a:p>
         </p:txBody>
       </p:sp>
       <p:sp>
         <p:nvSpPr>
           <p:cNvPr id="58" name="Shape 58"/>
-          <p:cNvSpPr txBox="1"/>
+          <p:cNvSpPr txBox="1">
+            <a:spLocks noGrp="1"/>
+          </p:cNvSpPr>
           <p:nvPr>
-            <p:ph idx="12" type="sldNum"/>
+            <p:ph type="sldNum" idx="12"/>
           </p:nvPr>
         </p:nvSpPr>
         <p:spPr>
@@ -7678,7 +8030,7 @@
           </a:prstGeom>
         </p:spPr>
         <p:txBody>
-          <a:bodyPr anchorCtr="0" anchor="ctr" bIns="91425" lIns="91425" rIns="91425" tIns="91425">
+          <a:bodyPr lIns="91425" tIns="91425" rIns="91425" bIns="91425" anchor="ctr" anchorCtr="0">
             <a:noAutofit/>
           </a:bodyPr>
           <a:lstStyle/>
@@ -7693,6 +8045,7 @@
               <a:rPr lang="en-US"/>
               <a:t>‹#›</a:t>
             </a:fld>
+            <a:endParaRPr lang="en-US"/>
           </a:p>
         </p:txBody>
       </p:sp>
@@ -7705,18 +8058,19 @@
 </file>
 
 <file path=ppt/slideMasters/slideMaster1.xml><?xml version="1.0" encoding="utf-8"?>
-<p:sldMaster xmlns:a="http://schemas.openxmlformats.org/drawingml/2006/main" xmlns:r="http://schemas.openxmlformats.org/officeDocument/2006/relationships" xmlns:mc="http://schemas.openxmlformats.org/markup-compatibility/2006" xmlns:mv="urn:schemas-microsoft-com:mac:vml" xmlns:p="http://schemas.openxmlformats.org/presentationml/2006/main" xmlns:c="http://schemas.openxmlformats.org/drawingml/2006/chart" xmlns:dgm="http://schemas.openxmlformats.org/drawingml/2006/diagram" xmlns:o="urn:schemas-microsoft-com:office:office" xmlns:v="urn:schemas-microsoft-com:vml" xmlns:pvml="urn:schemas-microsoft-com:office:powerpoint" xmlns:com="http://schemas.openxmlformats.org/drawingml/2006/compatibility" xmlns:p14="http://schemas.microsoft.com/office/powerpoint/2010/main">
+<p:sldMaster xmlns:a="http://schemas.openxmlformats.org/drawingml/2006/main" xmlns:r="http://schemas.openxmlformats.org/officeDocument/2006/relationships" xmlns:p="http://schemas.openxmlformats.org/presentationml/2006/main">
   <p:cSld>
     <p:bg>
       <p:bgPr>
         <a:solidFill>
           <a:schemeClr val="lt1"/>
         </a:solidFill>
+        <a:effectLst/>
       </p:bgPr>
     </p:bg>
     <p:spTree>
       <p:nvGrpSpPr>
-        <p:cNvPr id="9" name="Shape 9"/>
+        <p:cNvPr id="1" name="Shape 9"/>
         <p:cNvGrpSpPr/>
         <p:nvPr/>
       </p:nvGrpSpPr>
@@ -7731,7 +8085,9 @@
       <p:sp>
         <p:nvSpPr>
           <p:cNvPr id="10" name="Shape 10"/>
-          <p:cNvSpPr txBox="1"/>
+          <p:cNvSpPr txBox="1">
+            <a:spLocks noGrp="1"/>
+          </p:cNvSpPr>
           <p:nvPr>
             <p:ph type="title"/>
           </p:nvPr>
@@ -7750,7 +8106,7 @@
           </a:ln>
         </p:spPr>
         <p:txBody>
-          <a:bodyPr anchorCtr="0" anchor="t" bIns="91425" lIns="91425" rIns="91425" tIns="91425"/>
+          <a:bodyPr lIns="91425" tIns="91425" rIns="91425" bIns="91425" anchor="t" anchorCtr="0"/>
           <a:lstStyle>
             <a:lvl1pPr lvl="0">
               <a:spcBef>
@@ -7762,7 +8118,7 @@
               <a:buSzPct val="100000"/>
               <a:buFont typeface="PT Sans Narrow"/>
               <a:buNone/>
-              <a:defRPr b="1" sz="3600">
+              <a:defRPr sz="3600" b="1">
                 <a:solidFill>
                   <a:schemeClr val="accent1"/>
                 </a:solidFill>
@@ -7782,7 +8138,7 @@
               <a:buSzPct val="100000"/>
               <a:buFont typeface="PT Sans Narrow"/>
               <a:buNone/>
-              <a:defRPr b="1" sz="3600">
+              <a:defRPr sz="3600" b="1">
                 <a:solidFill>
                   <a:schemeClr val="accent1"/>
                 </a:solidFill>
@@ -7802,7 +8158,7 @@
               <a:buSzPct val="100000"/>
               <a:buFont typeface="PT Sans Narrow"/>
               <a:buNone/>
-              <a:defRPr b="1" sz="3600">
+              <a:defRPr sz="3600" b="1">
                 <a:solidFill>
                   <a:schemeClr val="accent1"/>
                 </a:solidFill>
@@ -7822,7 +8178,7 @@
               <a:buSzPct val="100000"/>
               <a:buFont typeface="PT Sans Narrow"/>
               <a:buNone/>
-              <a:defRPr b="1" sz="3600">
+              <a:defRPr sz="3600" b="1">
                 <a:solidFill>
                   <a:schemeClr val="accent1"/>
                 </a:solidFill>
@@ -7842,7 +8198,7 @@
               <a:buSzPct val="100000"/>
               <a:buFont typeface="PT Sans Narrow"/>
               <a:buNone/>
-              <a:defRPr b="1" sz="3600">
+              <a:defRPr sz="3600" b="1">
                 <a:solidFill>
                   <a:schemeClr val="accent1"/>
                 </a:solidFill>
@@ -7862,7 +8218,7 @@
               <a:buSzPct val="100000"/>
               <a:buFont typeface="PT Sans Narrow"/>
               <a:buNone/>
-              <a:defRPr b="1" sz="3600">
+              <a:defRPr sz="3600" b="1">
                 <a:solidFill>
                   <a:schemeClr val="accent1"/>
                 </a:solidFill>
@@ -7882,7 +8238,7 @@
               <a:buSzPct val="100000"/>
               <a:buFont typeface="PT Sans Narrow"/>
               <a:buNone/>
-              <a:defRPr b="1" sz="3600">
+              <a:defRPr sz="3600" b="1">
                 <a:solidFill>
                   <a:schemeClr val="accent1"/>
                 </a:solidFill>
@@ -7902,7 +8258,7 @@
               <a:buSzPct val="100000"/>
               <a:buFont typeface="PT Sans Narrow"/>
               <a:buNone/>
-              <a:defRPr b="1" sz="3600">
+              <a:defRPr sz="3600" b="1">
                 <a:solidFill>
                   <a:schemeClr val="accent1"/>
                 </a:solidFill>
@@ -7922,7 +8278,7 @@
               <a:buSzPct val="100000"/>
               <a:buFont typeface="PT Sans Narrow"/>
               <a:buNone/>
-              <a:defRPr b="1" sz="3600">
+              <a:defRPr sz="3600" b="1">
                 <a:solidFill>
                   <a:schemeClr val="accent1"/>
                 </a:solidFill>
@@ -7933,15 +8289,19 @@
               </a:defRPr>
             </a:lvl9pPr>
           </a:lstStyle>
-          <a:p/>
+          <a:p>
+            <a:endParaRPr/>
+          </a:p>
         </p:txBody>
       </p:sp>
       <p:sp>
         <p:nvSpPr>
           <p:cNvPr id="11" name="Shape 11"/>
-          <p:cNvSpPr txBox="1"/>
+          <p:cNvSpPr txBox="1">
+            <a:spLocks noGrp="1"/>
+          </p:cNvSpPr>
           <p:nvPr>
-            <p:ph idx="1" type="body"/>
+            <p:ph type="body" idx="1"/>
           </p:nvPr>
         </p:nvSpPr>
         <p:spPr>
@@ -7958,7 +8318,7 @@
           </a:ln>
         </p:spPr>
         <p:txBody>
-          <a:bodyPr anchorCtr="0" anchor="t" bIns="91425" lIns="91425" rIns="91425" tIns="91425"/>
+          <a:bodyPr lIns="91425" tIns="91425" rIns="91425" bIns="91425" anchor="t" anchorCtr="0"/>
           <a:lstStyle>
             <a:lvl1pPr lvl="0">
               <a:lnSpc>
@@ -8178,15 +8538,19 @@
               </a:defRPr>
             </a:lvl9pPr>
           </a:lstStyle>
-          <a:p/>
+          <a:p>
+            <a:endParaRPr/>
+          </a:p>
         </p:txBody>
       </p:sp>
       <p:sp>
         <p:nvSpPr>
           <p:cNvPr id="12" name="Shape 12"/>
-          <p:cNvSpPr txBox="1"/>
+          <p:cNvSpPr txBox="1">
+            <a:spLocks noGrp="1"/>
+          </p:cNvSpPr>
           <p:nvPr>
-            <p:ph idx="12" type="sldNum"/>
+            <p:ph type="sldNum" idx="12"/>
           </p:nvPr>
         </p:nvSpPr>
         <p:spPr>
@@ -8203,7 +8567,7 @@
           </a:ln>
         </p:spPr>
         <p:txBody>
-          <a:bodyPr anchorCtr="0" anchor="ctr" bIns="91425" lIns="91425" rIns="91425" tIns="91425">
+          <a:bodyPr lIns="91425" tIns="91425" rIns="91425" bIns="91425" anchor="ctr" anchorCtr="0">
             <a:noAutofit/>
           </a:bodyPr>
           <a:lstStyle/>
@@ -8226,12 +8590,21 @@
               </a:rPr>
               <a:t>‹#›</a:t>
             </a:fld>
+            <a:endParaRPr lang="en-US" sz="1000">
+              <a:solidFill>
+                <a:schemeClr val="dk2"/>
+              </a:solidFill>
+              <a:latin typeface="Open Sans"/>
+              <a:ea typeface="Open Sans"/>
+              <a:cs typeface="Open Sans"/>
+              <a:sym typeface="Open Sans"/>
+            </a:endParaRPr>
           </a:p>
         </p:txBody>
       </p:sp>
     </p:spTree>
   </p:cSld>
-  <p:clrMap accent1="accent1" accent2="accent2" accent3="accent3" accent4="accent4" accent5="accent5" accent6="accent6" bg1="lt1" bg2="dk2" tx1="dk1" tx2="lt2" folHlink="folHlink" hlink="hlink"/>
+  <p:clrMap bg1="lt1" tx1="dk1" bg2="dk2" tx2="lt2" accent1="accent1" accent2="accent2" accent3="accent3" accent4="accent4" accent5="accent5" accent6="accent6" hlink="hlink" folHlink="folHlink"/>
   <p:sldLayoutIdLst>
     <p:sldLayoutId id="2147483648" r:id="rId1"/>
     <p:sldLayoutId id="2147483649" r:id="rId2"/>
@@ -8248,10 +8621,10 @@
     <p:sldLayoutId id="2147483660" r:id="rId13"/>
     <p:sldLayoutId id="2147483661" r:id="rId14"/>
   </p:sldLayoutIdLst>
-  <p:hf dt="0" ftr="0" hdr="0" sldNum="0"/>
+  <p:hf sldNum="0" hdr="0" ftr="0" dt="0"/>
   <p:txStyles>
     <p:titleStyle>
-      <a:defPPr lvl="0" marR="0" rtl="0" algn="l">
+      <a:defPPr marR="0" lvl="0" algn="l" rtl="0">
         <a:lnSpc>
           <a:spcPct val="100000"/>
         </a:lnSpc>
@@ -8262,7 +8635,7 @@
           <a:spcPts val="0"/>
         </a:spcAft>
       </a:defPPr>
-      <a:lvl1pPr lvl="0" marR="0" rtl="0" algn="l">
+      <a:lvl1pPr marR="0" lvl="0" algn="l" rtl="0">
         <a:lnSpc>
           <a:spcPct val="100000"/>
         </a:lnSpc>
@@ -8273,7 +8646,7 @@
           <a:spcPts val="0"/>
         </a:spcAft>
         <a:buNone/>
-        <a:defRPr b="0" i="0" sz="1400" u="none" cap="none" strike="noStrike">
+        <a:defRPr sz="1400" b="0" i="0" u="none" strike="noStrike" cap="none">
           <a:solidFill>
             <a:srgbClr val="000000"/>
           </a:solidFill>
@@ -8285,7 +8658,7 @@
       </a:lvl1pPr>
     </p:titleStyle>
     <p:bodyStyle>
-      <a:defPPr lvl="0" marR="0" rtl="0" algn="l">
+      <a:defPPr marR="0" lvl="0" algn="l" rtl="0">
         <a:lnSpc>
           <a:spcPct val="100000"/>
         </a:lnSpc>
@@ -8296,7 +8669,7 @@
           <a:spcPts val="0"/>
         </a:spcAft>
       </a:defPPr>
-      <a:lvl1pPr lvl="0" marR="0" rtl="0" algn="l">
+      <a:lvl1pPr marR="0" lvl="0" algn="l" rtl="0">
         <a:lnSpc>
           <a:spcPct val="100000"/>
         </a:lnSpc>
@@ -8307,7 +8680,7 @@
           <a:spcPts val="0"/>
         </a:spcAft>
         <a:buNone/>
-        <a:defRPr b="0" i="0" sz="1400" u="none" cap="none" strike="noStrike">
+        <a:defRPr sz="1400" b="0" i="0" u="none" strike="noStrike" cap="none">
           <a:solidFill>
             <a:srgbClr val="000000"/>
           </a:solidFill>
@@ -8317,7 +8690,7 @@
           <a:sym typeface="Arial"/>
         </a:defRPr>
       </a:lvl1pPr>
-      <a:lvl2pPr lvl="1" marR="0" rtl="0" algn="l">
+      <a:lvl2pPr marR="0" lvl="1" algn="l" rtl="0">
         <a:lnSpc>
           <a:spcPct val="100000"/>
         </a:lnSpc>
@@ -8328,7 +8701,7 @@
           <a:spcPts val="0"/>
         </a:spcAft>
         <a:buNone/>
-        <a:defRPr b="0" i="0" sz="1400" u="none" cap="none" strike="noStrike">
+        <a:defRPr sz="1400" b="0" i="0" u="none" strike="noStrike" cap="none">
           <a:solidFill>
             <a:srgbClr val="000000"/>
           </a:solidFill>
@@ -8338,7 +8711,7 @@
           <a:sym typeface="Arial"/>
         </a:defRPr>
       </a:lvl2pPr>
-      <a:lvl3pPr lvl="2" marR="0" rtl="0" algn="l">
+      <a:lvl3pPr marR="0" lvl="2" algn="l" rtl="0">
         <a:lnSpc>
           <a:spcPct val="100000"/>
         </a:lnSpc>
@@ -8349,7 +8722,7 @@
           <a:spcPts val="0"/>
         </a:spcAft>
         <a:buNone/>
-        <a:defRPr b="0" i="0" sz="1400" u="none" cap="none" strike="noStrike">
+        <a:defRPr sz="1400" b="0" i="0" u="none" strike="noStrike" cap="none">
           <a:solidFill>
             <a:srgbClr val="000000"/>
           </a:solidFill>
@@ -8359,7 +8732,7 @@
           <a:sym typeface="Arial"/>
         </a:defRPr>
       </a:lvl3pPr>
-      <a:lvl4pPr lvl="3" marR="0" rtl="0" algn="l">
+      <a:lvl4pPr marR="0" lvl="3" algn="l" rtl="0">
         <a:lnSpc>
           <a:spcPct val="100000"/>
         </a:lnSpc>
@@ -8370,7 +8743,7 @@
           <a:spcPts val="0"/>
         </a:spcAft>
         <a:buNone/>
-        <a:defRPr b="0" i="0" sz="1400" u="none" cap="none" strike="noStrike">
+        <a:defRPr sz="1400" b="0" i="0" u="none" strike="noStrike" cap="none">
           <a:solidFill>
             <a:srgbClr val="000000"/>
           </a:solidFill>
@@ -8380,7 +8753,7 @@
           <a:sym typeface="Arial"/>
         </a:defRPr>
       </a:lvl4pPr>
-      <a:lvl5pPr lvl="4" marR="0" rtl="0" algn="l">
+      <a:lvl5pPr marR="0" lvl="4" algn="l" rtl="0">
         <a:lnSpc>
           <a:spcPct val="100000"/>
         </a:lnSpc>
@@ -8391,7 +8764,7 @@
           <a:spcPts val="0"/>
         </a:spcAft>
         <a:buNone/>
-        <a:defRPr b="0" i="0" sz="1400" u="none" cap="none" strike="noStrike">
+        <a:defRPr sz="1400" b="0" i="0" u="none" strike="noStrike" cap="none">
           <a:solidFill>
             <a:srgbClr val="000000"/>
           </a:solidFill>
@@ -8401,7 +8774,7 @@
           <a:sym typeface="Arial"/>
         </a:defRPr>
       </a:lvl5pPr>
-      <a:lvl6pPr lvl="5" marR="0" rtl="0" algn="l">
+      <a:lvl6pPr marR="0" lvl="5" algn="l" rtl="0">
         <a:lnSpc>
           <a:spcPct val="100000"/>
         </a:lnSpc>
@@ -8412,7 +8785,7 @@
           <a:spcPts val="0"/>
         </a:spcAft>
         <a:buNone/>
-        <a:defRPr b="0" i="0" sz="1400" u="none" cap="none" strike="noStrike">
+        <a:defRPr sz="1400" b="0" i="0" u="none" strike="noStrike" cap="none">
           <a:solidFill>
             <a:srgbClr val="000000"/>
           </a:solidFill>
@@ -8422,7 +8795,7 @@
           <a:sym typeface="Arial"/>
         </a:defRPr>
       </a:lvl6pPr>
-      <a:lvl7pPr lvl="6" marR="0" rtl="0" algn="l">
+      <a:lvl7pPr marR="0" lvl="6" algn="l" rtl="0">
         <a:lnSpc>
           <a:spcPct val="100000"/>
         </a:lnSpc>
@@ -8433,7 +8806,7 @@
           <a:spcPts val="0"/>
         </a:spcAft>
         <a:buNone/>
-        <a:defRPr b="0" i="0" sz="1400" u="none" cap="none" strike="noStrike">
+        <a:defRPr sz="1400" b="0" i="0" u="none" strike="noStrike" cap="none">
           <a:solidFill>
             <a:srgbClr val="000000"/>
           </a:solidFill>
@@ -8443,7 +8816,7 @@
           <a:sym typeface="Arial"/>
         </a:defRPr>
       </a:lvl7pPr>
-      <a:lvl8pPr lvl="7" marR="0" rtl="0" algn="l">
+      <a:lvl8pPr marR="0" lvl="7" algn="l" rtl="0">
         <a:lnSpc>
           <a:spcPct val="100000"/>
         </a:lnSpc>
@@ -8454,7 +8827,7 @@
           <a:spcPts val="0"/>
         </a:spcAft>
         <a:buNone/>
-        <a:defRPr b="0" i="0" sz="1400" u="none" cap="none" strike="noStrike">
+        <a:defRPr sz="1400" b="0" i="0" u="none" strike="noStrike" cap="none">
           <a:solidFill>
             <a:srgbClr val="000000"/>
           </a:solidFill>
@@ -8464,7 +8837,7 @@
           <a:sym typeface="Arial"/>
         </a:defRPr>
       </a:lvl8pPr>
-      <a:lvl9pPr lvl="8" marR="0" rtl="0" algn="l">
+      <a:lvl9pPr marR="0" lvl="8" algn="l" rtl="0">
         <a:lnSpc>
           <a:spcPct val="100000"/>
         </a:lnSpc>
@@ -8475,7 +8848,7 @@
           <a:spcPts val="0"/>
         </a:spcAft>
         <a:buNone/>
-        <a:defRPr b="0" i="0" sz="1400" u="none" cap="none" strike="noStrike">
+        <a:defRPr sz="1400" b="0" i="0" u="none" strike="noStrike" cap="none">
           <a:solidFill>
             <a:srgbClr val="000000"/>
           </a:solidFill>
@@ -8487,7 +8860,7 @@
       </a:lvl9pPr>
     </p:bodyStyle>
     <p:otherStyle>
-      <a:defPPr lvl="0" marR="0" rtl="0" algn="l">
+      <a:defPPr marR="0" lvl="0" algn="l" rtl="0">
         <a:lnSpc>
           <a:spcPct val="100000"/>
         </a:lnSpc>
@@ -8498,7 +8871,7 @@
           <a:spcPts val="0"/>
         </a:spcAft>
       </a:defPPr>
-      <a:lvl1pPr lvl="0" marR="0" rtl="0" algn="l">
+      <a:lvl1pPr marR="0" lvl="0" algn="l" rtl="0">
         <a:lnSpc>
           <a:spcPct val="100000"/>
         </a:lnSpc>
@@ -8509,7 +8882,7 @@
           <a:spcPts val="0"/>
         </a:spcAft>
         <a:buNone/>
-        <a:defRPr b="0" i="0" sz="1400" u="none" cap="none" strike="noStrike">
+        <a:defRPr sz="1400" b="0" i="0" u="none" strike="noStrike" cap="none">
           <a:solidFill>
             <a:srgbClr val="000000"/>
           </a:solidFill>
@@ -8519,7 +8892,7 @@
           <a:sym typeface="Arial"/>
         </a:defRPr>
       </a:lvl1pPr>
-      <a:lvl2pPr lvl="1" marR="0" rtl="0" algn="l">
+      <a:lvl2pPr marR="0" lvl="1" algn="l" rtl="0">
         <a:lnSpc>
           <a:spcPct val="100000"/>
         </a:lnSpc>
@@ -8530,7 +8903,7 @@
           <a:spcPts val="0"/>
         </a:spcAft>
         <a:buNone/>
-        <a:defRPr b="0" i="0" sz="1400" u="none" cap="none" strike="noStrike">
+        <a:defRPr sz="1400" b="0" i="0" u="none" strike="noStrike" cap="none">
           <a:solidFill>
             <a:srgbClr val="000000"/>
           </a:solidFill>
@@ -8540,7 +8913,7 @@
           <a:sym typeface="Arial"/>
         </a:defRPr>
       </a:lvl2pPr>
-      <a:lvl3pPr lvl="2" marR="0" rtl="0" algn="l">
+      <a:lvl3pPr marR="0" lvl="2" algn="l" rtl="0">
         <a:lnSpc>
           <a:spcPct val="100000"/>
         </a:lnSpc>
@@ -8551,7 +8924,7 @@
           <a:spcPts val="0"/>
         </a:spcAft>
         <a:buNone/>
-        <a:defRPr b="0" i="0" sz="1400" u="none" cap="none" strike="noStrike">
+        <a:defRPr sz="1400" b="0" i="0" u="none" strike="noStrike" cap="none">
           <a:solidFill>
             <a:srgbClr val="000000"/>
           </a:solidFill>
@@ -8561,7 +8934,7 @@
           <a:sym typeface="Arial"/>
         </a:defRPr>
       </a:lvl3pPr>
-      <a:lvl4pPr lvl="3" marR="0" rtl="0" algn="l">
+      <a:lvl4pPr marR="0" lvl="3" algn="l" rtl="0">
         <a:lnSpc>
           <a:spcPct val="100000"/>
         </a:lnSpc>
@@ -8572,7 +8945,7 @@
           <a:spcPts val="0"/>
         </a:spcAft>
         <a:buNone/>
-        <a:defRPr b="0" i="0" sz="1400" u="none" cap="none" strike="noStrike">
+        <a:defRPr sz="1400" b="0" i="0" u="none" strike="noStrike" cap="none">
           <a:solidFill>
             <a:srgbClr val="000000"/>
           </a:solidFill>
@@ -8582,7 +8955,7 @@
           <a:sym typeface="Arial"/>
         </a:defRPr>
       </a:lvl4pPr>
-      <a:lvl5pPr lvl="4" marR="0" rtl="0" algn="l">
+      <a:lvl5pPr marR="0" lvl="4" algn="l" rtl="0">
         <a:lnSpc>
           <a:spcPct val="100000"/>
         </a:lnSpc>
@@ -8593,7 +8966,7 @@
           <a:spcPts val="0"/>
         </a:spcAft>
         <a:buNone/>
-        <a:defRPr b="0" i="0" sz="1400" u="none" cap="none" strike="noStrike">
+        <a:defRPr sz="1400" b="0" i="0" u="none" strike="noStrike" cap="none">
           <a:solidFill>
             <a:srgbClr val="000000"/>
           </a:solidFill>
@@ -8603,7 +8976,7 @@
           <a:sym typeface="Arial"/>
         </a:defRPr>
       </a:lvl5pPr>
-      <a:lvl6pPr lvl="5" marR="0" rtl="0" algn="l">
+      <a:lvl6pPr marR="0" lvl="5" algn="l" rtl="0">
         <a:lnSpc>
           <a:spcPct val="100000"/>
         </a:lnSpc>
@@ -8614,7 +8987,7 @@
           <a:spcPts val="0"/>
         </a:spcAft>
         <a:buNone/>
-        <a:defRPr b="0" i="0" sz="1400" u="none" cap="none" strike="noStrike">
+        <a:defRPr sz="1400" b="0" i="0" u="none" strike="noStrike" cap="none">
           <a:solidFill>
             <a:srgbClr val="000000"/>
           </a:solidFill>
@@ -8624,7 +8997,7 @@
           <a:sym typeface="Arial"/>
         </a:defRPr>
       </a:lvl6pPr>
-      <a:lvl7pPr lvl="6" marR="0" rtl="0" algn="l">
+      <a:lvl7pPr marR="0" lvl="6" algn="l" rtl="0">
         <a:lnSpc>
           <a:spcPct val="100000"/>
         </a:lnSpc>
@@ -8635,7 +9008,7 @@
           <a:spcPts val="0"/>
         </a:spcAft>
         <a:buNone/>
-        <a:defRPr b="0" i="0" sz="1400" u="none" cap="none" strike="noStrike">
+        <a:defRPr sz="1400" b="0" i="0" u="none" strike="noStrike" cap="none">
           <a:solidFill>
             <a:srgbClr val="000000"/>
           </a:solidFill>
@@ -8645,7 +9018,7 @@
           <a:sym typeface="Arial"/>
         </a:defRPr>
       </a:lvl7pPr>
-      <a:lvl8pPr lvl="7" marR="0" rtl="0" algn="l">
+      <a:lvl8pPr marR="0" lvl="7" algn="l" rtl="0">
         <a:lnSpc>
           <a:spcPct val="100000"/>
         </a:lnSpc>
@@ -8656,7 +9029,7 @@
           <a:spcPts val="0"/>
         </a:spcAft>
         <a:buNone/>
-        <a:defRPr b="0" i="0" sz="1400" u="none" cap="none" strike="noStrike">
+        <a:defRPr sz="1400" b="0" i="0" u="none" strike="noStrike" cap="none">
           <a:solidFill>
             <a:srgbClr val="000000"/>
           </a:solidFill>
@@ -8666,7 +9039,7 @@
           <a:sym typeface="Arial"/>
         </a:defRPr>
       </a:lvl8pPr>
-      <a:lvl9pPr lvl="8" marR="0" rtl="0" algn="l">
+      <a:lvl9pPr marR="0" lvl="8" algn="l" rtl="0">
         <a:lnSpc>
           <a:spcPct val="100000"/>
         </a:lnSpc>
@@ -8677,7 +9050,7 @@
           <a:spcPts val="0"/>
         </a:spcAft>
         <a:buNone/>
-        <a:defRPr b="0" i="0" sz="1400" u="none" cap="none" strike="noStrike">
+        <a:defRPr sz="1400" b="0" i="0" u="none" strike="noStrike" cap="none">
           <a:solidFill>
             <a:srgbClr val="000000"/>
           </a:solidFill>
@@ -8693,11 +9066,11 @@
 </file>
 
 <file path=ppt/slides/slide1.xml><?xml version="1.0" encoding="utf-8"?>
-<p:sld xmlns:a="http://schemas.openxmlformats.org/drawingml/2006/main" xmlns:r="http://schemas.openxmlformats.org/officeDocument/2006/relationships" xmlns:mc="http://schemas.openxmlformats.org/markup-compatibility/2006" xmlns:mv="urn:schemas-microsoft-com:mac:vml" xmlns:p="http://schemas.openxmlformats.org/presentationml/2006/main" xmlns:c="http://schemas.openxmlformats.org/drawingml/2006/chart" xmlns:dgm="http://schemas.openxmlformats.org/drawingml/2006/diagram" xmlns:o="urn:schemas-microsoft-com:office:office" xmlns:v="urn:schemas-microsoft-com:vml" xmlns:pvml="urn:schemas-microsoft-com:office:powerpoint" xmlns:com="http://schemas.openxmlformats.org/drawingml/2006/compatibility" xmlns:p14="http://schemas.microsoft.com/office/powerpoint/2010/main">
+<p:sld xmlns:a="http://schemas.openxmlformats.org/drawingml/2006/main" xmlns:r="http://schemas.openxmlformats.org/officeDocument/2006/relationships" xmlns:p="http://schemas.openxmlformats.org/presentationml/2006/main">
   <p:cSld>
     <p:spTree>
       <p:nvGrpSpPr>
-        <p:cNvPr id="92" name="Shape 92"/>
+        <p:cNvPr id="1" name="Shape 92"/>
         <p:cNvGrpSpPr/>
         <p:nvPr/>
       </p:nvGrpSpPr>
@@ -8712,7 +9085,9 @@
       <p:sp>
         <p:nvSpPr>
           <p:cNvPr id="93" name="Shape 93"/>
-          <p:cNvSpPr txBox="1"/>
+          <p:cNvSpPr txBox="1">
+            <a:spLocks noGrp="1"/>
+          </p:cNvSpPr>
           <p:nvPr>
             <p:ph type="ctrTitle"/>
           </p:nvPr>
@@ -8727,7 +9102,7 @@
           </a:prstGeom>
         </p:spPr>
         <p:txBody>
-          <a:bodyPr anchorCtr="0" anchor="b" bIns="91425" lIns="91425" rIns="91425" tIns="91425">
+          <a:bodyPr lIns="91425" tIns="91425" rIns="91425" bIns="91425" anchor="b" anchorCtr="0">
             <a:noAutofit/>
           </a:bodyPr>
           <a:lstStyle/>
@@ -8748,9 +9123,11 @@
       <p:sp>
         <p:nvSpPr>
           <p:cNvPr id="94" name="Shape 94"/>
-          <p:cNvSpPr txBox="1"/>
+          <p:cNvSpPr txBox="1">
+            <a:spLocks noGrp="1"/>
+          </p:cNvSpPr>
           <p:nvPr>
-            <p:ph idx="1" type="subTitle"/>
+            <p:ph type="subTitle" idx="1"/>
           </p:nvPr>
         </p:nvSpPr>
         <p:spPr>
@@ -8763,7 +9140,7 @@
           </a:prstGeom>
         </p:spPr>
         <p:txBody>
-          <a:bodyPr anchorCtr="0" anchor="t" bIns="91425" lIns="91425" rIns="91425" tIns="91425">
+          <a:bodyPr lIns="91425" tIns="91425" rIns="91425" bIns="91425" anchor="t" anchorCtr="0">
             <a:noAutofit/>
           </a:bodyPr>
           <a:lstStyle/>
@@ -8790,11 +9167,11 @@
 </file>
 
 <file path=ppt/slides/slide10.xml><?xml version="1.0" encoding="utf-8"?>
-<p:sld xmlns:a="http://schemas.openxmlformats.org/drawingml/2006/main" xmlns:r="http://schemas.openxmlformats.org/officeDocument/2006/relationships" xmlns:mc="http://schemas.openxmlformats.org/markup-compatibility/2006" xmlns:mv="urn:schemas-microsoft-com:mac:vml" xmlns:p="http://schemas.openxmlformats.org/presentationml/2006/main" xmlns:c="http://schemas.openxmlformats.org/drawingml/2006/chart" xmlns:dgm="http://schemas.openxmlformats.org/drawingml/2006/diagram" xmlns:o="urn:schemas-microsoft-com:office:office" xmlns:v="urn:schemas-microsoft-com:vml" xmlns:pvml="urn:schemas-microsoft-com:office:powerpoint" xmlns:com="http://schemas.openxmlformats.org/drawingml/2006/compatibility" xmlns:p14="http://schemas.microsoft.com/office/powerpoint/2010/main">
+<p:sld xmlns:a="http://schemas.openxmlformats.org/drawingml/2006/main" xmlns:r="http://schemas.openxmlformats.org/officeDocument/2006/relationships" xmlns:p="http://schemas.openxmlformats.org/presentationml/2006/main">
   <p:cSld>
     <p:spTree>
       <p:nvGrpSpPr>
-        <p:cNvPr id="168" name="Shape 168"/>
+        <p:cNvPr id="1" name="Shape 168"/>
         <p:cNvGrpSpPr/>
         <p:nvPr/>
       </p:nvGrpSpPr>
@@ -8809,7 +9186,9 @@
       <p:sp>
         <p:nvSpPr>
           <p:cNvPr id="169" name="Shape 169"/>
-          <p:cNvSpPr txBox="1"/>
+          <p:cNvSpPr txBox="1">
+            <a:spLocks noGrp="1"/>
+          </p:cNvSpPr>
           <p:nvPr>
             <p:ph type="title"/>
           </p:nvPr>
@@ -8824,7 +9203,7 @@
           </a:prstGeom>
         </p:spPr>
         <p:txBody>
-          <a:bodyPr anchorCtr="0" anchor="ctr" bIns="91425" lIns="91425" rIns="91425" tIns="91425">
+          <a:bodyPr lIns="91425" tIns="91425" rIns="91425" bIns="91425" anchor="ctr" anchorCtr="0">
             <a:noAutofit/>
           </a:bodyPr>
           <a:lstStyle/>
@@ -8851,11 +9230,11 @@
 </file>
 
 <file path=ppt/slides/slide2.xml><?xml version="1.0" encoding="utf-8"?>
-<p:sld xmlns:a="http://schemas.openxmlformats.org/drawingml/2006/main" xmlns:r="http://schemas.openxmlformats.org/officeDocument/2006/relationships" xmlns:mc="http://schemas.openxmlformats.org/markup-compatibility/2006" xmlns:mv="urn:schemas-microsoft-com:mac:vml" xmlns:p="http://schemas.openxmlformats.org/presentationml/2006/main" xmlns:c="http://schemas.openxmlformats.org/drawingml/2006/chart" xmlns:dgm="http://schemas.openxmlformats.org/drawingml/2006/diagram" xmlns:o="urn:schemas-microsoft-com:office:office" xmlns:v="urn:schemas-microsoft-com:vml" xmlns:pvml="urn:schemas-microsoft-com:office:powerpoint" xmlns:com="http://schemas.openxmlformats.org/drawingml/2006/compatibility" xmlns:p14="http://schemas.microsoft.com/office/powerpoint/2010/main">
+<p:sld xmlns:a="http://schemas.openxmlformats.org/drawingml/2006/main" xmlns:r="http://schemas.openxmlformats.org/officeDocument/2006/relationships" xmlns:p="http://schemas.openxmlformats.org/presentationml/2006/main">
   <p:cSld>
     <p:spTree>
       <p:nvGrpSpPr>
-        <p:cNvPr id="99" name="Shape 99"/>
+        <p:cNvPr id="1" name="Shape 99"/>
         <p:cNvGrpSpPr/>
         <p:nvPr/>
       </p:nvGrpSpPr>
@@ -8870,7 +9249,9 @@
       <p:sp>
         <p:nvSpPr>
           <p:cNvPr id="100" name="Shape 100"/>
-          <p:cNvSpPr txBox="1"/>
+          <p:cNvSpPr txBox="1">
+            <a:spLocks noGrp="1"/>
+          </p:cNvSpPr>
           <p:nvPr>
             <p:ph type="title"/>
           </p:nvPr>
@@ -8885,7 +9266,7 @@
           </a:prstGeom>
         </p:spPr>
         <p:txBody>
-          <a:bodyPr anchorCtr="0" anchor="t" bIns="91425" lIns="91425" rIns="91425" tIns="91425">
+          <a:bodyPr lIns="91425" tIns="91425" rIns="91425" bIns="91425" anchor="t" anchorCtr="0">
             <a:noAutofit/>
           </a:bodyPr>
           <a:lstStyle/>
@@ -8906,9 +9287,11 @@
       <p:sp>
         <p:nvSpPr>
           <p:cNvPr id="101" name="Shape 101"/>
-          <p:cNvSpPr txBox="1"/>
+          <p:cNvSpPr txBox="1">
+            <a:spLocks noGrp="1"/>
+          </p:cNvSpPr>
           <p:nvPr>
-            <p:ph idx="1" type="body"/>
+            <p:ph type="body" idx="1"/>
           </p:nvPr>
         </p:nvSpPr>
         <p:spPr>
@@ -8921,12 +9304,12 @@
           </a:prstGeom>
         </p:spPr>
         <p:txBody>
-          <a:bodyPr anchorCtr="0" anchor="t" bIns="91425" lIns="91425" rIns="91425" tIns="91425">
+          <a:bodyPr lIns="91425" tIns="91425" rIns="91425" bIns="91425" anchor="t" anchorCtr="0">
             <a:noAutofit/>
           </a:bodyPr>
           <a:lstStyle/>
           <a:p>
-            <a:pPr indent="-228600" lvl="0" marL="457200" rtl="0">
+            <a:pPr marL="457200" lvl="0" indent="-228600" rtl="0">
               <a:spcBef>
                 <a:spcPts val="0"/>
               </a:spcBef>
@@ -8937,7 +9320,7 @@
             </a:r>
           </a:p>
           <a:p>
-            <a:pPr indent="-228600" lvl="0" marL="457200" rtl="0">
+            <a:pPr marL="457200" lvl="0" indent="-228600" rtl="0">
               <a:spcBef>
                 <a:spcPts val="0"/>
               </a:spcBef>
@@ -8948,7 +9331,7 @@
             </a:r>
           </a:p>
           <a:p>
-            <a:pPr indent="-228600" lvl="0" marL="457200" rtl="0">
+            <a:pPr marL="457200" lvl="0" indent="-228600" rtl="0">
               <a:spcBef>
                 <a:spcPts val="0"/>
               </a:spcBef>
@@ -8959,7 +9342,7 @@
             </a:r>
           </a:p>
           <a:p>
-            <a:pPr indent="-228600" lvl="1" marL="914400" rtl="0">
+            <a:pPr marL="914400" lvl="1" indent="-228600" rtl="0">
               <a:spcBef>
                 <a:spcPts val="0"/>
               </a:spcBef>
@@ -8980,11 +9363,11 @@
 </file>
 
 <file path=ppt/slides/slide3.xml><?xml version="1.0" encoding="utf-8"?>
-<p:sld xmlns:a="http://schemas.openxmlformats.org/drawingml/2006/main" xmlns:r="http://schemas.openxmlformats.org/officeDocument/2006/relationships" xmlns:mc="http://schemas.openxmlformats.org/markup-compatibility/2006" xmlns:mv="urn:schemas-microsoft-com:mac:vml" xmlns:p="http://schemas.openxmlformats.org/presentationml/2006/main" xmlns:c="http://schemas.openxmlformats.org/drawingml/2006/chart" xmlns:dgm="http://schemas.openxmlformats.org/drawingml/2006/diagram" xmlns:o="urn:schemas-microsoft-com:office:office" xmlns:v="urn:schemas-microsoft-com:vml" xmlns:pvml="urn:schemas-microsoft-com:office:powerpoint" xmlns:com="http://schemas.openxmlformats.org/drawingml/2006/compatibility" xmlns:p14="http://schemas.microsoft.com/office/powerpoint/2010/main">
+<p:sld xmlns:a="http://schemas.openxmlformats.org/drawingml/2006/main" xmlns:r="http://schemas.openxmlformats.org/officeDocument/2006/relationships" xmlns:p="http://schemas.openxmlformats.org/presentationml/2006/main">
   <p:cSld>
     <p:spTree>
       <p:nvGrpSpPr>
-        <p:cNvPr id="106" name="Shape 106"/>
+        <p:cNvPr id="1" name="Shape 106"/>
         <p:cNvGrpSpPr/>
         <p:nvPr/>
       </p:nvGrpSpPr>
@@ -8999,7 +9382,9 @@
       <p:sp>
         <p:nvSpPr>
           <p:cNvPr id="107" name="Shape 107"/>
-          <p:cNvSpPr txBox="1"/>
+          <p:cNvSpPr txBox="1">
+            <a:spLocks noGrp="1"/>
+          </p:cNvSpPr>
           <p:nvPr>
             <p:ph type="title"/>
           </p:nvPr>
@@ -9014,7 +9399,7 @@
           </a:prstGeom>
         </p:spPr>
         <p:txBody>
-          <a:bodyPr anchorCtr="0" anchor="t" bIns="91425" lIns="91425" rIns="91425" tIns="91425">
+          <a:bodyPr lIns="91425" tIns="91425" rIns="91425" bIns="91425" anchor="t" anchorCtr="0">
             <a:noAutofit/>
           </a:bodyPr>
           <a:lstStyle/>
@@ -9034,17 +9419,19 @@
       </p:sp>
       <p:pic>
         <p:nvPicPr>
-          <p:cNvPr descr="Screen Shot 2016-06-21 at 3.52.57 PM.png" id="108" name="Shape 108"/>
-          <p:cNvPicPr preferRelativeResize="0"/>
+          <p:cNvPr id="108" name="Shape 108" descr="Screen Shot 2016-06-21 at 3.52.57 PM.png"/>
+          <p:cNvPicPr preferRelativeResize="0">
+            <a:picLocks noGrp="1"/>
+          </p:cNvPicPr>
           <p:nvPr>
-            <p:ph idx="1" type="body"/>
+            <p:ph type="body" idx="1"/>
           </p:nvPr>
         </p:nvPicPr>
         <p:blipFill rotWithShape="1">
           <a:blip r:embed="rId3">
             <a:alphaModFix/>
           </a:blip>
-          <a:srcRect b="-166565" l="0" r="0" t="-166522"/>
+          <a:srcRect t="-166522" b="-166565"/>
           <a:stretch/>
         </p:blipFill>
         <p:spPr>
@@ -9076,14 +9463,14 @@
             <a:avLst/>
           </a:prstGeom>
           <a:noFill/>
-          <a:ln cap="flat" cmpd="sng" w="38100">
+          <a:ln w="38100" cap="flat" cmpd="sng">
             <a:solidFill>
               <a:srgbClr val="000000"/>
             </a:solidFill>
             <a:prstDash val="solid"/>
             <a:round/>
-            <a:headEnd len="med" w="med" type="none"/>
-            <a:tailEnd len="lg" w="lg" type="stealth"/>
+            <a:headEnd type="none" w="med" len="med"/>
+            <a:tailEnd type="stealth" w="lg" len="lg"/>
           </a:ln>
         </p:spPr>
       </p:cxnSp>
@@ -9107,12 +9494,12 @@
           </a:ln>
         </p:spPr>
         <p:txBody>
-          <a:bodyPr anchorCtr="0" anchor="t" bIns="45700" lIns="91425" rIns="91425" tIns="45700">
+          <a:bodyPr lIns="91425" tIns="45700" rIns="91425" bIns="45700" anchor="t" anchorCtr="0">
             <a:noAutofit/>
           </a:bodyPr>
           <a:lstStyle/>
           <a:p>
-            <a:pPr indent="0" lvl="0" marL="0" marR="0" rtl="0" algn="l">
+            <a:pPr marL="0" marR="0" lvl="0" indent="0" algn="l" rtl="0">
               <a:spcBef>
                 <a:spcPts val="0"/>
               </a:spcBef>
@@ -9143,11 +9530,11 @@
 </file>
 
 <file path=ppt/slides/slide4.xml><?xml version="1.0" encoding="utf-8"?>
-<p:sld xmlns:a="http://schemas.openxmlformats.org/drawingml/2006/main" xmlns:r="http://schemas.openxmlformats.org/officeDocument/2006/relationships" xmlns:mc="http://schemas.openxmlformats.org/markup-compatibility/2006" xmlns:mv="urn:schemas-microsoft-com:mac:vml" xmlns:p="http://schemas.openxmlformats.org/presentationml/2006/main" xmlns:c="http://schemas.openxmlformats.org/drawingml/2006/chart" xmlns:dgm="http://schemas.openxmlformats.org/drawingml/2006/diagram" xmlns:o="urn:schemas-microsoft-com:office:office" xmlns:v="urn:schemas-microsoft-com:vml" xmlns:pvml="urn:schemas-microsoft-com:office:powerpoint" xmlns:com="http://schemas.openxmlformats.org/drawingml/2006/compatibility" xmlns:p14="http://schemas.microsoft.com/office/powerpoint/2010/main">
+<p:sld xmlns:a="http://schemas.openxmlformats.org/drawingml/2006/main" xmlns:r="http://schemas.openxmlformats.org/officeDocument/2006/relationships" xmlns:p="http://schemas.openxmlformats.org/presentationml/2006/main">
   <p:cSld>
     <p:spTree>
       <p:nvGrpSpPr>
-        <p:cNvPr id="115" name="Shape 115"/>
+        <p:cNvPr id="1" name="Shape 115"/>
         <p:cNvGrpSpPr/>
         <p:nvPr/>
       </p:nvGrpSpPr>
@@ -9162,7 +9549,9 @@
       <p:sp>
         <p:nvSpPr>
           <p:cNvPr id="116" name="Shape 116"/>
-          <p:cNvSpPr txBox="1"/>
+          <p:cNvSpPr txBox="1">
+            <a:spLocks noGrp="1"/>
+          </p:cNvSpPr>
           <p:nvPr>
             <p:ph type="title"/>
           </p:nvPr>
@@ -9177,7 +9566,7 @@
           </a:prstGeom>
         </p:spPr>
         <p:txBody>
-          <a:bodyPr anchorCtr="0" anchor="t" bIns="91425" lIns="91425" rIns="91425" tIns="91425">
+          <a:bodyPr lIns="91425" tIns="91425" rIns="91425" bIns="91425" anchor="t" anchorCtr="0">
             <a:noAutofit/>
           </a:bodyPr>
           <a:lstStyle/>
@@ -9197,17 +9586,19 @@
       </p:sp>
       <p:pic>
         <p:nvPicPr>
-          <p:cNvPr descr="Screen Shot 2016-06-21 at 3.52.57 PM.png" id="117" name="Shape 117"/>
-          <p:cNvPicPr preferRelativeResize="0"/>
+          <p:cNvPr id="117" name="Shape 117" descr="Screen Shot 2016-06-21 at 3.52.57 PM.png"/>
+          <p:cNvPicPr preferRelativeResize="0">
+            <a:picLocks noGrp="1"/>
+          </p:cNvPicPr>
           <p:nvPr>
-            <p:ph idx="1" type="body"/>
+            <p:ph type="body" idx="1"/>
           </p:nvPr>
         </p:nvPicPr>
         <p:blipFill rotWithShape="1">
           <a:blip r:embed="rId3">
             <a:alphaModFix/>
           </a:blip>
-          <a:srcRect b="-166565" l="0" r="0" t="-166522"/>
+          <a:srcRect t="-166522" b="-166565"/>
           <a:stretch/>
         </p:blipFill>
         <p:spPr>
@@ -9239,14 +9630,14 @@
             <a:avLst/>
           </a:prstGeom>
           <a:noFill/>
-          <a:ln cap="flat" cmpd="sng" w="38100">
+          <a:ln w="38100" cap="flat" cmpd="sng">
             <a:solidFill>
               <a:srgbClr val="000000"/>
             </a:solidFill>
             <a:prstDash val="solid"/>
             <a:round/>
-            <a:headEnd len="med" w="med" type="none"/>
-            <a:tailEnd len="lg" w="lg" type="stealth"/>
+            <a:headEnd type="none" w="med" len="med"/>
+            <a:tailEnd type="stealth" w="lg" len="lg"/>
           </a:ln>
         </p:spPr>
       </p:cxnSp>
@@ -9265,14 +9656,14 @@
             <a:avLst/>
           </a:prstGeom>
           <a:noFill/>
-          <a:ln cap="flat" cmpd="sng" w="38100">
+          <a:ln w="38100" cap="flat" cmpd="sng">
             <a:solidFill>
               <a:srgbClr val="000000"/>
             </a:solidFill>
             <a:prstDash val="solid"/>
             <a:round/>
-            <a:headEnd len="med" w="med" type="none"/>
-            <a:tailEnd len="lg" w="lg" type="stealth"/>
+            <a:headEnd type="none" w="med" len="med"/>
+            <a:tailEnd type="stealth" w="lg" len="lg"/>
           </a:ln>
         </p:spPr>
       </p:cxnSp>
@@ -9296,12 +9687,12 @@
           </a:ln>
         </p:spPr>
         <p:txBody>
-          <a:bodyPr anchorCtr="0" anchor="t" bIns="45700" lIns="91425" rIns="91425" tIns="45700">
+          <a:bodyPr lIns="91425" tIns="45700" rIns="91425" bIns="45700" anchor="t" anchorCtr="0">
             <a:noAutofit/>
           </a:bodyPr>
           <a:lstStyle/>
           <a:p>
-            <a:pPr indent="0" lvl="0" marL="0" marR="0" rtl="0" algn="l">
+            <a:pPr marL="0" marR="0" lvl="0" indent="0" algn="l" rtl="0">
               <a:spcBef>
                 <a:spcPts val="0"/>
               </a:spcBef>
@@ -9343,12 +9734,12 @@
           </a:ln>
         </p:spPr>
         <p:txBody>
-          <a:bodyPr anchorCtr="0" anchor="t" bIns="45700" lIns="91425" rIns="91425" tIns="45700">
+          <a:bodyPr lIns="91425" tIns="45700" rIns="91425" bIns="45700" anchor="t" anchorCtr="0">
             <a:noAutofit/>
           </a:bodyPr>
           <a:lstStyle/>
           <a:p>
-            <a:pPr indent="0" lvl="0" marL="0" marR="0" rtl="0" algn="l">
+            <a:pPr marL="0" marR="0" lvl="0" indent="0" algn="l" rtl="0">
               <a:spcBef>
                 <a:spcPts val="0"/>
               </a:spcBef>
@@ -9379,11 +9770,11 @@
 </file>
 
 <file path=ppt/slides/slide5.xml><?xml version="1.0" encoding="utf-8"?>
-<p:sld xmlns:a="http://schemas.openxmlformats.org/drawingml/2006/main" xmlns:r="http://schemas.openxmlformats.org/officeDocument/2006/relationships" xmlns:mc="http://schemas.openxmlformats.org/markup-compatibility/2006" xmlns:mv="urn:schemas-microsoft-com:mac:vml" xmlns:p="http://schemas.openxmlformats.org/presentationml/2006/main" xmlns:c="http://schemas.openxmlformats.org/drawingml/2006/chart" xmlns:dgm="http://schemas.openxmlformats.org/drawingml/2006/diagram" xmlns:o="urn:schemas-microsoft-com:office:office" xmlns:v="urn:schemas-microsoft-com:vml" xmlns:pvml="urn:schemas-microsoft-com:office:powerpoint" xmlns:com="http://schemas.openxmlformats.org/drawingml/2006/compatibility" xmlns:p14="http://schemas.microsoft.com/office/powerpoint/2010/main">
+<p:sld xmlns:a="http://schemas.openxmlformats.org/drawingml/2006/main" xmlns:r="http://schemas.openxmlformats.org/officeDocument/2006/relationships" xmlns:p="http://schemas.openxmlformats.org/presentationml/2006/main">
   <p:cSld>
     <p:spTree>
       <p:nvGrpSpPr>
-        <p:cNvPr id="126" name="Shape 126"/>
+        <p:cNvPr id="1" name="Shape 126"/>
         <p:cNvGrpSpPr/>
         <p:nvPr/>
       </p:nvGrpSpPr>
@@ -9398,7 +9789,9 @@
       <p:sp>
         <p:nvSpPr>
           <p:cNvPr id="127" name="Shape 127"/>
-          <p:cNvSpPr txBox="1"/>
+          <p:cNvSpPr txBox="1">
+            <a:spLocks noGrp="1"/>
+          </p:cNvSpPr>
           <p:nvPr>
             <p:ph type="title"/>
           </p:nvPr>
@@ -9413,7 +9806,7 @@
           </a:prstGeom>
         </p:spPr>
         <p:txBody>
-          <a:bodyPr anchorCtr="0" anchor="t" bIns="91425" lIns="91425" rIns="91425" tIns="91425">
+          <a:bodyPr lIns="91425" tIns="91425" rIns="91425" bIns="91425" anchor="t" anchorCtr="0">
             <a:noAutofit/>
           </a:bodyPr>
           <a:lstStyle/>
@@ -9433,17 +9826,19 @@
       </p:sp>
       <p:pic>
         <p:nvPicPr>
-          <p:cNvPr descr="Screen Shot 2016-06-21 at 3.52.57 PM.png" id="128" name="Shape 128"/>
-          <p:cNvPicPr preferRelativeResize="0"/>
+          <p:cNvPr id="128" name="Shape 128" descr="Screen Shot 2016-06-21 at 3.52.57 PM.png"/>
+          <p:cNvPicPr preferRelativeResize="0">
+            <a:picLocks noGrp="1"/>
+          </p:cNvPicPr>
           <p:nvPr>
-            <p:ph idx="1" type="body"/>
+            <p:ph type="body" idx="1"/>
           </p:nvPr>
         </p:nvPicPr>
         <p:blipFill rotWithShape="1">
           <a:blip r:embed="rId3">
             <a:alphaModFix/>
           </a:blip>
-          <a:srcRect b="-166565" l="0" r="0" t="-166522"/>
+          <a:srcRect t="-166522" b="-166565"/>
           <a:stretch/>
         </p:blipFill>
         <p:spPr>
@@ -9475,14 +9870,14 @@
             <a:avLst/>
           </a:prstGeom>
           <a:noFill/>
-          <a:ln cap="flat" cmpd="sng" w="38100">
+          <a:ln w="38100" cap="flat" cmpd="sng">
             <a:solidFill>
               <a:srgbClr val="000000"/>
             </a:solidFill>
             <a:prstDash val="solid"/>
             <a:round/>
-            <a:headEnd len="med" w="med" type="none"/>
-            <a:tailEnd len="lg" w="lg" type="stealth"/>
+            <a:headEnd type="none" w="med" len="med"/>
+            <a:tailEnd type="stealth" w="lg" len="lg"/>
           </a:ln>
         </p:spPr>
       </p:cxnSp>
@@ -9501,14 +9896,14 @@
             <a:avLst/>
           </a:prstGeom>
           <a:noFill/>
-          <a:ln cap="flat" cmpd="sng" w="38100">
+          <a:ln w="38100" cap="flat" cmpd="sng">
             <a:solidFill>
               <a:srgbClr val="000000"/>
             </a:solidFill>
             <a:prstDash val="solid"/>
             <a:round/>
-            <a:headEnd len="med" w="med" type="none"/>
-            <a:tailEnd len="lg" w="lg" type="stealth"/>
+            <a:headEnd type="none" w="med" len="med"/>
+            <a:tailEnd type="stealth" w="lg" len="lg"/>
           </a:ln>
         </p:spPr>
       </p:cxnSp>
@@ -9527,14 +9922,14 @@
             <a:avLst/>
           </a:prstGeom>
           <a:noFill/>
-          <a:ln cap="flat" cmpd="sng" w="38100">
+          <a:ln w="38100" cap="flat" cmpd="sng">
             <a:solidFill>
               <a:srgbClr val="000000"/>
             </a:solidFill>
             <a:prstDash val="solid"/>
             <a:round/>
-            <a:headEnd len="med" w="med" type="none"/>
-            <a:tailEnd len="lg" w="lg" type="stealth"/>
+            <a:headEnd type="none" w="med" len="med"/>
+            <a:tailEnd type="stealth" w="lg" len="lg"/>
           </a:ln>
         </p:spPr>
       </p:cxnSp>
@@ -9558,12 +9953,12 @@
           </a:ln>
         </p:spPr>
         <p:txBody>
-          <a:bodyPr anchorCtr="0" anchor="t" bIns="45700" lIns="91425" rIns="91425" tIns="45700">
+          <a:bodyPr lIns="91425" tIns="45700" rIns="91425" bIns="45700" anchor="t" anchorCtr="0">
             <a:noAutofit/>
           </a:bodyPr>
           <a:lstStyle/>
           <a:p>
-            <a:pPr indent="0" lvl="0" marL="0" marR="0" rtl="0" algn="l">
+            <a:pPr marL="0" marR="0" lvl="0" indent="0" algn="l" rtl="0">
               <a:spcBef>
                 <a:spcPts val="0"/>
               </a:spcBef>
@@ -9605,12 +10000,12 @@
           </a:ln>
         </p:spPr>
         <p:txBody>
-          <a:bodyPr anchorCtr="0" anchor="t" bIns="45700" lIns="91425" rIns="91425" tIns="45700">
+          <a:bodyPr lIns="91425" tIns="45700" rIns="91425" bIns="45700" anchor="t" anchorCtr="0">
             <a:noAutofit/>
           </a:bodyPr>
           <a:lstStyle/>
           <a:p>
-            <a:pPr indent="0" lvl="0" marL="0" marR="0" rtl="0" algn="l">
+            <a:pPr marL="0" marR="0" lvl="0" indent="0" algn="l" rtl="0">
               <a:spcBef>
                 <a:spcPts val="0"/>
               </a:spcBef>
@@ -9627,19 +10022,7 @@
                 <a:cs typeface="Source Sans Pro"/>
                 <a:sym typeface="Source Sans Pro"/>
               </a:rPr>
-              <a:t>Which directory you are currently in. </a:t>
-            </a:r>
-            <a:r>
-              <a:rPr lang="en-US" sz="1800">
-                <a:solidFill>
-                  <a:schemeClr val="dk1"/>
-                </a:solidFill>
-                <a:latin typeface="Source Sans Pro"/>
-                <a:ea typeface="Source Sans Pro"/>
-                <a:cs typeface="Source Sans Pro"/>
-                <a:sym typeface="Source Sans Pro"/>
-              </a:rPr>
-              <a:t>~ means home </a:t>
+              <a:t>Which directory you are currently in. ~ means home </a:t>
             </a:r>
           </a:p>
         </p:txBody>
@@ -9664,12 +10047,12 @@
           </a:ln>
         </p:spPr>
         <p:txBody>
-          <a:bodyPr anchorCtr="0" anchor="t" bIns="45700" lIns="91425" rIns="91425" tIns="45700">
+          <a:bodyPr lIns="91425" tIns="45700" rIns="91425" bIns="45700" anchor="t" anchorCtr="0">
             <a:noAutofit/>
           </a:bodyPr>
           <a:lstStyle/>
           <a:p>
-            <a:pPr indent="0" lvl="0" marL="0" marR="0" rtl="0" algn="l">
+            <a:pPr marL="0" marR="0" lvl="0" indent="0" algn="l" rtl="0">
               <a:spcBef>
                 <a:spcPts val="0"/>
               </a:spcBef>
@@ -9700,11 +10083,11 @@
 </file>
 
 <file path=ppt/slides/slide6.xml><?xml version="1.0" encoding="utf-8"?>
-<p:sld xmlns:a="http://schemas.openxmlformats.org/drawingml/2006/main" xmlns:r="http://schemas.openxmlformats.org/officeDocument/2006/relationships" xmlns:mc="http://schemas.openxmlformats.org/markup-compatibility/2006" xmlns:mv="urn:schemas-microsoft-com:mac:vml" xmlns:p="http://schemas.openxmlformats.org/presentationml/2006/main" xmlns:c="http://schemas.openxmlformats.org/drawingml/2006/chart" xmlns:dgm="http://schemas.openxmlformats.org/drawingml/2006/diagram" xmlns:o="urn:schemas-microsoft-com:office:office" xmlns:v="urn:schemas-microsoft-com:vml" xmlns:pvml="urn:schemas-microsoft-com:office:powerpoint" xmlns:com="http://schemas.openxmlformats.org/drawingml/2006/compatibility" xmlns:p14="http://schemas.microsoft.com/office/powerpoint/2010/main">
+<p:sld xmlns:a="http://schemas.openxmlformats.org/drawingml/2006/main" xmlns:r="http://schemas.openxmlformats.org/officeDocument/2006/relationships" xmlns:p="http://schemas.openxmlformats.org/presentationml/2006/main">
   <p:cSld>
     <p:spTree>
       <p:nvGrpSpPr>
-        <p:cNvPr id="139" name="Shape 139"/>
+        <p:cNvPr id="1" name="Shape 139"/>
         <p:cNvGrpSpPr/>
         <p:nvPr/>
       </p:nvGrpSpPr>
@@ -9719,7 +10102,9 @@
       <p:sp>
         <p:nvSpPr>
           <p:cNvPr id="140" name="Shape 140"/>
-          <p:cNvSpPr txBox="1"/>
+          <p:cNvSpPr txBox="1">
+            <a:spLocks noGrp="1"/>
+          </p:cNvSpPr>
           <p:nvPr>
             <p:ph type="title"/>
           </p:nvPr>
@@ -9734,7 +10119,7 @@
           </a:prstGeom>
         </p:spPr>
         <p:txBody>
-          <a:bodyPr anchorCtr="0" anchor="ctr" bIns="91425" lIns="91425" rIns="91425" tIns="91425">
+          <a:bodyPr lIns="91425" tIns="91425" rIns="91425" bIns="91425" anchor="ctr" anchorCtr="0">
             <a:noAutofit/>
           </a:bodyPr>
           <a:lstStyle/>
@@ -9754,17 +10139,19 @@
       </p:sp>
       <p:pic>
         <p:nvPicPr>
-          <p:cNvPr descr="Screen Shot 2016-06-21 at 4.02.16 PM.png" id="141" name="Shape 141"/>
-          <p:cNvPicPr preferRelativeResize="0"/>
+          <p:cNvPr id="141" name="Shape 141" descr="Screen Shot 2016-06-21 at 4.02.16 PM.png"/>
+          <p:cNvPicPr preferRelativeResize="0">
+            <a:picLocks noGrp="1"/>
+          </p:cNvPicPr>
           <p:nvPr>
-            <p:ph idx="4294967295" type="body"/>
+            <p:ph type="body" idx="4294967295"/>
           </p:nvPr>
         </p:nvPicPr>
         <p:blipFill rotWithShape="1">
           <a:blip r:embed="rId3">
             <a:alphaModFix/>
           </a:blip>
-          <a:srcRect b="-212054" l="0" r="0" t="-212054"/>
+          <a:srcRect t="-212054" b="-212054"/>
           <a:stretch/>
         </p:blipFill>
         <p:spPr>
@@ -9790,11 +10177,11 @@
 </file>
 
 <file path=ppt/slides/slide7.xml><?xml version="1.0" encoding="utf-8"?>
-<p:sld xmlns:a="http://schemas.openxmlformats.org/drawingml/2006/main" xmlns:r="http://schemas.openxmlformats.org/officeDocument/2006/relationships" xmlns:mc="http://schemas.openxmlformats.org/markup-compatibility/2006" xmlns:mv="urn:schemas-microsoft-com:mac:vml" xmlns:p="http://schemas.openxmlformats.org/presentationml/2006/main" xmlns:c="http://schemas.openxmlformats.org/drawingml/2006/chart" xmlns:dgm="http://schemas.openxmlformats.org/drawingml/2006/diagram" xmlns:o="urn:schemas-microsoft-com:office:office" xmlns:v="urn:schemas-microsoft-com:vml" xmlns:pvml="urn:schemas-microsoft-com:office:powerpoint" xmlns:com="http://schemas.openxmlformats.org/drawingml/2006/compatibility" xmlns:p14="http://schemas.microsoft.com/office/powerpoint/2010/main">
+<p:sld xmlns:a="http://schemas.openxmlformats.org/drawingml/2006/main" xmlns:r="http://schemas.openxmlformats.org/officeDocument/2006/relationships" xmlns:p="http://schemas.openxmlformats.org/presentationml/2006/main">
   <p:cSld>
     <p:spTree>
       <p:nvGrpSpPr>
-        <p:cNvPr id="146" name="Shape 146"/>
+        <p:cNvPr id="1" name="Shape 146"/>
         <p:cNvGrpSpPr/>
         <p:nvPr/>
       </p:nvGrpSpPr>
@@ -9809,7 +10196,9 @@
       <p:sp>
         <p:nvSpPr>
           <p:cNvPr id="147" name="Shape 147"/>
-          <p:cNvSpPr txBox="1"/>
+          <p:cNvSpPr txBox="1">
+            <a:spLocks noGrp="1"/>
+          </p:cNvSpPr>
           <p:nvPr>
             <p:ph type="title"/>
           </p:nvPr>
@@ -9824,7 +10213,7 @@
           </a:prstGeom>
         </p:spPr>
         <p:txBody>
-          <a:bodyPr anchorCtr="0" anchor="t" bIns="91425" lIns="91425" rIns="91425" tIns="91425">
+          <a:bodyPr lIns="91425" tIns="91425" rIns="91425" bIns="91425" anchor="t" anchorCtr="0">
             <a:noAutofit/>
           </a:bodyPr>
           <a:lstStyle/>
@@ -9845,9 +10234,11 @@
       <p:sp>
         <p:nvSpPr>
           <p:cNvPr id="148" name="Shape 148"/>
-          <p:cNvSpPr txBox="1"/>
+          <p:cNvSpPr txBox="1">
+            <a:spLocks noGrp="1"/>
+          </p:cNvSpPr>
           <p:nvPr>
-            <p:ph idx="1" type="body"/>
+            <p:ph type="body" idx="1"/>
           </p:nvPr>
         </p:nvSpPr>
         <p:spPr>
@@ -9860,7 +10251,7 @@
           </a:prstGeom>
         </p:spPr>
         <p:txBody>
-          <a:bodyPr anchorCtr="0" anchor="t" bIns="91425" lIns="91425" rIns="91425" tIns="91425">
+          <a:bodyPr lIns="91425" tIns="91425" rIns="91425" bIns="91425" anchor="t" anchorCtr="0">
             <a:noAutofit/>
           </a:bodyPr>
           <a:lstStyle/>
@@ -9875,11 +10266,11 @@
               <a:buNone/>
             </a:pPr>
             <a:r>
-              <a:rPr b="1" lang="en-US"/>
+              <a:rPr lang="en-US" b="1"/>
               <a:t>cd </a:t>
             </a:r>
             <a:r>
-              <a:rPr b="1" i="1" lang="en-US"/>
+              <a:rPr lang="en-US" b="1" i="1"/>
               <a:t>dir</a:t>
             </a:r>
           </a:p>
@@ -9894,7 +10285,7 @@
               <a:buNone/>
             </a:pPr>
             <a:r>
-              <a:rPr b="1" lang="en-US"/>
+              <a:rPr lang="en-US" b="1"/>
               <a:t>ls</a:t>
             </a:r>
           </a:p>
@@ -9909,11 +10300,11 @@
               <a:buNone/>
             </a:pPr>
             <a:r>
-              <a:rPr b="1" lang="en-US"/>
+              <a:rPr lang="en-US" b="1"/>
               <a:t>mkdir </a:t>
             </a:r>
             <a:r>
-              <a:rPr b="1" i="1" lang="en-US"/>
+              <a:rPr lang="en-US" b="1" i="1"/>
               <a:t>dir</a:t>
             </a:r>
           </a:p>
@@ -9928,7 +10319,7 @@
               <a:buNone/>
             </a:pPr>
             <a:r>
-              <a:rPr b="1" lang="en-US"/>
+              <a:rPr lang="en-US" b="1"/>
               <a:t>pwd</a:t>
             </a:r>
           </a:p>
@@ -9943,11 +10334,11 @@
               <a:buNone/>
             </a:pPr>
             <a:r>
-              <a:rPr b="1" lang="en-US"/>
+              <a:rPr lang="en-US" b="1"/>
               <a:t>vi </a:t>
             </a:r>
             <a:r>
-              <a:rPr b="1" i="1" lang="en-US"/>
+              <a:rPr lang="en-US" b="1" i="1"/>
               <a:t>file</a:t>
             </a:r>
           </a:p>
@@ -9961,9 +10352,6 @@
               </a:spcBef>
               <a:buNone/>
             </a:pPr>
-            <a:r>
-              <a:t/>
-            </a:r>
             <a:endParaRPr b="1" i="1"/>
           </a:p>
           <a:p>
@@ -9977,11 +10365,11 @@
               <a:buNone/>
             </a:pPr>
             <a:r>
-              <a:rPr b="1" lang="en-US"/>
+              <a:rPr lang="en-US" b="1"/>
               <a:t>rm </a:t>
             </a:r>
             <a:r>
-              <a:rPr b="1" i="1" lang="en-US"/>
+              <a:rPr lang="en-US" b="1" i="1"/>
               <a:t>file</a:t>
             </a:r>
           </a:p>
@@ -9996,11 +10384,11 @@
               <a:buNone/>
             </a:pPr>
             <a:r>
-              <a:rPr b="1" lang="en-US"/>
+              <a:rPr lang="en-US" b="1"/>
               <a:t>cat </a:t>
             </a:r>
             <a:r>
-              <a:rPr b="1" i="1" lang="en-US"/>
+              <a:rPr lang="en-US" b="1" i="1"/>
               <a:t>file</a:t>
             </a:r>
           </a:p>
@@ -10015,11 +10403,11 @@
               <a:buNone/>
             </a:pPr>
             <a:r>
-              <a:rPr b="1" lang="en-US"/>
+              <a:rPr lang="en-US" b="1"/>
               <a:t>man </a:t>
             </a:r>
             <a:r>
-              <a:rPr b="1" i="1" lang="en-US"/>
+              <a:rPr lang="en-US" b="1" i="1"/>
               <a:t>command</a:t>
             </a:r>
           </a:p>
@@ -10028,9 +10416,11 @@
       <p:sp>
         <p:nvSpPr>
           <p:cNvPr id="149" name="Shape 149"/>
-          <p:cNvSpPr txBox="1"/>
+          <p:cNvSpPr txBox="1">
+            <a:spLocks noGrp="1"/>
+          </p:cNvSpPr>
           <p:nvPr>
-            <p:ph idx="2" type="body"/>
+            <p:ph type="body" idx="2"/>
           </p:nvPr>
         </p:nvSpPr>
         <p:spPr>
@@ -10043,7 +10433,7 @@
           </a:prstGeom>
         </p:spPr>
         <p:txBody>
-          <a:bodyPr anchorCtr="0" anchor="t" bIns="91425" lIns="91425" rIns="91425" tIns="91425">
+          <a:bodyPr lIns="91425" tIns="91425" rIns="91425" bIns="91425" anchor="t" anchorCtr="0">
             <a:noAutofit/>
           </a:bodyPr>
           <a:lstStyle/>
@@ -10058,7 +10448,7 @@
               <a:buNone/>
             </a:pPr>
             <a:r>
-              <a:rPr lang="en-US"/>
+              <a:rPr lang="en-US" dirty="0"/>
               <a:t>change directory: go into this folder</a:t>
             </a:r>
           </a:p>
@@ -10073,7 +10463,7 @@
               <a:buNone/>
             </a:pPr>
             <a:r>
-              <a:rPr lang="en-US"/>
+              <a:rPr lang="en-US" dirty="0"/>
               <a:t>list: display everything in this folder</a:t>
             </a:r>
           </a:p>
@@ -10088,7 +10478,7 @@
               <a:buNone/>
             </a:pPr>
             <a:r>
-              <a:rPr lang="en-US"/>
+              <a:rPr lang="en-US" dirty="0"/>
               <a:t>make directory: create a folder</a:t>
             </a:r>
           </a:p>
@@ -10103,7 +10493,7 @@
               <a:buNone/>
             </a:pPr>
             <a:r>
-              <a:rPr lang="en-US"/>
+              <a:rPr lang="en-US" dirty="0"/>
               <a:t>print working directory: Which folder am I in? </a:t>
             </a:r>
           </a:p>
@@ -10118,24 +10508,24 @@
               <a:buNone/>
             </a:pPr>
             <a:r>
-              <a:rPr lang="en-US"/>
+              <a:rPr lang="en-US" dirty="0"/>
               <a:t>Create </a:t>
             </a:r>
             <a:r>
-              <a:rPr i="1" lang="en-US"/>
+              <a:rPr lang="en-US" i="1" dirty="0"/>
               <a:t>file</a:t>
             </a:r>
             <a:r>
-              <a:rPr lang="en-US"/>
+              <a:rPr lang="en-US" dirty="0"/>
               <a:t> if it does not exist or edit </a:t>
             </a:r>
             <a:r>
-              <a:rPr i="1" lang="en-US"/>
+              <a:rPr lang="en-US" i="1" dirty="0"/>
               <a:t>file</a:t>
             </a:r>
           </a:p>
           <a:p>
-            <a:pPr indent="0" lvl="0" marL="457200" rtl="0">
+            <a:pPr marL="457200" lvl="0" indent="0" rtl="0">
               <a:lnSpc>
                 <a:spcPct val="100000"/>
               </a:lnSpc>
@@ -10145,8 +10535,24 @@
               <a:buNone/>
             </a:pPr>
             <a:r>
-              <a:rPr lang="en-US"/>
-              <a:t>use i to start editing the file and :wq to save and quit</a:t>
+              <a:rPr lang="en-US" dirty="0"/>
+              <a:t>use </a:t>
+            </a:r>
+            <a:r>
+              <a:rPr lang="en-US" dirty="0" err="1"/>
+              <a:t>i</a:t>
+            </a:r>
+            <a:r>
+              <a:rPr lang="en-US" dirty="0"/>
+              <a:t> to start editing the file and :</a:t>
+            </a:r>
+            <a:r>
+              <a:rPr lang="en-US" dirty="0" err="1"/>
+              <a:t>wq</a:t>
+            </a:r>
+            <a:r>
+              <a:rPr lang="en-US" dirty="0"/>
+              <a:t> to save and quit</a:t>
             </a:r>
           </a:p>
           <a:p>
@@ -10160,13 +10566,22 @@
               <a:buNone/>
             </a:pPr>
             <a:r>
-              <a:rPr lang="en-US"/>
+              <a:rPr lang="en-US" dirty="0"/>
               <a:t>remove: deletes </a:t>
             </a:r>
             <a:r>
-              <a:rPr i="1" lang="en-US"/>
+              <a:rPr lang="en-US" i="1" dirty="0" smtClean="0"/>
               <a:t>file</a:t>
             </a:r>
+            <a:r>
+              <a:rPr lang="en-US" dirty="0" smtClean="0"/>
+              <a:t> FOREVER. </a:t>
+            </a:r>
+            <a:r>
+              <a:rPr lang="en-US" dirty="0" smtClean="0"/>
+              <a:t>There is NO way to recover the file!!!</a:t>
+            </a:r>
+            <a:endParaRPr lang="en-US" i="1" dirty="0"/>
           </a:p>
           <a:p>
             <a:pPr lvl="0" rtl="0">
@@ -10179,7 +10594,7 @@
               <a:buNone/>
             </a:pPr>
             <a:r>
-              <a:rPr lang="en-US"/>
+              <a:rPr lang="en-US" dirty="0"/>
               <a:t>concatenate: print out the content of the file onto the terminal</a:t>
             </a:r>
           </a:p>
@@ -10194,12 +10609,12 @@
               <a:buNone/>
             </a:pPr>
             <a:r>
-              <a:rPr lang="en-US"/>
+              <a:rPr lang="en-US" dirty="0"/>
               <a:t>manual: tell me about this command and how to use it</a:t>
             </a:r>
           </a:p>
           <a:p>
-            <a:pPr indent="0" lvl="0" marL="457200" rtl="0">
+            <a:pPr marL="457200" lvl="0" indent="0" rtl="0">
               <a:lnSpc>
                 <a:spcPct val="100000"/>
               </a:lnSpc>
@@ -10209,7 +10624,7 @@
               <a:buNone/>
             </a:pPr>
             <a:r>
-              <a:rPr lang="en-US"/>
+              <a:rPr lang="en-US" dirty="0"/>
               <a:t>use q to exit after using man</a:t>
             </a:r>
           </a:p>
@@ -10224,11 +10639,11 @@
 </file>
 
 <file path=ppt/slides/slide8.xml><?xml version="1.0" encoding="utf-8"?>
-<p:sld xmlns:a="http://schemas.openxmlformats.org/drawingml/2006/main" xmlns:r="http://schemas.openxmlformats.org/officeDocument/2006/relationships" xmlns:mc="http://schemas.openxmlformats.org/markup-compatibility/2006" xmlns:mv="urn:schemas-microsoft-com:mac:vml" xmlns:p="http://schemas.openxmlformats.org/presentationml/2006/main" xmlns:c="http://schemas.openxmlformats.org/drawingml/2006/chart" xmlns:dgm="http://schemas.openxmlformats.org/drawingml/2006/diagram" xmlns:o="urn:schemas-microsoft-com:office:office" xmlns:v="urn:schemas-microsoft-com:vml" xmlns:pvml="urn:schemas-microsoft-com:office:powerpoint" xmlns:com="http://schemas.openxmlformats.org/drawingml/2006/compatibility" xmlns:p14="http://schemas.microsoft.com/office/powerpoint/2010/main">
+<p:sld xmlns:a="http://schemas.openxmlformats.org/drawingml/2006/main" xmlns:r="http://schemas.openxmlformats.org/officeDocument/2006/relationships" xmlns:p="http://schemas.openxmlformats.org/presentationml/2006/main">
   <p:cSld>
     <p:spTree>
       <p:nvGrpSpPr>
-        <p:cNvPr id="154" name="Shape 154"/>
+        <p:cNvPr id="1" name="Shape 154"/>
         <p:cNvGrpSpPr/>
         <p:nvPr/>
       </p:nvGrpSpPr>
@@ -10243,7 +10658,9 @@
       <p:sp>
         <p:nvSpPr>
           <p:cNvPr id="155" name="Shape 155"/>
-          <p:cNvSpPr txBox="1"/>
+          <p:cNvSpPr txBox="1">
+            <a:spLocks noGrp="1"/>
+          </p:cNvSpPr>
           <p:nvPr>
             <p:ph type="title"/>
           </p:nvPr>
@@ -10258,7 +10675,7 @@
           </a:prstGeom>
         </p:spPr>
         <p:txBody>
-          <a:bodyPr anchorCtr="0" anchor="t" bIns="91425" lIns="91425" rIns="91425" tIns="91425">
+          <a:bodyPr lIns="91425" tIns="91425" rIns="91425" bIns="91425" anchor="t" anchorCtr="0">
             <a:noAutofit/>
           </a:bodyPr>
           <a:lstStyle/>
@@ -10279,9 +10696,11 @@
       <p:sp>
         <p:nvSpPr>
           <p:cNvPr id="156" name="Shape 156"/>
-          <p:cNvSpPr txBox="1"/>
+          <p:cNvSpPr txBox="1">
+            <a:spLocks noGrp="1"/>
+          </p:cNvSpPr>
           <p:nvPr>
-            <p:ph idx="1" type="body"/>
+            <p:ph type="body" idx="1"/>
           </p:nvPr>
         </p:nvSpPr>
         <p:spPr>
@@ -10294,12 +10713,12 @@
           </a:prstGeom>
         </p:spPr>
         <p:txBody>
-          <a:bodyPr anchorCtr="0" anchor="t" bIns="91425" lIns="91425" rIns="91425" tIns="91425">
+          <a:bodyPr lIns="91425" tIns="91425" rIns="91425" bIns="91425" anchor="t" anchorCtr="0">
             <a:noAutofit/>
           </a:bodyPr>
           <a:lstStyle/>
           <a:p>
-            <a:pPr indent="-228600" lvl="0" marL="457200" rtl="0">
+            <a:pPr marL="457200" lvl="0" indent="-228600" rtl="0">
               <a:spcBef>
                 <a:spcPts val="0"/>
               </a:spcBef>
@@ -10310,7 +10729,7 @@
             </a:r>
           </a:p>
           <a:p>
-            <a:pPr indent="-228600" lvl="0" marL="457200" rtl="0">
+            <a:pPr marL="457200" lvl="0" indent="-228600" rtl="0">
               <a:spcBef>
                 <a:spcPts val="0"/>
               </a:spcBef>
@@ -10332,7 +10751,7 @@
               <a:t>Hint: You might want to try to use man </a:t>
             </a:r>
             <a:r>
-              <a:rPr i="1" lang="en-US"/>
+              <a:rPr lang="en-US" i="1"/>
               <a:t>command </a:t>
             </a:r>
             <a:r>
@@ -10351,11 +10770,11 @@
 </file>
 
 <file path=ppt/slides/slide9.xml><?xml version="1.0" encoding="utf-8"?>
-<p:sld xmlns:a="http://schemas.openxmlformats.org/drawingml/2006/main" xmlns:r="http://schemas.openxmlformats.org/officeDocument/2006/relationships" xmlns:mc="http://schemas.openxmlformats.org/markup-compatibility/2006" xmlns:mv="urn:schemas-microsoft-com:mac:vml" xmlns:p="http://schemas.openxmlformats.org/presentationml/2006/main" xmlns:c="http://schemas.openxmlformats.org/drawingml/2006/chart" xmlns:dgm="http://schemas.openxmlformats.org/drawingml/2006/diagram" xmlns:o="urn:schemas-microsoft-com:office:office" xmlns:v="urn:schemas-microsoft-com:vml" xmlns:pvml="urn:schemas-microsoft-com:office:powerpoint" xmlns:com="http://schemas.openxmlformats.org/drawingml/2006/compatibility" xmlns:p14="http://schemas.microsoft.com/office/powerpoint/2010/main">
+<p:sld xmlns:a="http://schemas.openxmlformats.org/drawingml/2006/main" xmlns:r="http://schemas.openxmlformats.org/officeDocument/2006/relationships" xmlns:p="http://schemas.openxmlformats.org/presentationml/2006/main">
   <p:cSld>
     <p:spTree>
       <p:nvGrpSpPr>
-        <p:cNvPr id="161" name="Shape 161"/>
+        <p:cNvPr id="1" name="Shape 161"/>
         <p:cNvGrpSpPr/>
         <p:nvPr/>
       </p:nvGrpSpPr>
@@ -10370,7 +10789,9 @@
       <p:sp>
         <p:nvSpPr>
           <p:cNvPr id="162" name="Shape 162"/>
-          <p:cNvSpPr txBox="1"/>
+          <p:cNvSpPr txBox="1">
+            <a:spLocks noGrp="1"/>
+          </p:cNvSpPr>
           <p:nvPr>
             <p:ph type="title"/>
           </p:nvPr>
@@ -10385,7 +10806,7 @@
           </a:prstGeom>
         </p:spPr>
         <p:txBody>
-          <a:bodyPr anchorCtr="0" anchor="t" bIns="91425" lIns="91425" rIns="91425" tIns="91425">
+          <a:bodyPr lIns="91425" tIns="91425" rIns="91425" bIns="91425" anchor="t" anchorCtr="0">
             <a:noAutofit/>
           </a:bodyPr>
           <a:lstStyle/>
@@ -10406,9 +10827,11 @@
       <p:sp>
         <p:nvSpPr>
           <p:cNvPr id="163" name="Shape 163"/>
-          <p:cNvSpPr txBox="1"/>
+          <p:cNvSpPr txBox="1">
+            <a:spLocks noGrp="1"/>
+          </p:cNvSpPr>
           <p:nvPr>
-            <p:ph idx="1" type="body"/>
+            <p:ph type="body" idx="1"/>
           </p:nvPr>
         </p:nvSpPr>
         <p:spPr>
@@ -10421,12 +10844,12 @@
           </a:prstGeom>
         </p:spPr>
         <p:txBody>
-          <a:bodyPr anchorCtr="0" anchor="t" bIns="91425" lIns="91425" rIns="91425" tIns="91425">
+          <a:bodyPr lIns="91425" tIns="91425" rIns="91425" bIns="91425" anchor="t" anchorCtr="0">
             <a:noAutofit/>
           </a:bodyPr>
           <a:lstStyle/>
           <a:p>
-            <a:pPr indent="-228600" lvl="0" marL="457200" rtl="0">
+            <a:pPr marL="457200" lvl="0" indent="-228600" rtl="0">
               <a:spcBef>
                 <a:spcPts val="0"/>
               </a:spcBef>
@@ -10437,7 +10860,7 @@
             </a:r>
           </a:p>
           <a:p>
-            <a:pPr indent="-228600" lvl="1" marL="914400" rtl="0">
+            <a:pPr marL="914400" lvl="1" indent="-228600" rtl="0">
               <a:spcBef>
                 <a:spcPts val="0"/>
               </a:spcBef>
@@ -10448,7 +10871,7 @@
             </a:r>
           </a:p>
           <a:p>
-            <a:pPr indent="-228600" lvl="1" marL="914400" rtl="0">
+            <a:pPr marL="914400" lvl="1" indent="-228600" rtl="0">
               <a:spcBef>
                 <a:spcPts val="0"/>
               </a:spcBef>
@@ -10465,13 +10888,10 @@
               </a:spcBef>
               <a:buNone/>
             </a:pPr>
-            <a:r>
-              <a:t/>
-            </a:r>
             <a:endParaRPr/>
           </a:p>
           <a:p>
-            <a:pPr indent="-228600" lvl="0" marL="457200" rtl="0">
+            <a:pPr marL="457200" lvl="0" indent="-228600" rtl="0">
               <a:spcBef>
                 <a:spcPts val="0"/>
               </a:spcBef>
@@ -10482,7 +10902,7 @@
             </a:r>
           </a:p>
           <a:p>
-            <a:pPr indent="-228600" lvl="1" marL="914400" rtl="0">
+            <a:pPr marL="914400" lvl="1" indent="-228600" rtl="0">
               <a:spcBef>
                 <a:spcPts val="0"/>
               </a:spcBef>
@@ -10493,7 +10913,7 @@
             </a:r>
           </a:p>
           <a:p>
-            <a:pPr indent="-228600" lvl="1" marL="914400" rtl="0">
+            <a:pPr marL="914400" lvl="1" indent="-228600" rtl="0">
               <a:spcBef>
                 <a:spcPts val="0"/>
               </a:spcBef>
@@ -10510,13 +10930,10 @@
               </a:spcBef>
               <a:buNone/>
             </a:pPr>
-            <a:r>
-              <a:t/>
-            </a:r>
             <a:endParaRPr/>
           </a:p>
           <a:p>
-            <a:pPr indent="-228600" lvl="0" marL="457200" rtl="0">
+            <a:pPr marL="457200" lvl="0" indent="-228600" rtl="0">
               <a:spcBef>
                 <a:spcPts val="0"/>
               </a:spcBef>
@@ -10533,9 +10950,6 @@
               </a:spcBef>
               <a:buNone/>
             </a:pPr>
-            <a:r>
-              <a:t/>
-            </a:r>
             <a:endParaRPr/>
           </a:p>
         </p:txBody>
@@ -10549,7 +10963,288 @@
 </file>
 
 <file path=ppt/theme/theme1.xml><?xml version="1.0" encoding="utf-8"?>
-<a:theme xmlns:a="http://schemas.openxmlformats.org/drawingml/2006/main" xmlns:r="http://schemas.openxmlformats.org/officeDocument/2006/relationships" name="Custom Theme">
+<a:theme xmlns:a="http://schemas.openxmlformats.org/drawingml/2006/main" name="tropic">
+  <a:themeElements>
+    <a:clrScheme name="Tropic">
+      <a:dk1>
+        <a:srgbClr val="A1E8D9"/>
+      </a:dk1>
+      <a:lt1>
+        <a:srgbClr val="FFFFFF"/>
+      </a:lt1>
+      <a:dk2>
+        <a:srgbClr val="695D46"/>
+      </a:dk2>
+      <a:lt2>
+        <a:srgbClr val="B3A77D"/>
+      </a:lt2>
+      <a:accent1>
+        <a:srgbClr val="EF6C00"/>
+      </a:accent1>
+      <a:accent2>
+        <a:srgbClr val="009668"/>
+      </a:accent2>
+      <a:accent3>
+        <a:srgbClr val="4DB6AC"/>
+      </a:accent3>
+      <a:accent4>
+        <a:srgbClr val="FF9800"/>
+      </a:accent4>
+      <a:accent5>
+        <a:srgbClr val="CE93D8"/>
+      </a:accent5>
+      <a:accent6>
+        <a:srgbClr val="EEFF41"/>
+      </a:accent6>
+      <a:hlink>
+        <a:srgbClr val="CE93D8"/>
+      </a:hlink>
+      <a:folHlink>
+        <a:srgbClr val="CE93D8"/>
+      </a:folHlink>
+    </a:clrScheme>
+    <a:fontScheme name="Office">
+      <a:majorFont>
+        <a:latin typeface="Arial"/>
+        <a:ea typeface=""/>
+        <a:cs typeface=""/>
+        <a:font script="Jpan" typeface="ＭＳ Ｐゴシック"/>
+        <a:font script="Hang" typeface="맑은 고딕"/>
+        <a:font script="Hans" typeface="宋体"/>
+        <a:font script="Hant" typeface="新細明體"/>
+        <a:font script="Arab" typeface="Times New Roman"/>
+        <a:font script="Hebr" typeface="Times New Roman"/>
+        <a:font script="Thai" typeface="Angsana New"/>
+        <a:font script="Ethi" typeface="Nyala"/>
+        <a:font script="Beng" typeface="Vrinda"/>
+        <a:font script="Gujr" typeface="Shruti"/>
+        <a:font script="Khmr" typeface="MoolBoran"/>
+        <a:font script="Knda" typeface="Tunga"/>
+        <a:font script="Guru" typeface="Raavi"/>
+        <a:font script="Cans" typeface="Euphemia"/>
+        <a:font script="Cher" typeface="Plantagenet Cherokee"/>
+        <a:font script="Yiii" typeface="Microsoft Yi Baiti"/>
+        <a:font script="Tibt" typeface="Microsoft Himalaya"/>
+        <a:font script="Thaa" typeface="MV Boli"/>
+        <a:font script="Deva" typeface="Mangal"/>
+        <a:font script="Telu" typeface="Gautami"/>
+        <a:font script="Taml" typeface="Latha"/>
+        <a:font script="Syrc" typeface="Estrangelo Edessa"/>
+        <a:font script="Orya" typeface="Kalinga"/>
+        <a:font script="Mlym" typeface="Kartika"/>
+        <a:font script="Laoo" typeface="DokChampa"/>
+        <a:font script="Sinh" typeface="Iskoola Pota"/>
+        <a:font script="Mong" typeface="Mongolian Baiti"/>
+        <a:font script="Viet" typeface="Times New Roman"/>
+        <a:font script="Uigh" typeface="Microsoft Uighur"/>
+        <a:font script="Geor" typeface="Sylfaen"/>
+      </a:majorFont>
+      <a:minorFont>
+        <a:latin typeface="Arial"/>
+        <a:ea typeface=""/>
+        <a:cs typeface=""/>
+        <a:font script="Jpan" typeface="ＭＳ Ｐゴシック"/>
+        <a:font script="Hang" typeface="맑은 고딕"/>
+        <a:font script="Hans" typeface="宋体"/>
+        <a:font script="Hant" typeface="新細明體"/>
+        <a:font script="Arab" typeface="Arial"/>
+        <a:font script="Hebr" typeface="Arial"/>
+        <a:font script="Thai" typeface="Cordia New"/>
+        <a:font script="Ethi" typeface="Nyala"/>
+        <a:font script="Beng" typeface="Vrinda"/>
+        <a:font script="Gujr" typeface="Shruti"/>
+        <a:font script="Khmr" typeface="DaunPenh"/>
+        <a:font script="Knda" typeface="Tunga"/>
+        <a:font script="Guru" typeface="Raavi"/>
+        <a:font script="Cans" typeface="Euphemia"/>
+        <a:font script="Cher" typeface="Plantagenet Cherokee"/>
+        <a:font script="Yiii" typeface="Microsoft Yi Baiti"/>
+        <a:font script="Tibt" typeface="Microsoft Himalaya"/>
+        <a:font script="Thaa" typeface="MV Boli"/>
+        <a:font script="Deva" typeface="Mangal"/>
+        <a:font script="Telu" typeface="Gautami"/>
+        <a:font script="Taml" typeface="Latha"/>
+        <a:font script="Syrc" typeface="Estrangelo Edessa"/>
+        <a:font script="Orya" typeface="Kalinga"/>
+        <a:font script="Mlym" typeface="Kartika"/>
+        <a:font script="Laoo" typeface="DokChampa"/>
+        <a:font script="Sinh" typeface="Iskoola Pota"/>
+        <a:font script="Mong" typeface="Mongolian Baiti"/>
+        <a:font script="Viet" typeface="Arial"/>
+        <a:font script="Uigh" typeface="Microsoft Uighur"/>
+        <a:font script="Geor" typeface="Sylfaen"/>
+      </a:minorFont>
+    </a:fontScheme>
+    <a:fmtScheme name="Office">
+      <a:fillStyleLst>
+        <a:solidFill>
+          <a:schemeClr val="phClr"/>
+        </a:solidFill>
+        <a:gradFill rotWithShape="1">
+          <a:gsLst>
+            <a:gs pos="0">
+              <a:schemeClr val="phClr">
+                <a:tint val="50000"/>
+                <a:satMod val="300000"/>
+              </a:schemeClr>
+            </a:gs>
+            <a:gs pos="35000">
+              <a:schemeClr val="phClr">
+                <a:tint val="37000"/>
+                <a:satMod val="300000"/>
+              </a:schemeClr>
+            </a:gs>
+            <a:gs pos="100000">
+              <a:schemeClr val="phClr">
+                <a:tint val="15000"/>
+                <a:satMod val="350000"/>
+              </a:schemeClr>
+            </a:gs>
+          </a:gsLst>
+          <a:lin ang="16200000" scaled="1"/>
+        </a:gradFill>
+        <a:gradFill rotWithShape="1">
+          <a:gsLst>
+            <a:gs pos="0">
+              <a:schemeClr val="phClr">
+                <a:tint val="100000"/>
+                <a:shade val="100000"/>
+                <a:satMod val="130000"/>
+              </a:schemeClr>
+            </a:gs>
+            <a:gs pos="100000">
+              <a:schemeClr val="phClr">
+                <a:tint val="50000"/>
+                <a:shade val="100000"/>
+                <a:satMod val="350000"/>
+              </a:schemeClr>
+            </a:gs>
+          </a:gsLst>
+          <a:lin ang="16200000" scaled="0"/>
+        </a:gradFill>
+      </a:fillStyleLst>
+      <a:lnStyleLst>
+        <a:ln w="9525" cap="flat" cmpd="sng" algn="ctr">
+          <a:solidFill>
+            <a:schemeClr val="phClr">
+              <a:shade val="95000"/>
+              <a:satMod val="105000"/>
+            </a:schemeClr>
+          </a:solidFill>
+          <a:prstDash val="solid"/>
+        </a:ln>
+        <a:ln w="25400" cap="flat" cmpd="sng" algn="ctr">
+          <a:solidFill>
+            <a:schemeClr val="phClr"/>
+          </a:solidFill>
+          <a:prstDash val="solid"/>
+        </a:ln>
+        <a:ln w="38100" cap="flat" cmpd="sng" algn="ctr">
+          <a:solidFill>
+            <a:schemeClr val="phClr"/>
+          </a:solidFill>
+          <a:prstDash val="solid"/>
+        </a:ln>
+      </a:lnStyleLst>
+      <a:effectStyleLst>
+        <a:effectStyle>
+          <a:effectLst>
+            <a:outerShdw blurRad="40000" dist="20000" dir="5400000" rotWithShape="0">
+              <a:srgbClr val="000000">
+                <a:alpha val="38000"/>
+              </a:srgbClr>
+            </a:outerShdw>
+          </a:effectLst>
+        </a:effectStyle>
+        <a:effectStyle>
+          <a:effectLst>
+            <a:outerShdw blurRad="40000" dist="23000" dir="5400000" rotWithShape="0">
+              <a:srgbClr val="000000">
+                <a:alpha val="35000"/>
+              </a:srgbClr>
+            </a:outerShdw>
+          </a:effectLst>
+        </a:effectStyle>
+        <a:effectStyle>
+          <a:effectLst>
+            <a:outerShdw blurRad="40000" dist="23000" dir="5400000" rotWithShape="0">
+              <a:srgbClr val="000000">
+                <a:alpha val="35000"/>
+              </a:srgbClr>
+            </a:outerShdw>
+          </a:effectLst>
+          <a:scene3d>
+            <a:camera prst="orthographicFront">
+              <a:rot lat="0" lon="0" rev="0"/>
+            </a:camera>
+            <a:lightRig rig="threePt" dir="t">
+              <a:rot lat="0" lon="0" rev="1200000"/>
+            </a:lightRig>
+          </a:scene3d>
+          <a:sp3d>
+            <a:bevelT w="63500" h="25400"/>
+          </a:sp3d>
+        </a:effectStyle>
+      </a:effectStyleLst>
+      <a:bgFillStyleLst>
+        <a:solidFill>
+          <a:schemeClr val="phClr"/>
+        </a:solidFill>
+        <a:gradFill rotWithShape="1">
+          <a:gsLst>
+            <a:gs pos="0">
+              <a:schemeClr val="phClr">
+                <a:tint val="40000"/>
+                <a:satMod val="350000"/>
+              </a:schemeClr>
+            </a:gs>
+            <a:gs pos="40000">
+              <a:schemeClr val="phClr">
+                <a:tint val="45000"/>
+                <a:shade val="99000"/>
+                <a:satMod val="350000"/>
+              </a:schemeClr>
+            </a:gs>
+            <a:gs pos="100000">
+              <a:schemeClr val="phClr">
+                <a:shade val="20000"/>
+                <a:satMod val="255000"/>
+              </a:schemeClr>
+            </a:gs>
+          </a:gsLst>
+          <a:path path="circle">
+            <a:fillToRect l="50000" t="-80000" r="50000" b="180000"/>
+          </a:path>
+        </a:gradFill>
+        <a:gradFill rotWithShape="1">
+          <a:gsLst>
+            <a:gs pos="0">
+              <a:schemeClr val="phClr">
+                <a:tint val="80000"/>
+                <a:satMod val="300000"/>
+              </a:schemeClr>
+            </a:gs>
+            <a:gs pos="100000">
+              <a:schemeClr val="phClr">
+                <a:shade val="30000"/>
+                <a:satMod val="200000"/>
+              </a:schemeClr>
+            </a:gs>
+          </a:gsLst>
+          <a:path path="circle">
+            <a:fillToRect l="50000" t="50000" r="50000" b="50000"/>
+          </a:path>
+        </a:gradFill>
+      </a:bgFillStyleLst>
+    </a:fmtScheme>
+  </a:themeElements>
+  <a:objectDefaults/>
+  <a:extraClrSchemeLst/>
+</a:theme>
+</file>
+
+<file path=ppt/theme/theme2.xml><?xml version="1.0" encoding="utf-8"?>
+<a:theme xmlns:a="http://schemas.openxmlformats.org/drawingml/2006/main" name="Custom Theme">
   <a:themeElements>
     <a:clrScheme name="Default">
       <a:dk1>
@@ -10824,284 +11519,7 @@
       </a:bgFillStyleLst>
     </a:fmtScheme>
   </a:themeElements>
-</a:theme>
-</file>
-
-<file path=ppt/theme/theme2.xml><?xml version="1.0" encoding="utf-8"?>
-<a:theme xmlns:a="http://schemas.openxmlformats.org/drawingml/2006/main" xmlns:r="http://schemas.openxmlformats.org/officeDocument/2006/relationships" name="tropic">
-  <a:themeElements>
-    <a:clrScheme name="Tropic">
-      <a:dk1>
-        <a:srgbClr val="A1E8D9"/>
-      </a:dk1>
-      <a:lt1>
-        <a:srgbClr val="FFFFFF"/>
-      </a:lt1>
-      <a:dk2>
-        <a:srgbClr val="695D46"/>
-      </a:dk2>
-      <a:lt2>
-        <a:srgbClr val="B3A77D"/>
-      </a:lt2>
-      <a:accent1>
-        <a:srgbClr val="EF6C00"/>
-      </a:accent1>
-      <a:accent2>
-        <a:srgbClr val="009668"/>
-      </a:accent2>
-      <a:accent3>
-        <a:srgbClr val="4DB6AC"/>
-      </a:accent3>
-      <a:accent4>
-        <a:srgbClr val="FF9800"/>
-      </a:accent4>
-      <a:accent5>
-        <a:srgbClr val="CE93D8"/>
-      </a:accent5>
-      <a:accent6>
-        <a:srgbClr val="EEFF41"/>
-      </a:accent6>
-      <a:hlink>
-        <a:srgbClr val="CE93D8"/>
-      </a:hlink>
-      <a:folHlink>
-        <a:srgbClr val="CE93D8"/>
-      </a:folHlink>
-    </a:clrScheme>
-    <a:fontScheme name="Office">
-      <a:majorFont>
-        <a:latin typeface="Arial"/>
-        <a:ea typeface=""/>
-        <a:cs typeface=""/>
-        <a:font script="Jpan" typeface="ＭＳ Ｐゴシック"/>
-        <a:font script="Hang" typeface="맑은 고딕"/>
-        <a:font script="Hans" typeface="宋体"/>
-        <a:font script="Hant" typeface="新細明體"/>
-        <a:font script="Arab" typeface="Times New Roman"/>
-        <a:font script="Hebr" typeface="Times New Roman"/>
-        <a:font script="Thai" typeface="Angsana New"/>
-        <a:font script="Ethi" typeface="Nyala"/>
-        <a:font script="Beng" typeface="Vrinda"/>
-        <a:font script="Gujr" typeface="Shruti"/>
-        <a:font script="Khmr" typeface="MoolBoran"/>
-        <a:font script="Knda" typeface="Tunga"/>
-        <a:font script="Guru" typeface="Raavi"/>
-        <a:font script="Cans" typeface="Euphemia"/>
-        <a:font script="Cher" typeface="Plantagenet Cherokee"/>
-        <a:font script="Yiii" typeface="Microsoft Yi Baiti"/>
-        <a:font script="Tibt" typeface="Microsoft Himalaya"/>
-        <a:font script="Thaa" typeface="MV Boli"/>
-        <a:font script="Deva" typeface="Mangal"/>
-        <a:font script="Telu" typeface="Gautami"/>
-        <a:font script="Taml" typeface="Latha"/>
-        <a:font script="Syrc" typeface="Estrangelo Edessa"/>
-        <a:font script="Orya" typeface="Kalinga"/>
-        <a:font script="Mlym" typeface="Kartika"/>
-        <a:font script="Laoo" typeface="DokChampa"/>
-        <a:font script="Sinh" typeface="Iskoola Pota"/>
-        <a:font script="Mong" typeface="Mongolian Baiti"/>
-        <a:font script="Viet" typeface="Times New Roman"/>
-        <a:font script="Uigh" typeface="Microsoft Uighur"/>
-        <a:font script="Geor" typeface="Sylfaen"/>
-      </a:majorFont>
-      <a:minorFont>
-        <a:latin typeface="Arial"/>
-        <a:ea typeface=""/>
-        <a:cs typeface=""/>
-        <a:font script="Jpan" typeface="ＭＳ Ｐゴシック"/>
-        <a:font script="Hang" typeface="맑은 고딕"/>
-        <a:font script="Hans" typeface="宋体"/>
-        <a:font script="Hant" typeface="新細明體"/>
-        <a:font script="Arab" typeface="Arial"/>
-        <a:font script="Hebr" typeface="Arial"/>
-        <a:font script="Thai" typeface="Cordia New"/>
-        <a:font script="Ethi" typeface="Nyala"/>
-        <a:font script="Beng" typeface="Vrinda"/>
-        <a:font script="Gujr" typeface="Shruti"/>
-        <a:font script="Khmr" typeface="DaunPenh"/>
-        <a:font script="Knda" typeface="Tunga"/>
-        <a:font script="Guru" typeface="Raavi"/>
-        <a:font script="Cans" typeface="Euphemia"/>
-        <a:font script="Cher" typeface="Plantagenet Cherokee"/>
-        <a:font script="Yiii" typeface="Microsoft Yi Baiti"/>
-        <a:font script="Tibt" typeface="Microsoft Himalaya"/>
-        <a:font script="Thaa" typeface="MV Boli"/>
-        <a:font script="Deva" typeface="Mangal"/>
-        <a:font script="Telu" typeface="Gautami"/>
-        <a:font script="Taml" typeface="Latha"/>
-        <a:font script="Syrc" typeface="Estrangelo Edessa"/>
-        <a:font script="Orya" typeface="Kalinga"/>
-        <a:font script="Mlym" typeface="Kartika"/>
-        <a:font script="Laoo" typeface="DokChampa"/>
-        <a:font script="Sinh" typeface="Iskoola Pota"/>
-        <a:font script="Mong" typeface="Mongolian Baiti"/>
-        <a:font script="Viet" typeface="Arial"/>
-        <a:font script="Uigh" typeface="Microsoft Uighur"/>
-        <a:font script="Geor" typeface="Sylfaen"/>
-      </a:minorFont>
-    </a:fontScheme>
-    <a:fmtScheme name="Office">
-      <a:fillStyleLst>
-        <a:solidFill>
-          <a:schemeClr val="phClr"/>
-        </a:solidFill>
-        <a:gradFill rotWithShape="1">
-          <a:gsLst>
-            <a:gs pos="0">
-              <a:schemeClr val="phClr">
-                <a:tint val="50000"/>
-                <a:satMod val="300000"/>
-              </a:schemeClr>
-            </a:gs>
-            <a:gs pos="35000">
-              <a:schemeClr val="phClr">
-                <a:tint val="37000"/>
-                <a:satMod val="300000"/>
-              </a:schemeClr>
-            </a:gs>
-            <a:gs pos="100000">
-              <a:schemeClr val="phClr">
-                <a:tint val="15000"/>
-                <a:satMod val="350000"/>
-              </a:schemeClr>
-            </a:gs>
-          </a:gsLst>
-          <a:lin ang="16200000" scaled="1"/>
-        </a:gradFill>
-        <a:gradFill rotWithShape="1">
-          <a:gsLst>
-            <a:gs pos="0">
-              <a:schemeClr val="phClr">
-                <a:tint val="100000"/>
-                <a:shade val="100000"/>
-                <a:satMod val="130000"/>
-              </a:schemeClr>
-            </a:gs>
-            <a:gs pos="100000">
-              <a:schemeClr val="phClr">
-                <a:tint val="50000"/>
-                <a:shade val="100000"/>
-                <a:satMod val="350000"/>
-              </a:schemeClr>
-            </a:gs>
-          </a:gsLst>
-          <a:lin ang="16200000" scaled="0"/>
-        </a:gradFill>
-      </a:fillStyleLst>
-      <a:lnStyleLst>
-        <a:ln w="9525" cap="flat" cmpd="sng" algn="ctr">
-          <a:solidFill>
-            <a:schemeClr val="phClr">
-              <a:shade val="95000"/>
-              <a:satMod val="105000"/>
-            </a:schemeClr>
-          </a:solidFill>
-          <a:prstDash val="solid"/>
-        </a:ln>
-        <a:ln w="25400" cap="flat" cmpd="sng" algn="ctr">
-          <a:solidFill>
-            <a:schemeClr val="phClr"/>
-          </a:solidFill>
-          <a:prstDash val="solid"/>
-        </a:ln>
-        <a:ln w="38100" cap="flat" cmpd="sng" algn="ctr">
-          <a:solidFill>
-            <a:schemeClr val="phClr"/>
-          </a:solidFill>
-          <a:prstDash val="solid"/>
-        </a:ln>
-      </a:lnStyleLst>
-      <a:effectStyleLst>
-        <a:effectStyle>
-          <a:effectLst>
-            <a:outerShdw blurRad="40000" dist="20000" dir="5400000" rotWithShape="0">
-              <a:srgbClr val="000000">
-                <a:alpha val="38000"/>
-              </a:srgbClr>
-            </a:outerShdw>
-          </a:effectLst>
-        </a:effectStyle>
-        <a:effectStyle>
-          <a:effectLst>
-            <a:outerShdw blurRad="40000" dist="23000" dir="5400000" rotWithShape="0">
-              <a:srgbClr val="000000">
-                <a:alpha val="35000"/>
-              </a:srgbClr>
-            </a:outerShdw>
-          </a:effectLst>
-        </a:effectStyle>
-        <a:effectStyle>
-          <a:effectLst>
-            <a:outerShdw blurRad="40000" dist="23000" dir="5400000" rotWithShape="0">
-              <a:srgbClr val="000000">
-                <a:alpha val="35000"/>
-              </a:srgbClr>
-            </a:outerShdw>
-          </a:effectLst>
-          <a:scene3d>
-            <a:camera prst="orthographicFront">
-              <a:rot lat="0" lon="0" rev="0"/>
-            </a:camera>
-            <a:lightRig rig="threePt" dir="t">
-              <a:rot lat="0" lon="0" rev="1200000"/>
-            </a:lightRig>
-          </a:scene3d>
-          <a:sp3d>
-            <a:bevelT w="63500" h="25400"/>
-          </a:sp3d>
-        </a:effectStyle>
-      </a:effectStyleLst>
-      <a:bgFillStyleLst>
-        <a:solidFill>
-          <a:schemeClr val="phClr"/>
-        </a:solidFill>
-        <a:gradFill rotWithShape="1">
-          <a:gsLst>
-            <a:gs pos="0">
-              <a:schemeClr val="phClr">
-                <a:tint val="40000"/>
-                <a:satMod val="350000"/>
-              </a:schemeClr>
-            </a:gs>
-            <a:gs pos="40000">
-              <a:schemeClr val="phClr">
-                <a:tint val="45000"/>
-                <a:shade val="99000"/>
-                <a:satMod val="350000"/>
-              </a:schemeClr>
-            </a:gs>
-            <a:gs pos="100000">
-              <a:schemeClr val="phClr">
-                <a:shade val="20000"/>
-                <a:satMod val="255000"/>
-              </a:schemeClr>
-            </a:gs>
-          </a:gsLst>
-          <a:path path="circle">
-            <a:fillToRect l="50000" t="-80000" r="50000" b="180000"/>
-          </a:path>
-        </a:gradFill>
-        <a:gradFill rotWithShape="1">
-          <a:gsLst>
-            <a:gs pos="0">
-              <a:schemeClr val="phClr">
-                <a:tint val="80000"/>
-                <a:satMod val="300000"/>
-              </a:schemeClr>
-            </a:gs>
-            <a:gs pos="100000">
-              <a:schemeClr val="phClr">
-                <a:shade val="30000"/>
-                <a:satMod val="200000"/>
-              </a:schemeClr>
-            </a:gs>
-          </a:gsLst>
-          <a:path path="circle">
-            <a:fillToRect l="50000" t="50000" r="50000" b="50000"/>
-          </a:path>
-        </a:gradFill>
-      </a:bgFillStyleLst>
-    </a:fmtScheme>
-  </a:themeElements>
+  <a:objectDefaults/>
+  <a:extraClrSchemeLst/>
 </a:theme>
 </file>